--- a/W5_Analisis_multivariado_de_comunidades.pptx
+++ b/W5_Analisis_multivariado_de_comunidades.pptx
@@ -7,13 +7,20 @@
   <p:sldIdLst>
     <p:sldId id="258" r:id="rId2"/>
     <p:sldId id="259" r:id="rId3"/>
-    <p:sldId id="257" r:id="rId4"/>
-    <p:sldId id="260" r:id="rId5"/>
-    <p:sldId id="261" r:id="rId6"/>
-    <p:sldId id="262" r:id="rId7"/>
-    <p:sldId id="263" r:id="rId8"/>
-    <p:sldId id="264" r:id="rId9"/>
-    <p:sldId id="265" r:id="rId10"/>
+    <p:sldId id="269" r:id="rId4"/>
+    <p:sldId id="266" r:id="rId5"/>
+    <p:sldId id="257" r:id="rId6"/>
+    <p:sldId id="260" r:id="rId7"/>
+    <p:sldId id="271" r:id="rId8"/>
+    <p:sldId id="268" r:id="rId9"/>
+    <p:sldId id="272" r:id="rId10"/>
+    <p:sldId id="261" r:id="rId11"/>
+    <p:sldId id="262" r:id="rId12"/>
+    <p:sldId id="263" r:id="rId13"/>
+    <p:sldId id="264" r:id="rId14"/>
+    <p:sldId id="265" r:id="rId15"/>
+    <p:sldId id="267" r:id="rId16"/>
+    <p:sldId id="270" r:id="rId17"/>
   </p:sldIdLst>
   <p:sldSz cx="12192000" cy="6858000"/>
   <p:notesSz cx="6858000" cy="9144000"/>
@@ -4318,6 +4325,862 @@
 </p:sld>
 </file>
 
+<file path=ppt/slides/slide10.xml><?xml version="1.0" encoding="utf-8"?>
+<p:sld xmlns:a="http://schemas.openxmlformats.org/drawingml/2006/main" xmlns:r="http://schemas.openxmlformats.org/officeDocument/2006/relationships" xmlns:p="http://schemas.openxmlformats.org/presentationml/2006/main">
+  <p:cSld>
+    <p:spTree>
+      <p:nvGrpSpPr>
+        <p:cNvPr id="1" name=""/>
+        <p:cNvGrpSpPr/>
+        <p:nvPr/>
+      </p:nvGrpSpPr>
+      <p:grpSpPr>
+        <a:xfrm>
+          <a:off x="0" y="0"/>
+          <a:ext cx="0" cy="0"/>
+          <a:chOff x="0" y="0"/>
+          <a:chExt cx="0" cy="0"/>
+        </a:xfrm>
+      </p:grpSpPr>
+      <p:sp>
+        <p:nvSpPr>
+          <p:cNvPr id="2" name="Title 1">
+            <a:extLst>
+              <a:ext uri="{FF2B5EF4-FFF2-40B4-BE49-F238E27FC236}">
+                <a16:creationId xmlns:a16="http://schemas.microsoft.com/office/drawing/2014/main" id="{13FE9FF5-A3A7-4942-81C9-0CF28F46896E}"/>
+              </a:ext>
+            </a:extLst>
+          </p:cNvPr>
+          <p:cNvSpPr>
+            <a:spLocks noGrp="1"/>
+          </p:cNvSpPr>
+          <p:nvPr>
+            <p:ph type="title"/>
+          </p:nvPr>
+        </p:nvSpPr>
+        <p:spPr/>
+        <p:txBody>
+          <a:bodyPr/>
+          <a:lstStyle/>
+          <a:p>
+            <a:r>
+              <a:rPr lang="es-PE" dirty="0"/>
+              <a:t>Ordenaciones</a:t>
+            </a:r>
+          </a:p>
+        </p:txBody>
+      </p:sp>
+      <p:sp>
+        <p:nvSpPr>
+          <p:cNvPr id="3" name="Content Placeholder 2">
+            <a:extLst>
+              <a:ext uri="{FF2B5EF4-FFF2-40B4-BE49-F238E27FC236}">
+                <a16:creationId xmlns:a16="http://schemas.microsoft.com/office/drawing/2014/main" id="{C5CDFDFE-046E-455A-90C7-675A55EC644A}"/>
+              </a:ext>
+            </a:extLst>
+          </p:cNvPr>
+          <p:cNvSpPr>
+            <a:spLocks noGrp="1"/>
+          </p:cNvSpPr>
+          <p:nvPr>
+            <p:ph sz="quarter" idx="13"/>
+          </p:nvPr>
+        </p:nvSpPr>
+        <p:spPr/>
+        <p:txBody>
+          <a:bodyPr/>
+          <a:lstStyle/>
+          <a:p>
+            <a:r>
+              <a:rPr lang="es-PE" dirty="0"/>
+              <a:t>Formas de representar en dos o tres dimensiones datos de muchas dimensiones</a:t>
+            </a:r>
+          </a:p>
+          <a:p>
+            <a:r>
+              <a:rPr lang="es-PE" dirty="0"/>
+              <a:t>Reduce peso a variables poco </a:t>
+            </a:r>
+            <a:r>
+              <a:rPr lang="es-PE" dirty="0" err="1"/>
+              <a:t>inportantes</a:t>
+            </a:r>
+            <a:endParaRPr lang="es-PE" dirty="0"/>
+          </a:p>
+        </p:txBody>
+      </p:sp>
+      <p:sp>
+        <p:nvSpPr>
+          <p:cNvPr id="4" name="Content Placeholder 3">
+            <a:extLst>
+              <a:ext uri="{FF2B5EF4-FFF2-40B4-BE49-F238E27FC236}">
+                <a16:creationId xmlns:a16="http://schemas.microsoft.com/office/drawing/2014/main" id="{2A003683-95FD-46C1-B199-DF778AE135D7}"/>
+              </a:ext>
+            </a:extLst>
+          </p:cNvPr>
+          <p:cNvSpPr>
+            <a:spLocks noGrp="1"/>
+          </p:cNvSpPr>
+          <p:nvPr>
+            <p:ph sz="quarter" idx="14"/>
+          </p:nvPr>
+        </p:nvSpPr>
+        <p:spPr/>
+        <p:txBody>
+          <a:bodyPr/>
+          <a:lstStyle/>
+          <a:p>
+            <a:r>
+              <a:rPr lang="es-PE" dirty="0"/>
+              <a:t>PCA (Maximiza varianza explicada en primeros ejes)</a:t>
+            </a:r>
+          </a:p>
+          <a:p>
+            <a:r>
+              <a:rPr lang="es-PE" dirty="0"/>
+              <a:t>NMDS (iterativa)</a:t>
+            </a:r>
+          </a:p>
+        </p:txBody>
+      </p:sp>
+    </p:spTree>
+    <p:extLst>
+      <p:ext uri="{BB962C8B-B14F-4D97-AF65-F5344CB8AC3E}">
+        <p14:creationId xmlns:p14="http://schemas.microsoft.com/office/powerpoint/2010/main" val="1971854997"/>
+      </p:ext>
+    </p:extLst>
+  </p:cSld>
+  <p:clrMapOvr>
+    <a:masterClrMapping/>
+  </p:clrMapOvr>
+</p:sld>
+</file>
+
+<file path=ppt/slides/slide11.xml><?xml version="1.0" encoding="utf-8"?>
+<p:sld xmlns:a="http://schemas.openxmlformats.org/drawingml/2006/main" xmlns:r="http://schemas.openxmlformats.org/officeDocument/2006/relationships" xmlns:p="http://schemas.openxmlformats.org/presentationml/2006/main">
+  <p:cSld>
+    <p:spTree>
+      <p:nvGrpSpPr>
+        <p:cNvPr id="1" name=""/>
+        <p:cNvGrpSpPr/>
+        <p:nvPr/>
+      </p:nvGrpSpPr>
+      <p:grpSpPr>
+        <a:xfrm>
+          <a:off x="0" y="0"/>
+          <a:ext cx="0" cy="0"/>
+          <a:chOff x="0" y="0"/>
+          <a:chExt cx="0" cy="0"/>
+        </a:xfrm>
+      </p:grpSpPr>
+      <p:sp>
+        <p:nvSpPr>
+          <p:cNvPr id="2" name="Title 1">
+            <a:extLst>
+              <a:ext uri="{FF2B5EF4-FFF2-40B4-BE49-F238E27FC236}">
+                <a16:creationId xmlns:a16="http://schemas.microsoft.com/office/drawing/2014/main" id="{F8E3B91F-4E93-4C1D-8309-8D9B3667B078}"/>
+              </a:ext>
+            </a:extLst>
+          </p:cNvPr>
+          <p:cNvSpPr>
+            <a:spLocks noGrp="1"/>
+          </p:cNvSpPr>
+          <p:nvPr>
+            <p:ph type="title"/>
+          </p:nvPr>
+        </p:nvSpPr>
+        <p:spPr/>
+        <p:txBody>
+          <a:bodyPr/>
+          <a:lstStyle/>
+          <a:p>
+            <a:r>
+              <a:rPr lang="es-PE" dirty="0"/>
+              <a:t>Ejemplo NMDS + </a:t>
+            </a:r>
+            <a:r>
+              <a:rPr lang="es-PE" dirty="0" err="1"/>
+              <a:t>env.fit</a:t>
+            </a:r>
+            <a:endParaRPr lang="es-PE" dirty="0"/>
+          </a:p>
+        </p:txBody>
+      </p:sp>
+      <p:sp>
+        <p:nvSpPr>
+          <p:cNvPr id="3" name="Content Placeholder 2">
+            <a:extLst>
+              <a:ext uri="{FF2B5EF4-FFF2-40B4-BE49-F238E27FC236}">
+                <a16:creationId xmlns:a16="http://schemas.microsoft.com/office/drawing/2014/main" id="{B5DA94FB-C783-419C-B36D-DE90BEDD1134}"/>
+              </a:ext>
+            </a:extLst>
+          </p:cNvPr>
+          <p:cNvSpPr>
+            <a:spLocks noGrp="1"/>
+          </p:cNvSpPr>
+          <p:nvPr>
+            <p:ph sz="quarter" idx="13"/>
+          </p:nvPr>
+        </p:nvSpPr>
+        <p:spPr/>
+        <p:txBody>
+          <a:bodyPr/>
+          <a:lstStyle/>
+          <a:p>
+            <a:endParaRPr lang="es-PE"/>
+          </a:p>
+        </p:txBody>
+      </p:sp>
+      <p:sp>
+        <p:nvSpPr>
+          <p:cNvPr id="4" name="Content Placeholder 3">
+            <a:extLst>
+              <a:ext uri="{FF2B5EF4-FFF2-40B4-BE49-F238E27FC236}">
+                <a16:creationId xmlns:a16="http://schemas.microsoft.com/office/drawing/2014/main" id="{EFEADFD9-E883-463A-A124-8D48DCEA8CA5}"/>
+              </a:ext>
+            </a:extLst>
+          </p:cNvPr>
+          <p:cNvSpPr>
+            <a:spLocks noGrp="1"/>
+          </p:cNvSpPr>
+          <p:nvPr>
+            <p:ph sz="quarter" idx="14"/>
+          </p:nvPr>
+        </p:nvSpPr>
+        <p:spPr/>
+        <p:txBody>
+          <a:bodyPr/>
+          <a:lstStyle/>
+          <a:p>
+            <a:endParaRPr lang="es-PE"/>
+          </a:p>
+        </p:txBody>
+      </p:sp>
+    </p:spTree>
+    <p:extLst>
+      <p:ext uri="{BB962C8B-B14F-4D97-AF65-F5344CB8AC3E}">
+        <p14:creationId xmlns:p14="http://schemas.microsoft.com/office/powerpoint/2010/main" val="2780109966"/>
+      </p:ext>
+    </p:extLst>
+  </p:cSld>
+  <p:clrMapOvr>
+    <a:masterClrMapping/>
+  </p:clrMapOvr>
+</p:sld>
+</file>
+
+<file path=ppt/slides/slide12.xml><?xml version="1.0" encoding="utf-8"?>
+<p:sld xmlns:a="http://schemas.openxmlformats.org/drawingml/2006/main" xmlns:r="http://schemas.openxmlformats.org/officeDocument/2006/relationships" xmlns:p="http://schemas.openxmlformats.org/presentationml/2006/main">
+  <p:cSld>
+    <p:spTree>
+      <p:nvGrpSpPr>
+        <p:cNvPr id="1" name=""/>
+        <p:cNvGrpSpPr/>
+        <p:nvPr/>
+      </p:nvGrpSpPr>
+      <p:grpSpPr>
+        <a:xfrm>
+          <a:off x="0" y="0"/>
+          <a:ext cx="0" cy="0"/>
+          <a:chOff x="0" y="0"/>
+          <a:chExt cx="0" cy="0"/>
+        </a:xfrm>
+      </p:grpSpPr>
+      <p:sp>
+        <p:nvSpPr>
+          <p:cNvPr id="2" name="Title 1">
+            <a:extLst>
+              <a:ext uri="{FF2B5EF4-FFF2-40B4-BE49-F238E27FC236}">
+                <a16:creationId xmlns:a16="http://schemas.microsoft.com/office/drawing/2014/main" id="{5C187756-0E28-4515-BD8B-013B1E9FD256}"/>
+              </a:ext>
+            </a:extLst>
+          </p:cNvPr>
+          <p:cNvSpPr>
+            <a:spLocks noGrp="1"/>
+          </p:cNvSpPr>
+          <p:nvPr>
+            <p:ph type="title"/>
+          </p:nvPr>
+        </p:nvSpPr>
+        <p:spPr/>
+        <p:txBody>
+          <a:bodyPr/>
+          <a:lstStyle/>
+          <a:p>
+            <a:r>
+              <a:rPr lang="es-PE" dirty="0"/>
+              <a:t>Ordenaciones restringidas</a:t>
+            </a:r>
+          </a:p>
+        </p:txBody>
+      </p:sp>
+      <p:sp>
+        <p:nvSpPr>
+          <p:cNvPr id="3" name="Content Placeholder 2">
+            <a:extLst>
+              <a:ext uri="{FF2B5EF4-FFF2-40B4-BE49-F238E27FC236}">
+                <a16:creationId xmlns:a16="http://schemas.microsoft.com/office/drawing/2014/main" id="{14D1F5E1-FEB2-4719-975C-095A58A8D64B}"/>
+              </a:ext>
+            </a:extLst>
+          </p:cNvPr>
+          <p:cNvSpPr>
+            <a:spLocks noGrp="1"/>
+          </p:cNvSpPr>
+          <p:nvPr>
+            <p:ph sz="quarter" idx="13"/>
+          </p:nvPr>
+        </p:nvSpPr>
+        <p:spPr/>
+        <p:txBody>
+          <a:bodyPr/>
+          <a:lstStyle/>
+          <a:p>
+            <a:r>
+              <a:rPr lang="es-PE" dirty="0"/>
+              <a:t>Maximizan la variación explicada por variables secundarias</a:t>
+            </a:r>
+          </a:p>
+          <a:p>
+            <a:r>
+              <a:rPr lang="es-PE" dirty="0" err="1"/>
+              <a:t>Ordenacion</a:t>
+            </a:r>
+            <a:r>
+              <a:rPr lang="es-PE" dirty="0"/>
+              <a:t> puede que no sea representativa</a:t>
+            </a:r>
+          </a:p>
+          <a:p>
+            <a:r>
+              <a:rPr lang="es-PE" dirty="0"/>
+              <a:t>Hay que ser cuidadoso con escalas de variables y VIF</a:t>
+            </a:r>
+          </a:p>
+        </p:txBody>
+      </p:sp>
+      <p:sp>
+        <p:nvSpPr>
+          <p:cNvPr id="4" name="Content Placeholder 3">
+            <a:extLst>
+              <a:ext uri="{FF2B5EF4-FFF2-40B4-BE49-F238E27FC236}">
+                <a16:creationId xmlns:a16="http://schemas.microsoft.com/office/drawing/2014/main" id="{0BC5B7E2-6A9B-4039-8F84-56BC96B21355}"/>
+              </a:ext>
+            </a:extLst>
+          </p:cNvPr>
+          <p:cNvSpPr>
+            <a:spLocks noGrp="1"/>
+          </p:cNvSpPr>
+          <p:nvPr>
+            <p:ph sz="quarter" idx="14"/>
+          </p:nvPr>
+        </p:nvSpPr>
+        <p:spPr/>
+        <p:txBody>
+          <a:bodyPr/>
+          <a:lstStyle/>
+          <a:p>
+            <a:endParaRPr lang="es-PE" dirty="0"/>
+          </a:p>
+        </p:txBody>
+      </p:sp>
+    </p:spTree>
+    <p:extLst>
+      <p:ext uri="{BB962C8B-B14F-4D97-AF65-F5344CB8AC3E}">
+        <p14:creationId xmlns:p14="http://schemas.microsoft.com/office/powerpoint/2010/main" val="2956023642"/>
+      </p:ext>
+    </p:extLst>
+  </p:cSld>
+  <p:clrMapOvr>
+    <a:masterClrMapping/>
+  </p:clrMapOvr>
+</p:sld>
+</file>
+
+<file path=ppt/slides/slide13.xml><?xml version="1.0" encoding="utf-8"?>
+<p:sld xmlns:a="http://schemas.openxmlformats.org/drawingml/2006/main" xmlns:r="http://schemas.openxmlformats.org/officeDocument/2006/relationships" xmlns:p="http://schemas.openxmlformats.org/presentationml/2006/main">
+  <p:cSld>
+    <p:spTree>
+      <p:nvGrpSpPr>
+        <p:cNvPr id="1" name=""/>
+        <p:cNvGrpSpPr/>
+        <p:nvPr/>
+      </p:nvGrpSpPr>
+      <p:grpSpPr>
+        <a:xfrm>
+          <a:off x="0" y="0"/>
+          <a:ext cx="0" cy="0"/>
+          <a:chOff x="0" y="0"/>
+          <a:chExt cx="0" cy="0"/>
+        </a:xfrm>
+      </p:grpSpPr>
+      <p:sp>
+        <p:nvSpPr>
+          <p:cNvPr id="2" name="Title 1">
+            <a:extLst>
+              <a:ext uri="{FF2B5EF4-FFF2-40B4-BE49-F238E27FC236}">
+                <a16:creationId xmlns:a16="http://schemas.microsoft.com/office/drawing/2014/main" id="{660536DC-C443-4BEA-9470-C231AFE3C8E1}"/>
+              </a:ext>
+            </a:extLst>
+          </p:cNvPr>
+          <p:cNvSpPr>
+            <a:spLocks noGrp="1"/>
+          </p:cNvSpPr>
+          <p:nvPr>
+            <p:ph type="title"/>
+          </p:nvPr>
+        </p:nvSpPr>
+        <p:spPr/>
+        <p:txBody>
+          <a:bodyPr/>
+          <a:lstStyle/>
+          <a:p>
+            <a:r>
+              <a:rPr lang="es-PE" dirty="0"/>
+              <a:t>PERMANOVA</a:t>
+            </a:r>
+          </a:p>
+        </p:txBody>
+      </p:sp>
+      <p:sp>
+        <p:nvSpPr>
+          <p:cNvPr id="3" name="Content Placeholder 2">
+            <a:extLst>
+              <a:ext uri="{FF2B5EF4-FFF2-40B4-BE49-F238E27FC236}">
+                <a16:creationId xmlns:a16="http://schemas.microsoft.com/office/drawing/2014/main" id="{56AA8EE8-0BD9-4796-89D3-9723A93D3895}"/>
+              </a:ext>
+            </a:extLst>
+          </p:cNvPr>
+          <p:cNvSpPr>
+            <a:spLocks noGrp="1"/>
+          </p:cNvSpPr>
+          <p:nvPr>
+            <p:ph sz="quarter" idx="13"/>
+          </p:nvPr>
+        </p:nvSpPr>
+        <p:spPr/>
+        <p:txBody>
+          <a:bodyPr/>
+          <a:lstStyle/>
+          <a:p>
+            <a:r>
+              <a:rPr lang="es-PE" dirty="0" err="1"/>
+              <a:t>Permutational</a:t>
+            </a:r>
+            <a:r>
+              <a:rPr lang="es-PE" dirty="0"/>
+              <a:t> </a:t>
+            </a:r>
+            <a:r>
+              <a:rPr lang="es-PE" dirty="0" err="1"/>
+              <a:t>multivariate</a:t>
+            </a:r>
+            <a:r>
+              <a:rPr lang="es-PE" dirty="0"/>
+              <a:t> </a:t>
+            </a:r>
+            <a:r>
+              <a:rPr lang="es-PE" dirty="0" err="1"/>
+              <a:t>analysis</a:t>
+            </a:r>
+            <a:r>
+              <a:rPr lang="es-PE" dirty="0"/>
+              <a:t> </a:t>
+            </a:r>
+            <a:r>
+              <a:rPr lang="es-PE" dirty="0" err="1"/>
+              <a:t>of</a:t>
+            </a:r>
+            <a:r>
+              <a:rPr lang="es-PE" dirty="0"/>
+              <a:t> </a:t>
+            </a:r>
+            <a:r>
+              <a:rPr lang="es-PE" dirty="0" err="1"/>
+              <a:t>variation</a:t>
+            </a:r>
+            <a:endParaRPr lang="es-PE" dirty="0"/>
+          </a:p>
+        </p:txBody>
+      </p:sp>
+      <p:sp>
+        <p:nvSpPr>
+          <p:cNvPr id="4" name="Content Placeholder 3">
+            <a:extLst>
+              <a:ext uri="{FF2B5EF4-FFF2-40B4-BE49-F238E27FC236}">
+                <a16:creationId xmlns:a16="http://schemas.microsoft.com/office/drawing/2014/main" id="{4E9EC69B-A804-4005-A058-CB117E791F20}"/>
+              </a:ext>
+            </a:extLst>
+          </p:cNvPr>
+          <p:cNvSpPr>
+            <a:spLocks noGrp="1"/>
+          </p:cNvSpPr>
+          <p:nvPr>
+            <p:ph sz="quarter" idx="14"/>
+          </p:nvPr>
+        </p:nvSpPr>
+        <p:spPr/>
+        <p:txBody>
+          <a:bodyPr/>
+          <a:lstStyle/>
+          <a:p>
+            <a:r>
+              <a:rPr lang="es-PE" dirty="0" err="1"/>
+              <a:t>Example</a:t>
+            </a:r>
+            <a:endParaRPr lang="es-PE" dirty="0"/>
+          </a:p>
+        </p:txBody>
+      </p:sp>
+    </p:spTree>
+    <p:extLst>
+      <p:ext uri="{BB962C8B-B14F-4D97-AF65-F5344CB8AC3E}">
+        <p14:creationId xmlns:p14="http://schemas.microsoft.com/office/powerpoint/2010/main" val="3269413361"/>
+      </p:ext>
+    </p:extLst>
+  </p:cSld>
+  <p:clrMapOvr>
+    <a:masterClrMapping/>
+  </p:clrMapOvr>
+</p:sld>
+</file>
+
+<file path=ppt/slides/slide14.xml><?xml version="1.0" encoding="utf-8"?>
+<p:sld xmlns:a="http://schemas.openxmlformats.org/drawingml/2006/main" xmlns:r="http://schemas.openxmlformats.org/officeDocument/2006/relationships" xmlns:p="http://schemas.openxmlformats.org/presentationml/2006/main">
+  <p:cSld>
+    <p:spTree>
+      <p:nvGrpSpPr>
+        <p:cNvPr id="1" name=""/>
+        <p:cNvGrpSpPr/>
+        <p:nvPr/>
+      </p:nvGrpSpPr>
+      <p:grpSpPr>
+        <a:xfrm>
+          <a:off x="0" y="0"/>
+          <a:ext cx="0" cy="0"/>
+          <a:chOff x="0" y="0"/>
+          <a:chExt cx="0" cy="0"/>
+        </a:xfrm>
+      </p:grpSpPr>
+      <p:sp>
+        <p:nvSpPr>
+          <p:cNvPr id="2" name="Title 1">
+            <a:extLst>
+              <a:ext uri="{FF2B5EF4-FFF2-40B4-BE49-F238E27FC236}">
+                <a16:creationId xmlns:a16="http://schemas.microsoft.com/office/drawing/2014/main" id="{A0A07D34-18DE-4339-A0BC-9C464F272BBC}"/>
+              </a:ext>
+            </a:extLst>
+          </p:cNvPr>
+          <p:cNvSpPr>
+            <a:spLocks noGrp="1"/>
+          </p:cNvSpPr>
+          <p:nvPr>
+            <p:ph type="title"/>
+          </p:nvPr>
+        </p:nvSpPr>
+        <p:spPr/>
+        <p:txBody>
+          <a:bodyPr/>
+          <a:lstStyle/>
+          <a:p>
+            <a:r>
+              <a:rPr lang="es-PE" dirty="0"/>
+              <a:t>PERMDISP</a:t>
+            </a:r>
+          </a:p>
+        </p:txBody>
+      </p:sp>
+      <p:sp>
+        <p:nvSpPr>
+          <p:cNvPr id="3" name="Content Placeholder 2">
+            <a:extLst>
+              <a:ext uri="{FF2B5EF4-FFF2-40B4-BE49-F238E27FC236}">
+                <a16:creationId xmlns:a16="http://schemas.microsoft.com/office/drawing/2014/main" id="{A36EE1DC-BD30-468D-815E-23ABE414EAD5}"/>
+              </a:ext>
+            </a:extLst>
+          </p:cNvPr>
+          <p:cNvSpPr>
+            <a:spLocks noGrp="1"/>
+          </p:cNvSpPr>
+          <p:nvPr>
+            <p:ph sz="quarter" idx="13"/>
+          </p:nvPr>
+        </p:nvSpPr>
+        <p:spPr/>
+        <p:txBody>
+          <a:bodyPr/>
+          <a:lstStyle/>
+          <a:p>
+            <a:endParaRPr lang="es-PE"/>
+          </a:p>
+        </p:txBody>
+      </p:sp>
+      <p:sp>
+        <p:nvSpPr>
+          <p:cNvPr id="4" name="Content Placeholder 3">
+            <a:extLst>
+              <a:ext uri="{FF2B5EF4-FFF2-40B4-BE49-F238E27FC236}">
+                <a16:creationId xmlns:a16="http://schemas.microsoft.com/office/drawing/2014/main" id="{1FB22B9B-916B-41FA-99D8-E8D611E0379C}"/>
+              </a:ext>
+            </a:extLst>
+          </p:cNvPr>
+          <p:cNvSpPr>
+            <a:spLocks noGrp="1"/>
+          </p:cNvSpPr>
+          <p:nvPr>
+            <p:ph sz="quarter" idx="14"/>
+          </p:nvPr>
+        </p:nvSpPr>
+        <p:spPr/>
+        <p:txBody>
+          <a:bodyPr/>
+          <a:lstStyle/>
+          <a:p>
+            <a:endParaRPr lang="es-PE"/>
+          </a:p>
+        </p:txBody>
+      </p:sp>
+    </p:spTree>
+    <p:extLst>
+      <p:ext uri="{BB962C8B-B14F-4D97-AF65-F5344CB8AC3E}">
+        <p14:creationId xmlns:p14="http://schemas.microsoft.com/office/powerpoint/2010/main" val="1561953975"/>
+      </p:ext>
+    </p:extLst>
+  </p:cSld>
+  <p:clrMapOvr>
+    <a:masterClrMapping/>
+  </p:clrMapOvr>
+</p:sld>
+</file>
+
+<file path=ppt/slides/slide15.xml><?xml version="1.0" encoding="utf-8"?>
+<p:sld xmlns:a="http://schemas.openxmlformats.org/drawingml/2006/main" xmlns:r="http://schemas.openxmlformats.org/officeDocument/2006/relationships" xmlns:p="http://schemas.openxmlformats.org/presentationml/2006/main">
+  <p:cSld>
+    <p:spTree>
+      <p:nvGrpSpPr>
+        <p:cNvPr id="1" name=""/>
+        <p:cNvGrpSpPr/>
+        <p:nvPr/>
+      </p:nvGrpSpPr>
+      <p:grpSpPr>
+        <a:xfrm>
+          <a:off x="0" y="0"/>
+          <a:ext cx="0" cy="0"/>
+          <a:chOff x="0" y="0"/>
+          <a:chExt cx="0" cy="0"/>
+        </a:xfrm>
+      </p:grpSpPr>
+      <p:sp>
+        <p:nvSpPr>
+          <p:cNvPr id="2" name="Title 1">
+            <a:extLst>
+              <a:ext uri="{FF2B5EF4-FFF2-40B4-BE49-F238E27FC236}">
+                <a16:creationId xmlns:a16="http://schemas.microsoft.com/office/drawing/2014/main" id="{2B858305-3DE1-457F-A895-498412F80B5B}"/>
+              </a:ext>
+            </a:extLst>
+          </p:cNvPr>
+          <p:cNvSpPr>
+            <a:spLocks noGrp="1"/>
+          </p:cNvSpPr>
+          <p:nvPr>
+            <p:ph type="title"/>
+          </p:nvPr>
+        </p:nvSpPr>
+        <p:spPr/>
+        <p:txBody>
+          <a:bodyPr/>
+          <a:lstStyle/>
+          <a:p>
+            <a:r>
+              <a:rPr lang="es-PE" dirty="0" err="1"/>
+              <a:t>Particion</a:t>
+            </a:r>
+            <a:r>
+              <a:rPr lang="es-PE" dirty="0"/>
+              <a:t> de varianza</a:t>
+            </a:r>
+          </a:p>
+        </p:txBody>
+      </p:sp>
+      <p:sp>
+        <p:nvSpPr>
+          <p:cNvPr id="3" name="Content Placeholder 2">
+            <a:extLst>
+              <a:ext uri="{FF2B5EF4-FFF2-40B4-BE49-F238E27FC236}">
+                <a16:creationId xmlns:a16="http://schemas.microsoft.com/office/drawing/2014/main" id="{A96CAEFB-65E2-4294-A92F-86C71E2D0C2C}"/>
+              </a:ext>
+            </a:extLst>
+          </p:cNvPr>
+          <p:cNvSpPr>
+            <a:spLocks noGrp="1"/>
+          </p:cNvSpPr>
+          <p:nvPr>
+            <p:ph sz="quarter" idx="13"/>
+          </p:nvPr>
+        </p:nvSpPr>
+        <p:spPr/>
+        <p:txBody>
+          <a:bodyPr/>
+          <a:lstStyle/>
+          <a:p>
+            <a:r>
+              <a:rPr lang="es-PE" dirty="0"/>
+              <a:t>Que es</a:t>
+            </a:r>
+          </a:p>
+          <a:p>
+            <a:r>
+              <a:rPr lang="es-PE" dirty="0"/>
+              <a:t>Comando de R</a:t>
+            </a:r>
+          </a:p>
+        </p:txBody>
+      </p:sp>
+      <p:sp>
+        <p:nvSpPr>
+          <p:cNvPr id="4" name="Content Placeholder 3">
+            <a:extLst>
+              <a:ext uri="{FF2B5EF4-FFF2-40B4-BE49-F238E27FC236}">
+                <a16:creationId xmlns:a16="http://schemas.microsoft.com/office/drawing/2014/main" id="{92E4196B-55A0-4635-BD13-A2698C2AED15}"/>
+              </a:ext>
+            </a:extLst>
+          </p:cNvPr>
+          <p:cNvSpPr>
+            <a:spLocks noGrp="1"/>
+          </p:cNvSpPr>
+          <p:nvPr>
+            <p:ph sz="quarter" idx="14"/>
+          </p:nvPr>
+        </p:nvSpPr>
+        <p:spPr/>
+        <p:txBody>
+          <a:bodyPr/>
+          <a:lstStyle/>
+          <a:p>
+            <a:r>
+              <a:rPr lang="es-PE" dirty="0"/>
+              <a:t>Ejemplo (Alban?)</a:t>
+            </a:r>
+          </a:p>
+        </p:txBody>
+      </p:sp>
+    </p:spTree>
+    <p:extLst>
+      <p:ext uri="{BB962C8B-B14F-4D97-AF65-F5344CB8AC3E}">
+        <p14:creationId xmlns:p14="http://schemas.microsoft.com/office/powerpoint/2010/main" val="3091952742"/>
+      </p:ext>
+    </p:extLst>
+  </p:cSld>
+  <p:clrMapOvr>
+    <a:masterClrMapping/>
+  </p:clrMapOvr>
+</p:sld>
+</file>
+
+<file path=ppt/slides/slide16.xml><?xml version="1.0" encoding="utf-8"?>
+<p:sld xmlns:a="http://schemas.openxmlformats.org/drawingml/2006/main" xmlns:r="http://schemas.openxmlformats.org/officeDocument/2006/relationships" xmlns:p="http://schemas.openxmlformats.org/presentationml/2006/main">
+  <p:cSld>
+    <p:spTree>
+      <p:nvGrpSpPr>
+        <p:cNvPr id="1" name=""/>
+        <p:cNvGrpSpPr/>
+        <p:nvPr/>
+      </p:nvGrpSpPr>
+      <p:grpSpPr>
+        <a:xfrm>
+          <a:off x="0" y="0"/>
+          <a:ext cx="0" cy="0"/>
+          <a:chOff x="0" y="0"/>
+          <a:chExt cx="0" cy="0"/>
+        </a:xfrm>
+      </p:grpSpPr>
+      <p:sp>
+        <p:nvSpPr>
+          <p:cNvPr id="2" name="Title 1">
+            <a:extLst>
+              <a:ext uri="{FF2B5EF4-FFF2-40B4-BE49-F238E27FC236}">
+                <a16:creationId xmlns:a16="http://schemas.microsoft.com/office/drawing/2014/main" id="{55B95B36-A9AE-4FD9-95ED-B12043573F44}"/>
+              </a:ext>
+            </a:extLst>
+          </p:cNvPr>
+          <p:cNvSpPr>
+            <a:spLocks noGrp="1"/>
+          </p:cNvSpPr>
+          <p:nvPr>
+            <p:ph type="title"/>
+          </p:nvPr>
+        </p:nvSpPr>
+        <p:spPr/>
+        <p:txBody>
+          <a:bodyPr/>
+          <a:lstStyle/>
+          <a:p>
+            <a:endParaRPr lang="es-PE"/>
+          </a:p>
+        </p:txBody>
+      </p:sp>
+      <p:sp>
+        <p:nvSpPr>
+          <p:cNvPr id="3" name="Content Placeholder 2">
+            <a:extLst>
+              <a:ext uri="{FF2B5EF4-FFF2-40B4-BE49-F238E27FC236}">
+                <a16:creationId xmlns:a16="http://schemas.microsoft.com/office/drawing/2014/main" id="{D8807190-8078-4F90-A5AB-83407D47BF3C}"/>
+              </a:ext>
+            </a:extLst>
+          </p:cNvPr>
+          <p:cNvSpPr>
+            <a:spLocks noGrp="1"/>
+          </p:cNvSpPr>
+          <p:nvPr>
+            <p:ph sz="quarter" idx="13"/>
+          </p:nvPr>
+        </p:nvSpPr>
+        <p:spPr/>
+        <p:txBody>
+          <a:bodyPr/>
+          <a:lstStyle/>
+          <a:p>
+            <a:endParaRPr lang="es-PE"/>
+          </a:p>
+        </p:txBody>
+      </p:sp>
+      <p:sp>
+        <p:nvSpPr>
+          <p:cNvPr id="4" name="Content Placeholder 3">
+            <a:extLst>
+              <a:ext uri="{FF2B5EF4-FFF2-40B4-BE49-F238E27FC236}">
+                <a16:creationId xmlns:a16="http://schemas.microsoft.com/office/drawing/2014/main" id="{2ACE0301-03CA-4AEE-82EA-17A1901DB14B}"/>
+              </a:ext>
+            </a:extLst>
+          </p:cNvPr>
+          <p:cNvSpPr>
+            <a:spLocks noGrp="1"/>
+          </p:cNvSpPr>
+          <p:nvPr>
+            <p:ph sz="quarter" idx="14"/>
+          </p:nvPr>
+        </p:nvSpPr>
+        <p:spPr/>
+        <p:txBody>
+          <a:bodyPr/>
+          <a:lstStyle/>
+          <a:p>
+            <a:endParaRPr lang="es-PE"/>
+          </a:p>
+        </p:txBody>
+      </p:sp>
+    </p:spTree>
+    <p:extLst>
+      <p:ext uri="{BB962C8B-B14F-4D97-AF65-F5344CB8AC3E}">
+        <p14:creationId xmlns:p14="http://schemas.microsoft.com/office/powerpoint/2010/main" val="2736113221"/>
+      </p:ext>
+    </p:extLst>
+  </p:cSld>
+  <p:clrMapOvr>
+    <a:masterClrMapping/>
+  </p:clrMapOvr>
+</p:sld>
+</file>
+
 <file path=ppt/slides/slide2.xml><?xml version="1.0" encoding="utf-8"?>
 <p:sld xmlns:a="http://schemas.openxmlformats.org/drawingml/2006/main" xmlns:r="http://schemas.openxmlformats.org/officeDocument/2006/relationships" xmlns:p="http://schemas.openxmlformats.org/presentationml/2006/main">
   <p:cSld>
@@ -4463,10 +5326,10 @@
       </p:grpSpPr>
       <p:sp>
         <p:nvSpPr>
-          <p:cNvPr id="5" name="Title 4">
+          <p:cNvPr id="2" name="Title 1">
             <a:extLst>
               <a:ext uri="{FF2B5EF4-FFF2-40B4-BE49-F238E27FC236}">
-                <a16:creationId xmlns:a16="http://schemas.microsoft.com/office/drawing/2014/main" id="{11C73819-4D97-44C4-B0A9-76822067E3EA}"/>
+                <a16:creationId xmlns:a16="http://schemas.microsoft.com/office/drawing/2014/main" id="{1BC21D2D-F569-4AE2-AB0F-77D3EDB9B5EA}"/>
               </a:ext>
             </a:extLst>
           </p:cNvPr>
@@ -4482,28 +5345,16 @@
           <a:bodyPr/>
           <a:lstStyle/>
           <a:p>
-            <a:r>
-              <a:rPr lang="es-PE" dirty="0" err="1"/>
-              <a:t>Analisis</a:t>
-            </a:r>
-            <a:r>
-              <a:rPr lang="es-PE" dirty="0"/>
-              <a:t> en </a:t>
-            </a:r>
-            <a:r>
-              <a:rPr lang="es-PE" dirty="0" err="1"/>
-              <a:t>phyloseq</a:t>
-            </a:r>
-            <a:endParaRPr lang="es-PE" dirty="0"/>
-          </a:p>
-        </p:txBody>
-      </p:sp>
-      <p:sp>
-        <p:nvSpPr>
-          <p:cNvPr id="7" name="Content Placeholder 6">
+            <a:endParaRPr lang="es-PE"/>
+          </a:p>
+        </p:txBody>
+      </p:sp>
+      <p:sp>
+        <p:nvSpPr>
+          <p:cNvPr id="3" name="Content Placeholder 2">
             <a:extLst>
               <a:ext uri="{FF2B5EF4-FFF2-40B4-BE49-F238E27FC236}">
-                <a16:creationId xmlns:a16="http://schemas.microsoft.com/office/drawing/2014/main" id="{1F785E9E-E625-45A6-A13E-D1624D9AAEBD}"/>
+                <a16:creationId xmlns:a16="http://schemas.microsoft.com/office/drawing/2014/main" id="{FD5AB7CC-F9AF-45A1-A9A6-CBD49E6962EC}"/>
               </a:ext>
             </a:extLst>
           </p:cNvPr>
@@ -4517,61 +5368,72 @@
         <p:spPr/>
         <p:txBody>
           <a:bodyPr>
-            <a:normAutofit fontScale="92500"/>
+            <a:normAutofit/>
           </a:bodyPr>
           <a:lstStyle/>
           <a:p>
             <a:r>
               <a:rPr lang="es-PE" dirty="0"/>
-              <a:t>Repaso ordenaciones</a:t>
-            </a:r>
-          </a:p>
-          <a:p>
+              <a:t>Secuencias -&gt; datos (</a:t>
+            </a:r>
+            <a:r>
+              <a:rPr lang="es-PE" dirty="0" err="1"/>
+              <a:t>Mothur</a:t>
+            </a:r>
             <a:r>
               <a:rPr lang="es-PE" dirty="0"/>
-              <a:t>Ordenaciones no restringidas NMDS, PCOA</a:t>
+              <a:t>)</a:t>
             </a:r>
           </a:p>
           <a:p>
             <a:r>
               <a:rPr lang="es-PE" dirty="0"/>
-              <a:t>Ordenaciones restringidas</a:t>
-            </a:r>
-          </a:p>
-          <a:p>
+              <a:t>Datos -&gt; </a:t>
+            </a:r>
+            <a:r>
+              <a:rPr lang="es-PE" dirty="0" err="1"/>
+              <a:t>Analisis</a:t>
+            </a:r>
             <a:r>
               <a:rPr lang="es-PE" dirty="0"/>
-              <a:t>CAP</a:t>
+              <a:t> (R)</a:t>
             </a:r>
           </a:p>
           <a:p>
             <a:r>
               <a:rPr lang="es-PE" dirty="0"/>
-              <a:t>PERMANOVA y PERMDISP</a:t>
-            </a:r>
-          </a:p>
-          <a:p>
-            <a:r>
-              <a:rPr lang="es-PE" dirty="0" err="1"/>
-              <a:t>Tests</a:t>
-            </a:r>
+              <a:t>Datos -&gt; Visualizaciones (R)</a:t>
+            </a:r>
+          </a:p>
+          <a:p>
+            <a:endParaRPr lang="es-PE" dirty="0"/>
+          </a:p>
+          <a:p>
             <a:r>
               <a:rPr lang="es-PE" dirty="0"/>
-              <a:t> de Mantel</a:t>
-            </a:r>
-          </a:p>
-          <a:p>
-            <a:r>
-              <a:rPr lang="es-PE" dirty="0" err="1"/>
-              <a:t>Particion</a:t>
+              <a:t>Otras alternativas</a:t>
+            </a:r>
+          </a:p>
+          <a:p>
+            <a:pPr lvl="1"/>
+            <a:r>
+              <a:rPr lang="es-PE" dirty="0">
+                <a:hlinkClick r:id="rId2"/>
+              </a:rPr>
+              <a:t>Metagenassist</a:t>
             </a:r>
             <a:r>
               <a:rPr lang="es-PE" dirty="0"/>
               <a:t> </a:t>
             </a:r>
-            <a:r>
-              <a:rPr lang="es-PE"/>
-              <a:t>de varianza</a:t>
+          </a:p>
+          <a:p>
+            <a:pPr lvl="1"/>
+            <a:r>
+              <a:rPr lang="es-PE" dirty="0">
+                <a:hlinkClick r:id="rId3"/>
+              </a:rPr>
+              <a:t>MicrobiomeAnalyst</a:t>
             </a:r>
             <a:endParaRPr lang="es-PE" dirty="0"/>
           </a:p>
@@ -4585,10 +5447,10 @@
       </p:sp>
       <p:sp>
         <p:nvSpPr>
-          <p:cNvPr id="8" name="Content Placeholder 7">
+          <p:cNvPr id="4" name="Content Placeholder 3">
             <a:extLst>
               <a:ext uri="{FF2B5EF4-FFF2-40B4-BE49-F238E27FC236}">
-                <a16:creationId xmlns:a16="http://schemas.microsoft.com/office/drawing/2014/main" id="{B27FAA72-4ACD-4AB9-AAFD-4E900540551B}"/>
+                <a16:creationId xmlns:a16="http://schemas.microsoft.com/office/drawing/2014/main" id="{A831331B-D343-4AD9-B143-9721D871A7AD}"/>
               </a:ext>
             </a:extLst>
           </p:cNvPr>
@@ -4604,27 +5466,6 @@
           <a:bodyPr/>
           <a:lstStyle/>
           <a:p>
-            <a:r>
-              <a:rPr lang="es-PE" dirty="0" err="1"/>
-              <a:t>Heatmaps</a:t>
-            </a:r>
-            <a:endParaRPr lang="es-PE" dirty="0"/>
-          </a:p>
-          <a:p>
-            <a:r>
-              <a:rPr lang="es-PE" dirty="0"/>
-              <a:t>Networks</a:t>
-            </a:r>
-          </a:p>
-          <a:p>
-            <a:r>
-              <a:rPr lang="es-PE" dirty="0"/>
-              <a:t>Machine </a:t>
-            </a:r>
-            <a:r>
-              <a:rPr lang="es-PE" dirty="0" err="1"/>
-              <a:t>learning</a:t>
-            </a:r>
             <a:endParaRPr lang="es-PE" dirty="0"/>
           </a:p>
         </p:txBody>
@@ -4632,7 +5473,7 @@
     </p:spTree>
     <p:extLst>
       <p:ext uri="{BB962C8B-B14F-4D97-AF65-F5344CB8AC3E}">
-        <p14:creationId xmlns:p14="http://schemas.microsoft.com/office/powerpoint/2010/main" val="3576385040"/>
+        <p14:creationId xmlns:p14="http://schemas.microsoft.com/office/powerpoint/2010/main" val="1450681355"/>
       </p:ext>
     </p:extLst>
   </p:cSld>
@@ -4664,7 +5505,7 @@
           <p:cNvPr id="2" name="Title 1">
             <a:extLst>
               <a:ext uri="{FF2B5EF4-FFF2-40B4-BE49-F238E27FC236}">
-                <a16:creationId xmlns:a16="http://schemas.microsoft.com/office/drawing/2014/main" id="{DF7C463A-4B02-4E0E-999D-3D05ACF7A963}"/>
+                <a16:creationId xmlns:a16="http://schemas.microsoft.com/office/drawing/2014/main" id="{C9609DC9-0E62-477E-945E-7B23772310A1}"/>
               </a:ext>
             </a:extLst>
           </p:cNvPr>
@@ -4681,16 +5522,12 @@
           <a:lstStyle/>
           <a:p>
             <a:r>
+              <a:rPr lang="es-PE" dirty="0"/>
+              <a:t>Figura de </a:t>
+            </a:r>
+            <a:r>
               <a:rPr lang="es-PE" dirty="0" err="1"/>
-              <a:t>Caracteristicas</a:t>
-            </a:r>
-            <a:r>
-              <a:rPr lang="es-PE" dirty="0"/>
-              <a:t> de datos de </a:t>
-            </a:r>
-            <a:r>
-              <a:rPr lang="es-PE" dirty="0" err="1"/>
-              <a:t>Omica</a:t>
+              <a:t>analisis</a:t>
             </a:r>
             <a:endParaRPr lang="es-PE" dirty="0"/>
           </a:p>
@@ -4701,7 +5538,7 @@
           <p:cNvPr id="3" name="Content Placeholder 2">
             <a:extLst>
               <a:ext uri="{FF2B5EF4-FFF2-40B4-BE49-F238E27FC236}">
-                <a16:creationId xmlns:a16="http://schemas.microsoft.com/office/drawing/2014/main" id="{6B68F947-522B-4691-B867-9E32F91DCB6C}"/>
+                <a16:creationId xmlns:a16="http://schemas.microsoft.com/office/drawing/2014/main" id="{0DC5653A-8E26-4466-9B7F-895D0A6E3CFA}"/>
               </a:ext>
             </a:extLst>
           </p:cNvPr>
@@ -4717,23 +5554,7 @@
           <a:bodyPr/>
           <a:lstStyle/>
           <a:p>
-            <a:r>
-              <a:rPr lang="es-PE" dirty="0"/>
-              <a:t>Resultados masivos</a:t>
-            </a:r>
-          </a:p>
-          <a:p>
-            <a:r>
-              <a:rPr lang="es-PE" dirty="0"/>
-              <a:t>Muchas variables, pocas replicas</a:t>
-            </a:r>
-          </a:p>
-          <a:p>
-            <a:r>
-              <a:rPr lang="es-PE" dirty="0" err="1"/>
-              <a:t>Desafios</a:t>
-            </a:r>
-            <a:endParaRPr lang="es-PE" dirty="0"/>
+            <a:endParaRPr lang="es-PE"/>
           </a:p>
         </p:txBody>
       </p:sp>
@@ -4742,7 +5563,7 @@
           <p:cNvPr id="4" name="Content Placeholder 3">
             <a:extLst>
               <a:ext uri="{FF2B5EF4-FFF2-40B4-BE49-F238E27FC236}">
-                <a16:creationId xmlns:a16="http://schemas.microsoft.com/office/drawing/2014/main" id="{C4F25E5A-553F-4EC3-B47A-60DBA31F66FE}"/>
+                <a16:creationId xmlns:a16="http://schemas.microsoft.com/office/drawing/2014/main" id="{34AE3BB6-81DA-4582-8595-6D31832A7860}"/>
               </a:ext>
             </a:extLst>
           </p:cNvPr>
@@ -4760,21 +5581,49 @@
           <a:p>
             <a:r>
               <a:rPr lang="es-PE" dirty="0"/>
-              <a:t>Herramientas especializadas para reducir la complejidad</a:t>
-            </a:r>
+              <a:t>Preguntas ecológicas</a:t>
+            </a:r>
+          </a:p>
+          <a:p>
+            <a:r>
+              <a:rPr lang="es-PE" dirty="0" err="1"/>
+              <a:t>Composicion</a:t>
+            </a:r>
+            <a:endParaRPr lang="es-PE" dirty="0"/>
           </a:p>
           <a:p>
             <a:r>
               <a:rPr lang="es-PE" dirty="0"/>
-              <a:t>Hacer comparación con todas las variables</a:t>
-            </a:r>
+              <a:t>Diversidad alfa</a:t>
+            </a:r>
+          </a:p>
+          <a:p>
+            <a:r>
+              <a:rPr lang="es-PE" dirty="0"/>
+              <a:t>Diversidad beta</a:t>
+            </a:r>
+          </a:p>
+          <a:p>
+            <a:r>
+              <a:rPr lang="es-PE" dirty="0"/>
+              <a:t>Gradientes</a:t>
+            </a:r>
+          </a:p>
+          <a:p>
+            <a:r>
+              <a:rPr lang="es-PE" dirty="0"/>
+              <a:t>Tratamientos</a:t>
+            </a:r>
+          </a:p>
+          <a:p>
+            <a:endParaRPr lang="es-PE" dirty="0"/>
           </a:p>
         </p:txBody>
       </p:sp>
     </p:spTree>
     <p:extLst>
       <p:ext uri="{BB962C8B-B14F-4D97-AF65-F5344CB8AC3E}">
-        <p14:creationId xmlns:p14="http://schemas.microsoft.com/office/powerpoint/2010/main" val="3670096276"/>
+        <p14:creationId xmlns:p14="http://schemas.microsoft.com/office/powerpoint/2010/main" val="1894065831"/>
       </p:ext>
     </p:extLst>
   </p:cSld>
@@ -4803,10 +5652,10 @@
       </p:grpSpPr>
       <p:sp>
         <p:nvSpPr>
-          <p:cNvPr id="2" name="Title 1">
+          <p:cNvPr id="5" name="Title 4">
             <a:extLst>
               <a:ext uri="{FF2B5EF4-FFF2-40B4-BE49-F238E27FC236}">
-                <a16:creationId xmlns:a16="http://schemas.microsoft.com/office/drawing/2014/main" id="{13FE9FF5-A3A7-4942-81C9-0CF28F46896E}"/>
+                <a16:creationId xmlns:a16="http://schemas.microsoft.com/office/drawing/2014/main" id="{11C73819-4D97-44C4-B0A9-76822067E3EA}"/>
               </a:ext>
             </a:extLst>
           </p:cNvPr>
@@ -4823,18 +5672,27 @@
           <a:lstStyle/>
           <a:p>
             <a:r>
+              <a:rPr lang="es-PE" dirty="0" err="1"/>
+              <a:t>Analisis</a:t>
+            </a:r>
+            <a:r>
               <a:rPr lang="es-PE" dirty="0"/>
-              <a:t>Ordenaciones</a:t>
-            </a:r>
-          </a:p>
-        </p:txBody>
-      </p:sp>
-      <p:sp>
-        <p:nvSpPr>
-          <p:cNvPr id="3" name="Content Placeholder 2">
+              <a:t> en </a:t>
+            </a:r>
+            <a:r>
+              <a:rPr lang="es-PE" dirty="0" err="1"/>
+              <a:t>phyloseq</a:t>
+            </a:r>
+            <a:endParaRPr lang="es-PE" dirty="0"/>
+          </a:p>
+        </p:txBody>
+      </p:sp>
+      <p:sp>
+        <p:nvSpPr>
+          <p:cNvPr id="7" name="Content Placeholder 6">
             <a:extLst>
               <a:ext uri="{FF2B5EF4-FFF2-40B4-BE49-F238E27FC236}">
-                <a16:creationId xmlns:a16="http://schemas.microsoft.com/office/drawing/2014/main" id="{C5CDFDFE-046E-455A-90C7-675A55EC644A}"/>
+                <a16:creationId xmlns:a16="http://schemas.microsoft.com/office/drawing/2014/main" id="{1F785E9E-E625-45A6-A13E-D1624D9AAEBD}"/>
               </a:ext>
             </a:extLst>
           </p:cNvPr>
@@ -4847,33 +5705,79 @@
         </p:nvSpPr>
         <p:spPr/>
         <p:txBody>
-          <a:bodyPr/>
+          <a:bodyPr>
+            <a:normAutofit fontScale="92500"/>
+          </a:bodyPr>
           <a:lstStyle/>
           <a:p>
             <a:r>
               <a:rPr lang="es-PE" dirty="0"/>
-              <a:t>Formas de representar en dos o tres dimensiones datos de muchas dimensiones</a:t>
+              <a:t>Repaso ordenaciones</a:t>
             </a:r>
           </a:p>
           <a:p>
             <a:r>
               <a:rPr lang="es-PE" dirty="0"/>
-              <a:t>Reduce peso a variables poco </a:t>
-            </a:r>
+              <a:t>Ordenaciones no restringidas NMDS, PCOA</a:t>
+            </a:r>
+          </a:p>
+          <a:p>
+            <a:r>
+              <a:rPr lang="es-PE" dirty="0"/>
+              <a:t>Ordenaciones restringidas</a:t>
+            </a:r>
+          </a:p>
+          <a:p>
+            <a:r>
+              <a:rPr lang="es-PE" dirty="0"/>
+              <a:t>CAP</a:t>
+            </a:r>
+          </a:p>
+          <a:p>
+            <a:r>
+              <a:rPr lang="es-PE" dirty="0"/>
+              <a:t>PERMANOVA y PERMDISP</a:t>
+            </a:r>
+          </a:p>
+          <a:p>
             <a:r>
               <a:rPr lang="es-PE" dirty="0" err="1"/>
-              <a:t>inportantes</a:t>
+              <a:t>Tests</a:t>
+            </a:r>
+            <a:r>
+              <a:rPr lang="es-PE" dirty="0"/>
+              <a:t> de Mantel</a:t>
+            </a:r>
+          </a:p>
+          <a:p>
+            <a:r>
+              <a:rPr lang="es-PE" dirty="0" err="1"/>
+              <a:t>Particion</a:t>
+            </a:r>
+            <a:r>
+              <a:rPr lang="es-PE" dirty="0"/>
+              <a:t> </a:t>
+            </a:r>
+            <a:r>
+              <a:rPr lang="es-PE"/>
+              <a:t>de varianza</a:t>
             </a:r>
             <a:endParaRPr lang="es-PE" dirty="0"/>
           </a:p>
-        </p:txBody>
-      </p:sp>
-      <p:sp>
-        <p:nvSpPr>
-          <p:cNvPr id="4" name="Content Placeholder 3">
+          <a:p>
+            <a:endParaRPr lang="es-PE" dirty="0"/>
+          </a:p>
+          <a:p>
+            <a:endParaRPr lang="es-PE" dirty="0"/>
+          </a:p>
+        </p:txBody>
+      </p:sp>
+      <p:sp>
+        <p:nvSpPr>
+          <p:cNvPr id="8" name="Content Placeholder 7">
             <a:extLst>
               <a:ext uri="{FF2B5EF4-FFF2-40B4-BE49-F238E27FC236}">
-                <a16:creationId xmlns:a16="http://schemas.microsoft.com/office/drawing/2014/main" id="{2A003683-95FD-46C1-B199-DF778AE135D7}"/>
+                <a16:creationId xmlns:a16="http://schemas.microsoft.com/office/drawing/2014/main" id="{B27FAA72-4ACD-4AB9-AAFD-4E900540551B}"/>
               </a:ext>
             </a:extLst>
           </p:cNvPr>
@@ -4890,22 +5794,34 @@
           <a:lstStyle/>
           <a:p>
             <a:r>
+              <a:rPr lang="es-PE" dirty="0" err="1"/>
+              <a:t>Heatmaps</a:t>
+            </a:r>
+            <a:endParaRPr lang="es-PE" dirty="0"/>
+          </a:p>
+          <a:p>
+            <a:r>
               <a:rPr lang="es-PE" dirty="0"/>
-              <a:t>PCA (Maximiza varianza explicada en primeros ejes)</a:t>
+              <a:t>Networks</a:t>
             </a:r>
           </a:p>
           <a:p>
             <a:r>
               <a:rPr lang="es-PE" dirty="0"/>
-              <a:t>NMDS (iterativa)</a:t>
-            </a:r>
+              <a:t>Machine </a:t>
+            </a:r>
+            <a:r>
+              <a:rPr lang="es-PE" dirty="0" err="1"/>
+              <a:t>learning</a:t>
+            </a:r>
+            <a:endParaRPr lang="es-PE" dirty="0"/>
           </a:p>
         </p:txBody>
       </p:sp>
     </p:spTree>
     <p:extLst>
       <p:ext uri="{BB962C8B-B14F-4D97-AF65-F5344CB8AC3E}">
-        <p14:creationId xmlns:p14="http://schemas.microsoft.com/office/powerpoint/2010/main" val="1971854997"/>
+        <p14:creationId xmlns:p14="http://schemas.microsoft.com/office/powerpoint/2010/main" val="3576385040"/>
       </p:ext>
     </p:extLst>
   </p:cSld>
@@ -4937,7 +5853,7 @@
           <p:cNvPr id="2" name="Title 1">
             <a:extLst>
               <a:ext uri="{FF2B5EF4-FFF2-40B4-BE49-F238E27FC236}">
-                <a16:creationId xmlns:a16="http://schemas.microsoft.com/office/drawing/2014/main" id="{F8E3B91F-4E93-4C1D-8309-8D9B3667B078}"/>
+                <a16:creationId xmlns:a16="http://schemas.microsoft.com/office/drawing/2014/main" id="{DF7C463A-4B02-4E0E-999D-3D05ACF7A963}"/>
               </a:ext>
             </a:extLst>
           </p:cNvPr>
@@ -4954,12 +5870,16 @@
           <a:lstStyle/>
           <a:p>
             <a:r>
+              <a:rPr lang="es-PE" dirty="0" err="1"/>
+              <a:t>Caracteristicas</a:t>
+            </a:r>
+            <a:r>
               <a:rPr lang="es-PE" dirty="0"/>
-              <a:t>Ejemplo NMDS + </a:t>
+              <a:t> de datos de </a:t>
             </a:r>
             <a:r>
               <a:rPr lang="es-PE" dirty="0" err="1"/>
-              <a:t>env.fit</a:t>
+              <a:t>Omica</a:t>
             </a:r>
             <a:endParaRPr lang="es-PE" dirty="0"/>
           </a:p>
@@ -4970,7 +5890,7 @@
           <p:cNvPr id="3" name="Content Placeholder 2">
             <a:extLst>
               <a:ext uri="{FF2B5EF4-FFF2-40B4-BE49-F238E27FC236}">
-                <a16:creationId xmlns:a16="http://schemas.microsoft.com/office/drawing/2014/main" id="{B5DA94FB-C783-419C-B36D-DE90BEDD1134}"/>
+                <a16:creationId xmlns:a16="http://schemas.microsoft.com/office/drawing/2014/main" id="{6B68F947-522B-4691-B867-9E32F91DCB6C}"/>
               </a:ext>
             </a:extLst>
           </p:cNvPr>
@@ -4986,7 +5906,23 @@
           <a:bodyPr/>
           <a:lstStyle/>
           <a:p>
-            <a:endParaRPr lang="es-PE"/>
+            <a:r>
+              <a:rPr lang="es-PE" dirty="0"/>
+              <a:t>Resultados masivos</a:t>
+            </a:r>
+          </a:p>
+          <a:p>
+            <a:r>
+              <a:rPr lang="es-PE" dirty="0"/>
+              <a:t>Muchas variables, pocas replicas</a:t>
+            </a:r>
+          </a:p>
+          <a:p>
+            <a:r>
+              <a:rPr lang="es-PE" dirty="0" err="1"/>
+              <a:t>Desafios</a:t>
+            </a:r>
+            <a:endParaRPr lang="es-PE" dirty="0"/>
           </a:p>
         </p:txBody>
       </p:sp>
@@ -4995,7 +5931,7 @@
           <p:cNvPr id="4" name="Content Placeholder 3">
             <a:extLst>
               <a:ext uri="{FF2B5EF4-FFF2-40B4-BE49-F238E27FC236}">
-                <a16:creationId xmlns:a16="http://schemas.microsoft.com/office/drawing/2014/main" id="{EFEADFD9-E883-463A-A124-8D48DCEA8CA5}"/>
+                <a16:creationId xmlns:a16="http://schemas.microsoft.com/office/drawing/2014/main" id="{C4F25E5A-553F-4EC3-B47A-60DBA31F66FE}"/>
               </a:ext>
             </a:extLst>
           </p:cNvPr>
@@ -5011,14 +5947,23 @@
           <a:bodyPr/>
           <a:lstStyle/>
           <a:p>
-            <a:endParaRPr lang="es-PE"/>
+            <a:r>
+              <a:rPr lang="es-PE" dirty="0"/>
+              <a:t>Herramientas especializadas para reducir la complejidad</a:t>
+            </a:r>
+          </a:p>
+          <a:p>
+            <a:r>
+              <a:rPr lang="es-PE" dirty="0"/>
+              <a:t>Hacer comparación con todas las variables</a:t>
+            </a:r>
           </a:p>
         </p:txBody>
       </p:sp>
     </p:spTree>
     <p:extLst>
       <p:ext uri="{BB962C8B-B14F-4D97-AF65-F5344CB8AC3E}">
-        <p14:creationId xmlns:p14="http://schemas.microsoft.com/office/powerpoint/2010/main" val="2780109966"/>
+        <p14:creationId xmlns:p14="http://schemas.microsoft.com/office/powerpoint/2010/main" val="3670096276"/>
       </p:ext>
     </p:extLst>
   </p:cSld>
@@ -5050,7 +5995,7 @@
           <p:cNvPr id="2" name="Title 1">
             <a:extLst>
               <a:ext uri="{FF2B5EF4-FFF2-40B4-BE49-F238E27FC236}">
-                <a16:creationId xmlns:a16="http://schemas.microsoft.com/office/drawing/2014/main" id="{5C187756-0E28-4515-BD8B-013B1E9FD256}"/>
+                <a16:creationId xmlns:a16="http://schemas.microsoft.com/office/drawing/2014/main" id="{FEF5AAB8-A5FC-4D5A-9759-ACAE1B5953E8}"/>
               </a:ext>
             </a:extLst>
           </p:cNvPr>
@@ -5067,9 +6012,10 @@
           <a:lstStyle/>
           <a:p>
             <a:r>
-              <a:rPr lang="es-PE" dirty="0"/>
-              <a:t>Ordenaciones restringidas</a:t>
-            </a:r>
+              <a:rPr lang="es-PE" dirty="0" err="1"/>
+              <a:t>Composicion</a:t>
+            </a:r>
+            <a:endParaRPr lang="es-PE" dirty="0"/>
           </a:p>
         </p:txBody>
       </p:sp>
@@ -5078,7 +6024,7 @@
           <p:cNvPr id="3" name="Content Placeholder 2">
             <a:extLst>
               <a:ext uri="{FF2B5EF4-FFF2-40B4-BE49-F238E27FC236}">
-                <a16:creationId xmlns:a16="http://schemas.microsoft.com/office/drawing/2014/main" id="{14D1F5E1-FEB2-4719-975C-095A58A8D64B}"/>
+                <a16:creationId xmlns:a16="http://schemas.microsoft.com/office/drawing/2014/main" id="{B9098592-E11F-4B73-8B03-1CF12DCFAAA4}"/>
               </a:ext>
             </a:extLst>
           </p:cNvPr>
@@ -5095,18 +6041,26 @@
           <a:lstStyle/>
           <a:p>
             <a:r>
+              <a:rPr lang="es-PE" dirty="0" err="1"/>
+              <a:t>Barplots</a:t>
+            </a:r>
+            <a:endParaRPr lang="es-PE" dirty="0"/>
+          </a:p>
+          <a:p>
+            <a:r>
+              <a:rPr lang="es-PE" dirty="0" err="1"/>
+              <a:t>Stratified</a:t>
+            </a:r>
+            <a:endParaRPr lang="es-PE" dirty="0"/>
+          </a:p>
+          <a:p>
+            <a:r>
+              <a:rPr lang="es-PE" dirty="0" err="1"/>
+              <a:t>Krona</a:t>
+            </a:r>
+            <a:r>
               <a:rPr lang="es-PE" dirty="0"/>
-              <a:t>Maximizan la variación explicada por variables secundarias</a:t>
-            </a:r>
-          </a:p>
-          <a:p>
-            <a:r>
-              <a:rPr lang="es-PE" dirty="0" err="1"/>
-              <a:t>Ordenacion</a:t>
-            </a:r>
-            <a:r>
-              <a:rPr lang="es-PE" dirty="0"/>
-              <a:t> puede que no sea representativa</a:t>
+              <a:t> charts</a:t>
             </a:r>
           </a:p>
         </p:txBody>
@@ -5116,7 +6070,7 @@
           <p:cNvPr id="4" name="Content Placeholder 3">
             <a:extLst>
               <a:ext uri="{FF2B5EF4-FFF2-40B4-BE49-F238E27FC236}">
-                <a16:creationId xmlns:a16="http://schemas.microsoft.com/office/drawing/2014/main" id="{0BC5B7E2-6A9B-4039-8F84-56BC96B21355}"/>
+                <a16:creationId xmlns:a16="http://schemas.microsoft.com/office/drawing/2014/main" id="{C5265791-BD01-462F-93E0-7FC25D8CFFC4}"/>
               </a:ext>
             </a:extLst>
           </p:cNvPr>
@@ -5139,7 +6093,7 @@
     </p:spTree>
     <p:extLst>
       <p:ext uri="{BB962C8B-B14F-4D97-AF65-F5344CB8AC3E}">
-        <p14:creationId xmlns:p14="http://schemas.microsoft.com/office/powerpoint/2010/main" val="2956023642"/>
+        <p14:creationId xmlns:p14="http://schemas.microsoft.com/office/powerpoint/2010/main" val="1792694551"/>
       </p:ext>
     </p:extLst>
   </p:cSld>
@@ -5171,7 +6125,7 @@
           <p:cNvPr id="2" name="Title 1">
             <a:extLst>
               <a:ext uri="{FF2B5EF4-FFF2-40B4-BE49-F238E27FC236}">
-                <a16:creationId xmlns:a16="http://schemas.microsoft.com/office/drawing/2014/main" id="{660536DC-C443-4BEA-9470-C231AFE3C8E1}"/>
+                <a16:creationId xmlns:a16="http://schemas.microsoft.com/office/drawing/2014/main" id="{2953105B-E4C6-490C-B601-531826957EB7}"/>
               </a:ext>
             </a:extLst>
           </p:cNvPr>
@@ -5187,7 +6141,11 @@
           <a:bodyPr/>
           <a:lstStyle/>
           <a:p>
-            <a:endParaRPr lang="es-PE"/>
+            <a:r>
+              <a:rPr lang="es-PE" dirty="0" err="1"/>
+              <a:t>Heatmap</a:t>
+            </a:r>
+            <a:endParaRPr lang="es-PE" dirty="0"/>
           </a:p>
         </p:txBody>
       </p:sp>
@@ -5196,7 +6154,7 @@
           <p:cNvPr id="3" name="Content Placeholder 2">
             <a:extLst>
               <a:ext uri="{FF2B5EF4-FFF2-40B4-BE49-F238E27FC236}">
-                <a16:creationId xmlns:a16="http://schemas.microsoft.com/office/drawing/2014/main" id="{56AA8EE8-0BD9-4796-89D3-9723A93D3895}"/>
+                <a16:creationId xmlns:a16="http://schemas.microsoft.com/office/drawing/2014/main" id="{B162A47B-3367-4C0E-8AB3-124C2F9F3BE2}"/>
               </a:ext>
             </a:extLst>
           </p:cNvPr>
@@ -5212,7 +6170,10 @@
           <a:bodyPr/>
           <a:lstStyle/>
           <a:p>
-            <a:endParaRPr lang="es-PE"/>
+            <a:r>
+              <a:rPr lang="es-PE" dirty="0"/>
+              <a:t>Atractivos visualmente</a:t>
+            </a:r>
           </a:p>
         </p:txBody>
       </p:sp>
@@ -5221,7 +6182,7 @@
           <p:cNvPr id="4" name="Content Placeholder 3">
             <a:extLst>
               <a:ext uri="{FF2B5EF4-FFF2-40B4-BE49-F238E27FC236}">
-                <a16:creationId xmlns:a16="http://schemas.microsoft.com/office/drawing/2014/main" id="{4E9EC69B-A804-4005-A058-CB117E791F20}"/>
+                <a16:creationId xmlns:a16="http://schemas.microsoft.com/office/drawing/2014/main" id="{FF33143D-9662-4E78-8E21-90FD513669E0}"/>
               </a:ext>
             </a:extLst>
           </p:cNvPr>
@@ -5237,14 +6198,17 @@
           <a:bodyPr/>
           <a:lstStyle/>
           <a:p>
-            <a:endParaRPr lang="es-PE"/>
+            <a:r>
+              <a:rPr lang="es-PE" dirty="0"/>
+              <a:t>Hay que hacer escalamiento</a:t>
+            </a:r>
           </a:p>
         </p:txBody>
       </p:sp>
     </p:spTree>
     <p:extLst>
       <p:ext uri="{BB962C8B-B14F-4D97-AF65-F5344CB8AC3E}">
-        <p14:creationId xmlns:p14="http://schemas.microsoft.com/office/powerpoint/2010/main" val="3269413361"/>
+        <p14:creationId xmlns:p14="http://schemas.microsoft.com/office/powerpoint/2010/main" val="2206559032"/>
       </p:ext>
     </p:extLst>
   </p:cSld>
@@ -5276,7 +6240,7 @@
           <p:cNvPr id="2" name="Title 1">
             <a:extLst>
               <a:ext uri="{FF2B5EF4-FFF2-40B4-BE49-F238E27FC236}">
-                <a16:creationId xmlns:a16="http://schemas.microsoft.com/office/drawing/2014/main" id="{A0A07D34-18DE-4339-A0BC-9C464F272BBC}"/>
+                <a16:creationId xmlns:a16="http://schemas.microsoft.com/office/drawing/2014/main" id="{3EC69293-E92A-4273-A7DC-E70E92D538A3}"/>
               </a:ext>
             </a:extLst>
           </p:cNvPr>
@@ -5292,7 +6256,10 @@
           <a:bodyPr/>
           <a:lstStyle/>
           <a:p>
-            <a:endParaRPr lang="es-PE"/>
+            <a:r>
+              <a:rPr lang="es-PE" dirty="0"/>
+              <a:t>Redes</a:t>
+            </a:r>
           </a:p>
         </p:txBody>
       </p:sp>
@@ -5301,7 +6268,7 @@
           <p:cNvPr id="3" name="Content Placeholder 2">
             <a:extLst>
               <a:ext uri="{FF2B5EF4-FFF2-40B4-BE49-F238E27FC236}">
-                <a16:creationId xmlns:a16="http://schemas.microsoft.com/office/drawing/2014/main" id="{A36EE1DC-BD30-468D-815E-23ABE414EAD5}"/>
+                <a16:creationId xmlns:a16="http://schemas.microsoft.com/office/drawing/2014/main" id="{26075A05-9EAA-419D-83FF-34C6A29F58CA}"/>
               </a:ext>
             </a:extLst>
           </p:cNvPr>
@@ -5326,7 +6293,7 @@
           <p:cNvPr id="4" name="Content Placeholder 3">
             <a:extLst>
               <a:ext uri="{FF2B5EF4-FFF2-40B4-BE49-F238E27FC236}">
-                <a16:creationId xmlns:a16="http://schemas.microsoft.com/office/drawing/2014/main" id="{1FB22B9B-916B-41FA-99D8-E8D611E0379C}"/>
+                <a16:creationId xmlns:a16="http://schemas.microsoft.com/office/drawing/2014/main" id="{2DE5B991-860C-419D-9887-BD1A54D59BFE}"/>
               </a:ext>
             </a:extLst>
           </p:cNvPr>
@@ -5349,7 +6316,7 @@
     </p:spTree>
     <p:extLst>
       <p:ext uri="{BB962C8B-B14F-4D97-AF65-F5344CB8AC3E}">
-        <p14:creationId xmlns:p14="http://schemas.microsoft.com/office/powerpoint/2010/main" val="1561953975"/>
+        <p14:creationId xmlns:p14="http://schemas.microsoft.com/office/powerpoint/2010/main" val="3227046826"/>
       </p:ext>
     </p:extLst>
   </p:cSld>

--- a/W5_Analisis_multivariado_de_comunidades.pptx
+++ b/W5_Analisis_multivariado_de_comunidades.pptx
@@ -7,20 +7,23 @@
   <p:sldIdLst>
     <p:sldId id="258" r:id="rId2"/>
     <p:sldId id="259" r:id="rId3"/>
-    <p:sldId id="269" r:id="rId4"/>
-    <p:sldId id="266" r:id="rId5"/>
-    <p:sldId id="257" r:id="rId6"/>
-    <p:sldId id="260" r:id="rId7"/>
-    <p:sldId id="271" r:id="rId8"/>
-    <p:sldId id="268" r:id="rId9"/>
-    <p:sldId id="272" r:id="rId10"/>
-    <p:sldId id="261" r:id="rId11"/>
-    <p:sldId id="262" r:id="rId12"/>
-    <p:sldId id="263" r:id="rId13"/>
-    <p:sldId id="264" r:id="rId14"/>
-    <p:sldId id="265" r:id="rId15"/>
-    <p:sldId id="267" r:id="rId16"/>
-    <p:sldId id="270" r:id="rId17"/>
+    <p:sldId id="275" r:id="rId4"/>
+    <p:sldId id="269" r:id="rId5"/>
+    <p:sldId id="273" r:id="rId6"/>
+    <p:sldId id="274" r:id="rId7"/>
+    <p:sldId id="266" r:id="rId8"/>
+    <p:sldId id="257" r:id="rId9"/>
+    <p:sldId id="260" r:id="rId10"/>
+    <p:sldId id="271" r:id="rId11"/>
+    <p:sldId id="268" r:id="rId12"/>
+    <p:sldId id="272" r:id="rId13"/>
+    <p:sldId id="261" r:id="rId14"/>
+    <p:sldId id="262" r:id="rId15"/>
+    <p:sldId id="263" r:id="rId16"/>
+    <p:sldId id="264" r:id="rId17"/>
+    <p:sldId id="265" r:id="rId18"/>
+    <p:sldId id="267" r:id="rId19"/>
+    <p:sldId id="270" r:id="rId20"/>
   </p:sldIdLst>
   <p:sldSz cx="12192000" cy="6858000"/>
   <p:notesSz cx="6858000" cy="9144000"/>
@@ -3723,6 +3726,164 @@
 </p:sldLayout>
 </file>
 
+<file path=ppt/slideLayouts/slideLayout7.xml><?xml version="1.0" encoding="utf-8"?>
+<p:sldLayout xmlns:a="http://schemas.openxmlformats.org/drawingml/2006/main" xmlns:r="http://schemas.openxmlformats.org/officeDocument/2006/relationships" xmlns:p="http://schemas.openxmlformats.org/presentationml/2006/main" type="obj">
+  <p:cSld name="Two bars, One Content">
+    <p:spTree>
+      <p:nvGrpSpPr>
+        <p:cNvPr id="1" name=""/>
+        <p:cNvGrpSpPr/>
+        <p:nvPr/>
+      </p:nvGrpSpPr>
+      <p:grpSpPr>
+        <a:xfrm>
+          <a:off x="0" y="0"/>
+          <a:ext cx="0" cy="0"/>
+          <a:chOff x="0" y="0"/>
+          <a:chExt cx="0" cy="0"/>
+        </a:xfrm>
+      </p:grpSpPr>
+      <p:sp>
+        <p:nvSpPr>
+          <p:cNvPr id="2" name="Title 1"/>
+          <p:cNvSpPr>
+            <a:spLocks noGrp="1"/>
+          </p:cNvSpPr>
+          <p:nvPr>
+            <p:ph type="title"/>
+          </p:nvPr>
+        </p:nvSpPr>
+        <p:spPr>
+          <a:xfrm>
+            <a:off x="1219200" y="0"/>
+            <a:ext cx="9753600" cy="914400"/>
+          </a:xfrm>
+        </p:spPr>
+        <p:txBody>
+          <a:bodyPr anchor="ctr">
+            <a:normAutofit/>
+          </a:bodyPr>
+          <a:lstStyle>
+            <a:lvl1pPr>
+              <a:defRPr sz="2800">
+                <a:effectLst>
+                  <a:outerShdw blurRad="38100" dist="38100" dir="2700000" algn="tl">
+                    <a:srgbClr val="000000">
+                      <a:alpha val="43137"/>
+                    </a:srgbClr>
+                  </a:outerShdw>
+                </a:effectLst>
+                <a:latin typeface="Helvetica Neue" panose="02000503000000020004" pitchFamily="2"/>
+              </a:defRPr>
+            </a:lvl1pPr>
+          </a:lstStyle>
+          <a:p>
+            <a:r>
+              <a:rPr lang="en-US"/>
+              <a:t>Click to edit Master title style</a:t>
+            </a:r>
+            <a:endParaRPr lang="en-US" dirty="0"/>
+          </a:p>
+        </p:txBody>
+      </p:sp>
+      <p:sp>
+        <p:nvSpPr>
+          <p:cNvPr id="3" name="Content Placeholder 2"/>
+          <p:cNvSpPr>
+            <a:spLocks noGrp="1"/>
+          </p:cNvSpPr>
+          <p:nvPr>
+            <p:ph idx="1"/>
+          </p:nvPr>
+        </p:nvSpPr>
+        <p:spPr>
+          <a:xfrm>
+            <a:off x="1219200" y="1295401"/>
+            <a:ext cx="9753600" cy="4537233"/>
+          </a:xfrm>
+        </p:spPr>
+        <p:txBody>
+          <a:bodyPr>
+            <a:normAutofit/>
+          </a:bodyPr>
+          <a:lstStyle>
+            <a:lvl1pPr>
+              <a:defRPr sz="2500">
+                <a:latin typeface="Helvetica Neue" panose="02000503000000020004" pitchFamily="2"/>
+              </a:defRPr>
+            </a:lvl1pPr>
+            <a:lvl2pPr>
+              <a:defRPr sz="2200">
+                <a:latin typeface="Helvetica Neue" panose="02000503000000020004" pitchFamily="2"/>
+              </a:defRPr>
+            </a:lvl2pPr>
+            <a:lvl3pPr>
+              <a:defRPr sz="1800">
+                <a:latin typeface="Helvetica Neue" panose="02000503000000020004" pitchFamily="2"/>
+              </a:defRPr>
+            </a:lvl3pPr>
+            <a:lvl4pPr>
+              <a:defRPr sz="1600">
+                <a:latin typeface="Helvetica Neue" panose="02000503000000020004" pitchFamily="2"/>
+              </a:defRPr>
+            </a:lvl4pPr>
+            <a:lvl5pPr>
+              <a:defRPr sz="1600">
+                <a:latin typeface="Helvetica Neue" panose="02000503000000020004" pitchFamily="2"/>
+              </a:defRPr>
+            </a:lvl5pPr>
+          </a:lstStyle>
+          <a:p>
+            <a:pPr lvl="0"/>
+            <a:r>
+              <a:rPr lang="en-US"/>
+              <a:t>Click to edit Master text styles</a:t>
+            </a:r>
+          </a:p>
+          <a:p>
+            <a:pPr lvl="1"/>
+            <a:r>
+              <a:rPr lang="en-US"/>
+              <a:t>Second level</a:t>
+            </a:r>
+          </a:p>
+          <a:p>
+            <a:pPr lvl="2"/>
+            <a:r>
+              <a:rPr lang="en-US"/>
+              <a:t>Third level</a:t>
+            </a:r>
+          </a:p>
+          <a:p>
+            <a:pPr lvl="3"/>
+            <a:r>
+              <a:rPr lang="en-US"/>
+              <a:t>Fourth level</a:t>
+            </a:r>
+          </a:p>
+          <a:p>
+            <a:pPr lvl="4"/>
+            <a:r>
+              <a:rPr lang="en-US"/>
+              <a:t>Fifth level</a:t>
+            </a:r>
+            <a:endParaRPr lang="en-US" dirty="0"/>
+          </a:p>
+        </p:txBody>
+      </p:sp>
+    </p:spTree>
+    <p:extLst>
+      <p:ext uri="{BB962C8B-B14F-4D97-AF65-F5344CB8AC3E}">
+        <p14:creationId xmlns:p14="http://schemas.microsoft.com/office/powerpoint/2010/main" val="1093063521"/>
+      </p:ext>
+    </p:extLst>
+  </p:cSld>
+  <p:clrMapOvr>
+    <a:overrideClrMapping bg1="lt1" tx1="dk1" bg2="lt2" tx2="dk2" accent1="accent1" accent2="accent2" accent3="accent3" accent4="accent4" accent5="accent5" accent6="accent6" hlink="hlink" folHlink="folHlink"/>
+  </p:clrMapOvr>
+</p:sldLayout>
+</file>
+
 <file path=ppt/slideMasters/slideMaster1.xml><?xml version="1.0" encoding="utf-8"?>
 <p:sldMaster xmlns:a="http://schemas.openxmlformats.org/drawingml/2006/main" xmlns:r="http://schemas.openxmlformats.org/officeDocument/2006/relationships" xmlns:p="http://schemas.openxmlformats.org/presentationml/2006/main" preserve="1">
   <p:cSld>
@@ -3991,6 +4152,7 @@
     <p:sldLayoutId id="2147483676" r:id="rId4"/>
     <p:sldLayoutId id="2147483677" r:id="rId5"/>
     <p:sldLayoutId id="2147483678" r:id="rId6"/>
+    <p:sldLayoutId id="2147483679" r:id="rId7"/>
   </p:sldLayoutIdLst>
   <p:txStyles>
     <p:titleStyle>
@@ -4308,7 +4470,14 @@
           <a:bodyPr/>
           <a:lstStyle/>
           <a:p>
-            <a:endParaRPr lang="es-PE"/>
+            <a:r>
+              <a:rPr lang="es-PE" dirty="0" err="1"/>
+              <a:t>Analisis</a:t>
+            </a:r>
+            <a:r>
+              <a:rPr lang="es-PE" dirty="0"/>
+              <a:t> estadístico de comunidades</a:t>
+            </a:r>
           </a:p>
         </p:txBody>
       </p:sp>
@@ -4347,6 +4516,359 @@
           <p:cNvPr id="2" name="Title 1">
             <a:extLst>
               <a:ext uri="{FF2B5EF4-FFF2-40B4-BE49-F238E27FC236}">
+                <a16:creationId xmlns:a16="http://schemas.microsoft.com/office/drawing/2014/main" id="{FEF5AAB8-A5FC-4D5A-9759-ACAE1B5953E8}"/>
+              </a:ext>
+            </a:extLst>
+          </p:cNvPr>
+          <p:cNvSpPr>
+            <a:spLocks noGrp="1"/>
+          </p:cNvSpPr>
+          <p:nvPr>
+            <p:ph type="title"/>
+          </p:nvPr>
+        </p:nvSpPr>
+        <p:spPr/>
+        <p:txBody>
+          <a:bodyPr/>
+          <a:lstStyle/>
+          <a:p>
+            <a:r>
+              <a:rPr lang="es-PE" dirty="0" err="1"/>
+              <a:t>Composicion</a:t>
+            </a:r>
+            <a:endParaRPr lang="es-PE" dirty="0"/>
+          </a:p>
+        </p:txBody>
+      </p:sp>
+      <p:sp>
+        <p:nvSpPr>
+          <p:cNvPr id="3" name="Content Placeholder 2">
+            <a:extLst>
+              <a:ext uri="{FF2B5EF4-FFF2-40B4-BE49-F238E27FC236}">
+                <a16:creationId xmlns:a16="http://schemas.microsoft.com/office/drawing/2014/main" id="{B9098592-E11F-4B73-8B03-1CF12DCFAAA4}"/>
+              </a:ext>
+            </a:extLst>
+          </p:cNvPr>
+          <p:cNvSpPr>
+            <a:spLocks noGrp="1"/>
+          </p:cNvSpPr>
+          <p:nvPr>
+            <p:ph sz="quarter" idx="13"/>
+          </p:nvPr>
+        </p:nvSpPr>
+        <p:spPr/>
+        <p:txBody>
+          <a:bodyPr/>
+          <a:lstStyle/>
+          <a:p>
+            <a:r>
+              <a:rPr lang="es-PE" dirty="0" err="1"/>
+              <a:t>Barplots</a:t>
+            </a:r>
+            <a:endParaRPr lang="es-PE" dirty="0"/>
+          </a:p>
+          <a:p>
+            <a:r>
+              <a:rPr lang="es-PE" dirty="0" err="1"/>
+              <a:t>Stratified</a:t>
+            </a:r>
+            <a:endParaRPr lang="es-PE" dirty="0"/>
+          </a:p>
+          <a:p>
+            <a:r>
+              <a:rPr lang="es-PE" dirty="0" err="1"/>
+              <a:t>Krona</a:t>
+            </a:r>
+            <a:r>
+              <a:rPr lang="es-PE" dirty="0"/>
+              <a:t> charts</a:t>
+            </a:r>
+          </a:p>
+        </p:txBody>
+      </p:sp>
+      <p:sp>
+        <p:nvSpPr>
+          <p:cNvPr id="4" name="Content Placeholder 3">
+            <a:extLst>
+              <a:ext uri="{FF2B5EF4-FFF2-40B4-BE49-F238E27FC236}">
+                <a16:creationId xmlns:a16="http://schemas.microsoft.com/office/drawing/2014/main" id="{C5265791-BD01-462F-93E0-7FC25D8CFFC4}"/>
+              </a:ext>
+            </a:extLst>
+          </p:cNvPr>
+          <p:cNvSpPr>
+            <a:spLocks noGrp="1"/>
+          </p:cNvSpPr>
+          <p:nvPr>
+            <p:ph sz="quarter" idx="14"/>
+          </p:nvPr>
+        </p:nvSpPr>
+        <p:spPr/>
+        <p:txBody>
+          <a:bodyPr/>
+          <a:lstStyle/>
+          <a:p>
+            <a:endParaRPr lang="es-PE" dirty="0"/>
+          </a:p>
+        </p:txBody>
+      </p:sp>
+    </p:spTree>
+    <p:extLst>
+      <p:ext uri="{BB962C8B-B14F-4D97-AF65-F5344CB8AC3E}">
+        <p14:creationId xmlns:p14="http://schemas.microsoft.com/office/powerpoint/2010/main" val="1792694551"/>
+      </p:ext>
+    </p:extLst>
+  </p:cSld>
+  <p:clrMapOvr>
+    <a:masterClrMapping/>
+  </p:clrMapOvr>
+</p:sld>
+</file>
+
+<file path=ppt/slides/slide11.xml><?xml version="1.0" encoding="utf-8"?>
+<p:sld xmlns:a="http://schemas.openxmlformats.org/drawingml/2006/main" xmlns:r="http://schemas.openxmlformats.org/officeDocument/2006/relationships" xmlns:p="http://schemas.openxmlformats.org/presentationml/2006/main">
+  <p:cSld>
+    <p:spTree>
+      <p:nvGrpSpPr>
+        <p:cNvPr id="1" name=""/>
+        <p:cNvGrpSpPr/>
+        <p:nvPr/>
+      </p:nvGrpSpPr>
+      <p:grpSpPr>
+        <a:xfrm>
+          <a:off x="0" y="0"/>
+          <a:ext cx="0" cy="0"/>
+          <a:chOff x="0" y="0"/>
+          <a:chExt cx="0" cy="0"/>
+        </a:xfrm>
+      </p:grpSpPr>
+      <p:sp>
+        <p:nvSpPr>
+          <p:cNvPr id="2" name="Title 1">
+            <a:extLst>
+              <a:ext uri="{FF2B5EF4-FFF2-40B4-BE49-F238E27FC236}">
+                <a16:creationId xmlns:a16="http://schemas.microsoft.com/office/drawing/2014/main" id="{2953105B-E4C6-490C-B601-531826957EB7}"/>
+              </a:ext>
+            </a:extLst>
+          </p:cNvPr>
+          <p:cNvSpPr>
+            <a:spLocks noGrp="1"/>
+          </p:cNvSpPr>
+          <p:nvPr>
+            <p:ph type="title"/>
+          </p:nvPr>
+        </p:nvSpPr>
+        <p:spPr/>
+        <p:txBody>
+          <a:bodyPr/>
+          <a:lstStyle/>
+          <a:p>
+            <a:r>
+              <a:rPr lang="es-PE" dirty="0" err="1"/>
+              <a:t>Heatmap</a:t>
+            </a:r>
+            <a:endParaRPr lang="es-PE" dirty="0"/>
+          </a:p>
+        </p:txBody>
+      </p:sp>
+      <p:sp>
+        <p:nvSpPr>
+          <p:cNvPr id="3" name="Content Placeholder 2">
+            <a:extLst>
+              <a:ext uri="{FF2B5EF4-FFF2-40B4-BE49-F238E27FC236}">
+                <a16:creationId xmlns:a16="http://schemas.microsoft.com/office/drawing/2014/main" id="{B162A47B-3367-4C0E-8AB3-124C2F9F3BE2}"/>
+              </a:ext>
+            </a:extLst>
+          </p:cNvPr>
+          <p:cNvSpPr>
+            <a:spLocks noGrp="1"/>
+          </p:cNvSpPr>
+          <p:nvPr>
+            <p:ph sz="quarter" idx="13"/>
+          </p:nvPr>
+        </p:nvSpPr>
+        <p:spPr/>
+        <p:txBody>
+          <a:bodyPr/>
+          <a:lstStyle/>
+          <a:p>
+            <a:r>
+              <a:rPr lang="es-PE" dirty="0"/>
+              <a:t>Atractivos visualmente</a:t>
+            </a:r>
+          </a:p>
+        </p:txBody>
+      </p:sp>
+      <p:sp>
+        <p:nvSpPr>
+          <p:cNvPr id="4" name="Content Placeholder 3">
+            <a:extLst>
+              <a:ext uri="{FF2B5EF4-FFF2-40B4-BE49-F238E27FC236}">
+                <a16:creationId xmlns:a16="http://schemas.microsoft.com/office/drawing/2014/main" id="{FF33143D-9662-4E78-8E21-90FD513669E0}"/>
+              </a:ext>
+            </a:extLst>
+          </p:cNvPr>
+          <p:cNvSpPr>
+            <a:spLocks noGrp="1"/>
+          </p:cNvSpPr>
+          <p:nvPr>
+            <p:ph sz="quarter" idx="14"/>
+          </p:nvPr>
+        </p:nvSpPr>
+        <p:spPr/>
+        <p:txBody>
+          <a:bodyPr/>
+          <a:lstStyle/>
+          <a:p>
+            <a:r>
+              <a:rPr lang="es-PE" dirty="0"/>
+              <a:t>Hay que hacer escalamiento</a:t>
+            </a:r>
+          </a:p>
+        </p:txBody>
+      </p:sp>
+    </p:spTree>
+    <p:extLst>
+      <p:ext uri="{BB962C8B-B14F-4D97-AF65-F5344CB8AC3E}">
+        <p14:creationId xmlns:p14="http://schemas.microsoft.com/office/powerpoint/2010/main" val="2206559032"/>
+      </p:ext>
+    </p:extLst>
+  </p:cSld>
+  <p:clrMapOvr>
+    <a:masterClrMapping/>
+  </p:clrMapOvr>
+</p:sld>
+</file>
+
+<file path=ppt/slides/slide12.xml><?xml version="1.0" encoding="utf-8"?>
+<p:sld xmlns:a="http://schemas.openxmlformats.org/drawingml/2006/main" xmlns:r="http://schemas.openxmlformats.org/officeDocument/2006/relationships" xmlns:p="http://schemas.openxmlformats.org/presentationml/2006/main">
+  <p:cSld>
+    <p:spTree>
+      <p:nvGrpSpPr>
+        <p:cNvPr id="1" name=""/>
+        <p:cNvGrpSpPr/>
+        <p:nvPr/>
+      </p:nvGrpSpPr>
+      <p:grpSpPr>
+        <a:xfrm>
+          <a:off x="0" y="0"/>
+          <a:ext cx="0" cy="0"/>
+          <a:chOff x="0" y="0"/>
+          <a:chExt cx="0" cy="0"/>
+        </a:xfrm>
+      </p:grpSpPr>
+      <p:sp>
+        <p:nvSpPr>
+          <p:cNvPr id="2" name="Title 1">
+            <a:extLst>
+              <a:ext uri="{FF2B5EF4-FFF2-40B4-BE49-F238E27FC236}">
+                <a16:creationId xmlns:a16="http://schemas.microsoft.com/office/drawing/2014/main" id="{3EC69293-E92A-4273-A7DC-E70E92D538A3}"/>
+              </a:ext>
+            </a:extLst>
+          </p:cNvPr>
+          <p:cNvSpPr>
+            <a:spLocks noGrp="1"/>
+          </p:cNvSpPr>
+          <p:nvPr>
+            <p:ph type="title"/>
+          </p:nvPr>
+        </p:nvSpPr>
+        <p:spPr/>
+        <p:txBody>
+          <a:bodyPr/>
+          <a:lstStyle/>
+          <a:p>
+            <a:r>
+              <a:rPr lang="es-PE" dirty="0"/>
+              <a:t>Redes</a:t>
+            </a:r>
+          </a:p>
+        </p:txBody>
+      </p:sp>
+      <p:sp>
+        <p:nvSpPr>
+          <p:cNvPr id="3" name="Content Placeholder 2">
+            <a:extLst>
+              <a:ext uri="{FF2B5EF4-FFF2-40B4-BE49-F238E27FC236}">
+                <a16:creationId xmlns:a16="http://schemas.microsoft.com/office/drawing/2014/main" id="{26075A05-9EAA-419D-83FF-34C6A29F58CA}"/>
+              </a:ext>
+            </a:extLst>
+          </p:cNvPr>
+          <p:cNvSpPr>
+            <a:spLocks noGrp="1"/>
+          </p:cNvSpPr>
+          <p:nvPr>
+            <p:ph sz="quarter" idx="13"/>
+          </p:nvPr>
+        </p:nvSpPr>
+        <p:spPr/>
+        <p:txBody>
+          <a:bodyPr/>
+          <a:lstStyle/>
+          <a:p>
+            <a:endParaRPr lang="es-PE"/>
+          </a:p>
+        </p:txBody>
+      </p:sp>
+      <p:sp>
+        <p:nvSpPr>
+          <p:cNvPr id="4" name="Content Placeholder 3">
+            <a:extLst>
+              <a:ext uri="{FF2B5EF4-FFF2-40B4-BE49-F238E27FC236}">
+                <a16:creationId xmlns:a16="http://schemas.microsoft.com/office/drawing/2014/main" id="{2DE5B991-860C-419D-9887-BD1A54D59BFE}"/>
+              </a:ext>
+            </a:extLst>
+          </p:cNvPr>
+          <p:cNvSpPr>
+            <a:spLocks noGrp="1"/>
+          </p:cNvSpPr>
+          <p:nvPr>
+            <p:ph sz="quarter" idx="14"/>
+          </p:nvPr>
+        </p:nvSpPr>
+        <p:spPr/>
+        <p:txBody>
+          <a:bodyPr/>
+          <a:lstStyle/>
+          <a:p>
+            <a:endParaRPr lang="es-PE"/>
+          </a:p>
+        </p:txBody>
+      </p:sp>
+    </p:spTree>
+    <p:extLst>
+      <p:ext uri="{BB962C8B-B14F-4D97-AF65-F5344CB8AC3E}">
+        <p14:creationId xmlns:p14="http://schemas.microsoft.com/office/powerpoint/2010/main" val="3227046826"/>
+      </p:ext>
+    </p:extLst>
+  </p:cSld>
+  <p:clrMapOvr>
+    <a:masterClrMapping/>
+  </p:clrMapOvr>
+</p:sld>
+</file>
+
+<file path=ppt/slides/slide13.xml><?xml version="1.0" encoding="utf-8"?>
+<p:sld xmlns:a="http://schemas.openxmlformats.org/drawingml/2006/main" xmlns:r="http://schemas.openxmlformats.org/officeDocument/2006/relationships" xmlns:p="http://schemas.openxmlformats.org/presentationml/2006/main">
+  <p:cSld>
+    <p:spTree>
+      <p:nvGrpSpPr>
+        <p:cNvPr id="1" name=""/>
+        <p:cNvGrpSpPr/>
+        <p:nvPr/>
+      </p:nvGrpSpPr>
+      <p:grpSpPr>
+        <a:xfrm>
+          <a:off x="0" y="0"/>
+          <a:ext cx="0" cy="0"/>
+          <a:chOff x="0" y="0"/>
+          <a:chExt cx="0" cy="0"/>
+        </a:xfrm>
+      </p:grpSpPr>
+      <p:sp>
+        <p:nvSpPr>
+          <p:cNvPr id="2" name="Title 1">
+            <a:extLst>
+              <a:ext uri="{FF2B5EF4-FFF2-40B4-BE49-F238E27FC236}">
                 <a16:creationId xmlns:a16="http://schemas.microsoft.com/office/drawing/2014/main" id="{13FE9FF5-A3A7-4942-81C9-0CF28F46896E}"/>
               </a:ext>
             </a:extLst>
@@ -4456,7 +4978,7 @@
 </p:sld>
 </file>
 
-<file path=ppt/slides/slide11.xml><?xml version="1.0" encoding="utf-8"?>
+<file path=ppt/slides/slide14.xml><?xml version="1.0" encoding="utf-8"?>
 <p:sld xmlns:a="http://schemas.openxmlformats.org/drawingml/2006/main" xmlns:r="http://schemas.openxmlformats.org/officeDocument/2006/relationships" xmlns:p="http://schemas.openxmlformats.org/presentationml/2006/main">
   <p:cSld>
     <p:spTree>
@@ -4569,7 +5091,7 @@
 </p:sld>
 </file>
 
-<file path=ppt/slides/slide12.xml><?xml version="1.0" encoding="utf-8"?>
+<file path=ppt/slides/slide15.xml><?xml version="1.0" encoding="utf-8"?>
 <p:sld xmlns:a="http://schemas.openxmlformats.org/drawingml/2006/main" xmlns:r="http://schemas.openxmlformats.org/officeDocument/2006/relationships" xmlns:p="http://schemas.openxmlformats.org/presentationml/2006/main">
   <p:cSld>
     <p:spTree>
@@ -4696,7 +5218,7 @@
 </p:sld>
 </file>
 
-<file path=ppt/slides/slide13.xml><?xml version="1.0" encoding="utf-8"?>
+<file path=ppt/slides/slide16.xml><?xml version="1.0" encoding="utf-8"?>
 <p:sld xmlns:a="http://schemas.openxmlformats.org/drawingml/2006/main" xmlns:r="http://schemas.openxmlformats.org/officeDocument/2006/relationships" xmlns:p="http://schemas.openxmlformats.org/presentationml/2006/main">
   <p:cSld>
     <p:spTree>
@@ -4844,7 +5366,7 @@
 </p:sld>
 </file>
 
-<file path=ppt/slides/slide14.xml><?xml version="1.0" encoding="utf-8"?>
+<file path=ppt/slides/slide17.xml><?xml version="1.0" encoding="utf-8"?>
 <p:sld xmlns:a="http://schemas.openxmlformats.org/drawingml/2006/main" xmlns:r="http://schemas.openxmlformats.org/officeDocument/2006/relationships" xmlns:p="http://schemas.openxmlformats.org/presentationml/2006/main">
   <p:cSld>
     <p:spTree>
@@ -4952,7 +5474,7 @@
 </p:sld>
 </file>
 
-<file path=ppt/slides/slide15.xml><?xml version="1.0" encoding="utf-8"?>
+<file path=ppt/slides/slide18.xml><?xml version="1.0" encoding="utf-8"?>
 <p:sld xmlns:a="http://schemas.openxmlformats.org/drawingml/2006/main" xmlns:r="http://schemas.openxmlformats.org/officeDocument/2006/relationships" xmlns:p="http://schemas.openxmlformats.org/presentationml/2006/main">
   <p:cSld>
     <p:spTree>
@@ -5076,7 +5598,7 @@
 </p:sld>
 </file>
 
-<file path=ppt/slides/slide16.xml><?xml version="1.0" encoding="utf-8"?>
+<file path=ppt/slides/slide19.xml><?xml version="1.0" encoding="utf-8"?>
 <p:sld xmlns:a="http://schemas.openxmlformats.org/drawingml/2006/main" xmlns:r="http://schemas.openxmlformats.org/officeDocument/2006/relationships" xmlns:p="http://schemas.openxmlformats.org/presentationml/2006/main">
   <p:cSld>
     <p:spTree>
@@ -5242,7 +5764,12 @@
             <p:ph sz="quarter" idx="13"/>
           </p:nvPr>
         </p:nvSpPr>
-        <p:spPr/>
+        <p:spPr>
+          <a:xfrm>
+            <a:off x="1223415" y="1295400"/>
+            <a:ext cx="9955861" cy="4876800"/>
+          </a:xfrm>
+        </p:spPr>
         <p:txBody>
           <a:bodyPr/>
           <a:lstStyle/>
@@ -5266,31 +5793,6 @@
           </a:p>
           <a:p>
             <a:endParaRPr lang="es-PE" dirty="0"/>
-          </a:p>
-        </p:txBody>
-      </p:sp>
-      <p:sp>
-        <p:nvSpPr>
-          <p:cNvPr id="4" name="Content Placeholder 3">
-            <a:extLst>
-              <a:ext uri="{FF2B5EF4-FFF2-40B4-BE49-F238E27FC236}">
-                <a16:creationId xmlns:a16="http://schemas.microsoft.com/office/drawing/2014/main" id="{DF5BC9B6-CC5D-4B8B-BAF0-EF6A2CF03EFD}"/>
-              </a:ext>
-            </a:extLst>
-          </p:cNvPr>
-          <p:cNvSpPr>
-            <a:spLocks noGrp="1"/>
-          </p:cNvSpPr>
-          <p:nvPr>
-            <p:ph sz="quarter" idx="14"/>
-          </p:nvPr>
-        </p:nvSpPr>
-        <p:spPr/>
-        <p:txBody>
-          <a:bodyPr/>
-          <a:lstStyle/>
-          <a:p>
-            <a:endParaRPr lang="es-PE"/>
           </a:p>
         </p:txBody>
       </p:sp>
@@ -5308,6 +5810,2695 @@
 </file>
 
 <file path=ppt/slides/slide3.xml><?xml version="1.0" encoding="utf-8"?>
+<p:sld xmlns:a="http://schemas.openxmlformats.org/drawingml/2006/main" xmlns:r="http://schemas.openxmlformats.org/officeDocument/2006/relationships" xmlns:p="http://schemas.openxmlformats.org/presentationml/2006/main">
+  <p:cSld>
+    <p:spTree>
+      <p:nvGrpSpPr>
+        <p:cNvPr id="1" name=""/>
+        <p:cNvGrpSpPr/>
+        <p:nvPr/>
+      </p:nvGrpSpPr>
+      <p:grpSpPr>
+        <a:xfrm>
+          <a:off x="0" y="0"/>
+          <a:ext cx="0" cy="0"/>
+          <a:chOff x="0" y="0"/>
+          <a:chExt cx="0" cy="0"/>
+        </a:xfrm>
+      </p:grpSpPr>
+      <p:pic>
+        <p:nvPicPr>
+          <p:cNvPr id="1026" name="Picture 2" descr="https://pbs.twimg.com/media/BuUO9NFCUAENDtr.jpg">
+            <a:extLst>
+              <a:ext uri="{FF2B5EF4-FFF2-40B4-BE49-F238E27FC236}">
+                <a16:creationId xmlns:a16="http://schemas.microsoft.com/office/drawing/2014/main" id="{420E43BD-2F77-41ED-A572-8B9CCB3773F6}"/>
+              </a:ext>
+            </a:extLst>
+          </p:cNvPr>
+          <p:cNvPicPr>
+            <a:picLocks noChangeAspect="1" noChangeArrowheads="1"/>
+          </p:cNvPicPr>
+          <p:nvPr/>
+        </p:nvPicPr>
+        <p:blipFill>
+          <a:blip r:embed="rId2">
+            <a:extLst>
+              <a:ext uri="{28A0092B-C50C-407E-A947-70E740481C1C}">
+                <a14:useLocalDpi xmlns:a14="http://schemas.microsoft.com/office/drawing/2010/main" val="0"/>
+              </a:ext>
+            </a:extLst>
+          </a:blip>
+          <a:srcRect/>
+          <a:stretch>
+            <a:fillRect/>
+          </a:stretch>
+        </p:blipFill>
+        <p:spPr bwMode="auto">
+          <a:xfrm>
+            <a:off x="4628789" y="1862277"/>
+            <a:ext cx="2623952" cy="3498603"/>
+          </a:xfrm>
+          <a:prstGeom prst="rect">
+            <a:avLst/>
+          </a:prstGeom>
+          <a:noFill/>
+          <a:extLst>
+            <a:ext uri="{909E8E84-426E-40DD-AFC4-6F175D3DCCD1}">
+              <a14:hiddenFill xmlns:a14="http://schemas.microsoft.com/office/drawing/2010/main">
+                <a:solidFill>
+                  <a:srgbClr val="FFFFFF"/>
+                </a:solidFill>
+              </a14:hiddenFill>
+            </a:ext>
+          </a:extLst>
+        </p:spPr>
+      </p:pic>
+      <p:pic>
+        <p:nvPicPr>
+          <p:cNvPr id="1028" name="Picture 4" descr="Image result for piles of papers">
+            <a:extLst>
+              <a:ext uri="{FF2B5EF4-FFF2-40B4-BE49-F238E27FC236}">
+                <a16:creationId xmlns:a16="http://schemas.microsoft.com/office/drawing/2014/main" id="{14548868-E4F4-4C79-B674-7D704B87E095}"/>
+              </a:ext>
+            </a:extLst>
+          </p:cNvPr>
+          <p:cNvPicPr>
+            <a:picLocks noChangeAspect="1" noChangeArrowheads="1"/>
+          </p:cNvPicPr>
+          <p:nvPr/>
+        </p:nvPicPr>
+        <p:blipFill>
+          <a:blip r:embed="rId3">
+            <a:extLst>
+              <a:ext uri="{28A0092B-C50C-407E-A947-70E740481C1C}">
+                <a14:useLocalDpi xmlns:a14="http://schemas.microsoft.com/office/drawing/2010/main" val="0"/>
+              </a:ext>
+            </a:extLst>
+          </a:blip>
+          <a:srcRect/>
+          <a:stretch>
+            <a:fillRect/>
+          </a:stretch>
+        </p:blipFill>
+        <p:spPr bwMode="auto">
+          <a:xfrm>
+            <a:off x="4405537" y="2112708"/>
+            <a:ext cx="3085587" cy="3082732"/>
+          </a:xfrm>
+          <a:prstGeom prst="rect">
+            <a:avLst/>
+          </a:prstGeom>
+          <a:noFill/>
+          <a:extLst>
+            <a:ext uri="{909E8E84-426E-40DD-AFC4-6F175D3DCCD1}">
+              <a14:hiddenFill xmlns:a14="http://schemas.microsoft.com/office/drawing/2010/main">
+                <a:solidFill>
+                  <a:srgbClr val="FFFFFF"/>
+                </a:solidFill>
+              </a14:hiddenFill>
+            </a:ext>
+          </a:extLst>
+        </p:spPr>
+      </p:pic>
+      <p:sp>
+        <p:nvSpPr>
+          <p:cNvPr id="5" name="TextBox 4">
+            <a:extLst>
+              <a:ext uri="{FF2B5EF4-FFF2-40B4-BE49-F238E27FC236}">
+                <a16:creationId xmlns:a16="http://schemas.microsoft.com/office/drawing/2014/main" id="{F7596396-175D-44B0-AE6C-A973A3DAC710}"/>
+              </a:ext>
+            </a:extLst>
+          </p:cNvPr>
+          <p:cNvSpPr txBox="1"/>
+          <p:nvPr/>
+        </p:nvSpPr>
+        <p:spPr>
+          <a:xfrm>
+            <a:off x="4970520" y="1108453"/>
+            <a:ext cx="1847659" cy="493439"/>
+          </a:xfrm>
+          <a:prstGeom prst="rect">
+            <a:avLst/>
+          </a:prstGeom>
+          <a:solidFill>
+            <a:schemeClr val="bg1"/>
+          </a:solidFill>
+        </p:spPr>
+        <p:txBody>
+          <a:bodyPr wrap="square" rtlCol="0">
+            <a:spAutoFit/>
+          </a:bodyPr>
+          <a:lstStyle/>
+          <a:p>
+            <a:pPr algn="ctr"/>
+            <a:r>
+              <a:rPr lang="es-PE" sz="2800" dirty="0"/>
+              <a:t>Literatura</a:t>
+            </a:r>
+          </a:p>
+        </p:txBody>
+      </p:sp>
+      <p:sp>
+        <p:nvSpPr>
+          <p:cNvPr id="14" name="TextBox 13">
+            <a:extLst>
+              <a:ext uri="{FF2B5EF4-FFF2-40B4-BE49-F238E27FC236}">
+                <a16:creationId xmlns:a16="http://schemas.microsoft.com/office/drawing/2014/main" id="{0558090E-9EB2-4FEA-8F83-5ADF4EC39DE7}"/>
+              </a:ext>
+            </a:extLst>
+          </p:cNvPr>
+          <p:cNvSpPr txBox="1"/>
+          <p:nvPr/>
+        </p:nvSpPr>
+        <p:spPr>
+          <a:xfrm>
+            <a:off x="7917189" y="1873350"/>
+            <a:ext cx="1846367" cy="493439"/>
+          </a:xfrm>
+          <a:prstGeom prst="rect">
+            <a:avLst/>
+          </a:prstGeom>
+          <a:solidFill>
+            <a:schemeClr val="bg1"/>
+          </a:solidFill>
+        </p:spPr>
+        <p:txBody>
+          <a:bodyPr wrap="square" rtlCol="0">
+            <a:spAutoFit/>
+          </a:bodyPr>
+          <a:lstStyle/>
+          <a:p>
+            <a:pPr algn="ctr"/>
+            <a:r>
+              <a:rPr lang="es-PE" sz="2800" dirty="0"/>
+              <a:t>Publicación</a:t>
+            </a:r>
+          </a:p>
+        </p:txBody>
+      </p:sp>
+      <p:sp>
+        <p:nvSpPr>
+          <p:cNvPr id="19" name="Rectangle 18">
+            <a:extLst>
+              <a:ext uri="{FF2B5EF4-FFF2-40B4-BE49-F238E27FC236}">
+                <a16:creationId xmlns:a16="http://schemas.microsoft.com/office/drawing/2014/main" id="{6856C5C9-A416-461B-A19B-C5376C339A94}"/>
+              </a:ext>
+            </a:extLst>
+          </p:cNvPr>
+          <p:cNvSpPr/>
+          <p:nvPr/>
+        </p:nvSpPr>
+        <p:spPr>
+          <a:xfrm>
+            <a:off x="4461697" y="1889498"/>
+            <a:ext cx="3142657" cy="3323987"/>
+          </a:xfrm>
+          <a:prstGeom prst="rect">
+            <a:avLst/>
+          </a:prstGeom>
+        </p:spPr>
+        <p:txBody>
+          <a:bodyPr wrap="square">
+            <a:spAutoFit/>
+          </a:bodyPr>
+          <a:lstStyle/>
+          <a:p>
+            <a:r>
+              <a:rPr lang="es-PE" sz="1400" dirty="0"/>
+              <a:t>@M00967:43:000000000-A3JHG:1:1101:18278:3345 1:N:0:188</a:t>
+            </a:r>
+          </a:p>
+          <a:p>
+            <a:r>
+              <a:rPr lang="es-PE" sz="1400" dirty="0"/>
+              <a:t>TACGGAGGATGCGAGCGTTATCCGGATTTACTGGGTGTAAAGGGAGCGTAGACGGTGATGCAAGTCTGAAGTGAAAGGCGGGGGCTCAACCCCCGGACTGCTTTGGAAACTGTATGACTGGAGTGCAGGAGAGGTAAGTGGAATTCCTAGTGTAGCGGTGAA</a:t>
+            </a:r>
+          </a:p>
+          <a:p>
+            <a:r>
+              <a:rPr lang="es-PE" sz="1400" dirty="0"/>
+              <a:t>+</a:t>
+            </a:r>
+          </a:p>
+          <a:p>
+            <a:r>
+              <a:rPr lang="es-PE" sz="1400" dirty="0"/>
+              <a:t>ABBBBBBBBFFFGGGGGGGGGGHGGGGGHHHHHHHHGFHHHHHGHGGGGGGGHGGDHGHHHHHHHHHHHHHHHHHHHGHGGGGGGGHHHHHGGGGGGGGHHHHHHHFHHHHHHHHHGHHHHHHHHHHHHEFEGGFFGGGGGGGGGGG</a:t>
+            </a:r>
+          </a:p>
+        </p:txBody>
+      </p:sp>
+      <p:pic>
+        <p:nvPicPr>
+          <p:cNvPr id="1032" name="Picture 8" descr="Image result for barplot bacteria">
+            <a:extLst>
+              <a:ext uri="{FF2B5EF4-FFF2-40B4-BE49-F238E27FC236}">
+                <a16:creationId xmlns:a16="http://schemas.microsoft.com/office/drawing/2014/main" id="{28C79F11-D52A-49E0-B4F0-A97E18AC80DE}"/>
+              </a:ext>
+            </a:extLst>
+          </p:cNvPr>
+          <p:cNvPicPr>
+            <a:picLocks noChangeAspect="1" noChangeArrowheads="1"/>
+          </p:cNvPicPr>
+          <p:nvPr/>
+        </p:nvPicPr>
+        <p:blipFill>
+          <a:blip r:embed="rId4">
+            <a:extLst>
+              <a:ext uri="{28A0092B-C50C-407E-A947-70E740481C1C}">
+                <a14:useLocalDpi xmlns:a14="http://schemas.microsoft.com/office/drawing/2010/main" val="0"/>
+              </a:ext>
+            </a:extLst>
+          </a:blip>
+          <a:srcRect/>
+          <a:stretch>
+            <a:fillRect/>
+          </a:stretch>
+        </p:blipFill>
+        <p:spPr bwMode="auto">
+          <a:xfrm>
+            <a:off x="4028631" y="2169647"/>
+            <a:ext cx="3930122" cy="3128778"/>
+          </a:xfrm>
+          <a:prstGeom prst="rect">
+            <a:avLst/>
+          </a:prstGeom>
+          <a:noFill/>
+          <a:extLst>
+            <a:ext uri="{909E8E84-426E-40DD-AFC4-6F175D3DCCD1}">
+              <a14:hiddenFill xmlns:a14="http://schemas.microsoft.com/office/drawing/2010/main">
+                <a:solidFill>
+                  <a:srgbClr val="FFFFFF"/>
+                </a:solidFill>
+              </a14:hiddenFill>
+            </a:ext>
+          </a:extLst>
+        </p:spPr>
+      </p:pic>
+      <p:grpSp>
+        <p:nvGrpSpPr>
+          <p:cNvPr id="31" name="Group 30">
+            <a:extLst>
+              <a:ext uri="{FF2B5EF4-FFF2-40B4-BE49-F238E27FC236}">
+                <a16:creationId xmlns:a16="http://schemas.microsoft.com/office/drawing/2014/main" id="{03095DD7-A945-400E-BCAF-58987EC2830F}"/>
+              </a:ext>
+            </a:extLst>
+          </p:cNvPr>
+          <p:cNvGrpSpPr/>
+          <p:nvPr/>
+        </p:nvGrpSpPr>
+        <p:grpSpPr>
+          <a:xfrm>
+            <a:off x="1948892" y="1524009"/>
+            <a:ext cx="2967446" cy="1015426"/>
+            <a:chOff x="1964132" y="1554489"/>
+            <a:chExt cx="2967446" cy="1015426"/>
+          </a:xfrm>
+        </p:grpSpPr>
+        <p:sp>
+          <p:nvSpPr>
+            <p:cNvPr id="8" name="TextBox 7">
+              <a:extLst>
+                <a:ext uri="{FF2B5EF4-FFF2-40B4-BE49-F238E27FC236}">
+                  <a16:creationId xmlns:a16="http://schemas.microsoft.com/office/drawing/2014/main" id="{77B585D3-71F3-4DAF-87CB-BABDE1265046}"/>
+                </a:ext>
+              </a:extLst>
+            </p:cNvPr>
+            <p:cNvSpPr txBox="1"/>
+            <p:nvPr/>
+          </p:nvSpPr>
+          <p:spPr>
+            <a:xfrm>
+              <a:off x="1964132" y="1670115"/>
+              <a:ext cx="2147454" cy="899800"/>
+            </a:xfrm>
+            <a:prstGeom prst="rect">
+              <a:avLst/>
+            </a:prstGeom>
+            <a:solidFill>
+              <a:schemeClr val="bg1"/>
+            </a:solidFill>
+          </p:spPr>
+          <p:txBody>
+            <a:bodyPr wrap="square" rtlCol="0">
+              <a:spAutoFit/>
+            </a:bodyPr>
+            <a:lstStyle/>
+            <a:p>
+              <a:pPr algn="ctr"/>
+              <a:r>
+                <a:rPr lang="es-PE" sz="2800" dirty="0"/>
+                <a:t>Diseño experimental </a:t>
+              </a:r>
+            </a:p>
+          </p:txBody>
+        </p:sp>
+        <p:sp>
+          <p:nvSpPr>
+            <p:cNvPr id="29" name="Arrow: Down 28">
+              <a:extLst>
+                <a:ext uri="{FF2B5EF4-FFF2-40B4-BE49-F238E27FC236}">
+                  <a16:creationId xmlns:a16="http://schemas.microsoft.com/office/drawing/2014/main" id="{CF2189D5-03D9-4E0A-89F6-468BF059EF96}"/>
+                </a:ext>
+              </a:extLst>
+            </p:cNvPr>
+            <p:cNvSpPr/>
+            <p:nvPr/>
+          </p:nvSpPr>
+          <p:spPr>
+            <a:xfrm rot="4144377">
+              <a:off x="4161897" y="1207445"/>
+              <a:ext cx="422637" cy="1116725"/>
+            </a:xfrm>
+            <a:prstGeom prst="downArrow">
+              <a:avLst/>
+            </a:prstGeom>
+          </p:spPr>
+          <p:style>
+            <a:lnRef idx="2">
+              <a:schemeClr val="accent1">
+                <a:shade val="50000"/>
+              </a:schemeClr>
+            </a:lnRef>
+            <a:fillRef idx="1">
+              <a:schemeClr val="accent1"/>
+            </a:fillRef>
+            <a:effectRef idx="0">
+              <a:schemeClr val="accent1"/>
+            </a:effectRef>
+            <a:fontRef idx="minor">
+              <a:schemeClr val="lt1"/>
+            </a:fontRef>
+          </p:style>
+          <p:txBody>
+            <a:bodyPr rtlCol="0" anchor="ctr"/>
+            <a:lstStyle/>
+            <a:p>
+              <a:pPr algn="ctr"/>
+              <a:endParaRPr lang="es-PE"/>
+            </a:p>
+          </p:txBody>
+        </p:sp>
+      </p:grpSp>
+      <p:grpSp>
+        <p:nvGrpSpPr>
+          <p:cNvPr id="32" name="Group 31">
+            <a:extLst>
+              <a:ext uri="{FF2B5EF4-FFF2-40B4-BE49-F238E27FC236}">
+                <a16:creationId xmlns:a16="http://schemas.microsoft.com/office/drawing/2014/main" id="{DE07DC60-CD49-4702-BDFB-12EA962F4060}"/>
+              </a:ext>
+            </a:extLst>
+          </p:cNvPr>
+          <p:cNvGrpSpPr/>
+          <p:nvPr/>
+        </p:nvGrpSpPr>
+        <p:grpSpPr>
+          <a:xfrm>
+            <a:off x="1004882" y="2517280"/>
+            <a:ext cx="2465755" cy="1567964"/>
+            <a:chOff x="1020122" y="2547760"/>
+            <a:chExt cx="2465755" cy="1567964"/>
+          </a:xfrm>
+        </p:grpSpPr>
+        <p:sp>
+          <p:nvSpPr>
+            <p:cNvPr id="9" name="TextBox 8">
+              <a:extLst>
+                <a:ext uri="{FF2B5EF4-FFF2-40B4-BE49-F238E27FC236}">
+                  <a16:creationId xmlns:a16="http://schemas.microsoft.com/office/drawing/2014/main" id="{E93CC373-B694-4217-9DE9-79F794A3D04D}"/>
+                </a:ext>
+              </a:extLst>
+            </p:cNvPr>
+            <p:cNvSpPr txBox="1"/>
+            <p:nvPr/>
+          </p:nvSpPr>
+          <p:spPr>
+            <a:xfrm>
+              <a:off x="1020122" y="3480794"/>
+              <a:ext cx="2465755" cy="634930"/>
+            </a:xfrm>
+            <a:prstGeom prst="rect">
+              <a:avLst/>
+            </a:prstGeom>
+            <a:solidFill>
+              <a:schemeClr val="bg1"/>
+            </a:solidFill>
+          </p:spPr>
+          <p:txBody>
+            <a:bodyPr wrap="square" rtlCol="0">
+              <a:spAutoFit/>
+            </a:bodyPr>
+            <a:lstStyle/>
+            <a:p>
+              <a:pPr algn="ctr"/>
+              <a:r>
+                <a:rPr lang="es-PE" sz="2800" dirty="0"/>
+                <a:t>Experimento</a:t>
+              </a:r>
+            </a:p>
+          </p:txBody>
+        </p:sp>
+        <p:sp>
+          <p:nvSpPr>
+            <p:cNvPr id="34" name="Arrow: Down 33">
+              <a:extLst>
+                <a:ext uri="{FF2B5EF4-FFF2-40B4-BE49-F238E27FC236}">
+                  <a16:creationId xmlns:a16="http://schemas.microsoft.com/office/drawing/2014/main" id="{8D291129-F5C6-47C6-A9D7-314579ADB821}"/>
+                </a:ext>
+              </a:extLst>
+            </p:cNvPr>
+            <p:cNvSpPr/>
+            <p:nvPr/>
+          </p:nvSpPr>
+          <p:spPr>
+            <a:xfrm rot="1745316">
+              <a:off x="2239456" y="2547760"/>
+              <a:ext cx="422637" cy="1116725"/>
+            </a:xfrm>
+            <a:prstGeom prst="downArrow">
+              <a:avLst/>
+            </a:prstGeom>
+          </p:spPr>
+          <p:style>
+            <a:lnRef idx="2">
+              <a:schemeClr val="accent1">
+                <a:shade val="50000"/>
+              </a:schemeClr>
+            </a:lnRef>
+            <a:fillRef idx="1">
+              <a:schemeClr val="accent1"/>
+            </a:fillRef>
+            <a:effectRef idx="0">
+              <a:schemeClr val="accent1"/>
+            </a:effectRef>
+            <a:fontRef idx="minor">
+              <a:schemeClr val="lt1"/>
+            </a:fontRef>
+          </p:style>
+          <p:txBody>
+            <a:bodyPr rtlCol="0" anchor="ctr"/>
+            <a:lstStyle/>
+            <a:p>
+              <a:pPr algn="ctr"/>
+              <a:endParaRPr lang="es-PE"/>
+            </a:p>
+          </p:txBody>
+        </p:sp>
+      </p:grpSp>
+      <p:grpSp>
+        <p:nvGrpSpPr>
+          <p:cNvPr id="33" name="Group 32">
+            <a:extLst>
+              <a:ext uri="{FF2B5EF4-FFF2-40B4-BE49-F238E27FC236}">
+                <a16:creationId xmlns:a16="http://schemas.microsoft.com/office/drawing/2014/main" id="{0527C7AC-4178-4278-AC4F-879FFE0D8793}"/>
+              </a:ext>
+            </a:extLst>
+          </p:cNvPr>
+          <p:cNvGrpSpPr/>
+          <p:nvPr/>
+        </p:nvGrpSpPr>
+        <p:grpSpPr>
+          <a:xfrm>
+            <a:off x="1948892" y="3818300"/>
+            <a:ext cx="2001954" cy="1377140"/>
+            <a:chOff x="1964132" y="3848780"/>
+            <a:chExt cx="2001954" cy="1377140"/>
+          </a:xfrm>
+        </p:grpSpPr>
+        <p:sp>
+          <p:nvSpPr>
+            <p:cNvPr id="10" name="TextBox 9">
+              <a:extLst>
+                <a:ext uri="{FF2B5EF4-FFF2-40B4-BE49-F238E27FC236}">
+                  <a16:creationId xmlns:a16="http://schemas.microsoft.com/office/drawing/2014/main" id="{1001C370-40B5-49F6-A4D7-FB9CD74D3525}"/>
+                </a:ext>
+              </a:extLst>
+            </p:cNvPr>
+            <p:cNvSpPr txBox="1"/>
+            <p:nvPr/>
+          </p:nvSpPr>
+          <p:spPr>
+            <a:xfrm>
+              <a:off x="1964132" y="4732481"/>
+              <a:ext cx="2001954" cy="493439"/>
+            </a:xfrm>
+            <a:prstGeom prst="rect">
+              <a:avLst/>
+            </a:prstGeom>
+            <a:solidFill>
+              <a:schemeClr val="bg1"/>
+            </a:solidFill>
+          </p:spPr>
+          <p:txBody>
+            <a:bodyPr wrap="square" rtlCol="0">
+              <a:spAutoFit/>
+            </a:bodyPr>
+            <a:lstStyle/>
+            <a:p>
+              <a:pPr algn="ctr"/>
+              <a:r>
+                <a:rPr lang="es-PE" sz="2800" dirty="0"/>
+                <a:t>Muestras</a:t>
+              </a:r>
+            </a:p>
+          </p:txBody>
+        </p:sp>
+        <p:sp>
+          <p:nvSpPr>
+            <p:cNvPr id="35" name="Arrow: Down 34">
+              <a:extLst>
+                <a:ext uri="{FF2B5EF4-FFF2-40B4-BE49-F238E27FC236}">
+                  <a16:creationId xmlns:a16="http://schemas.microsoft.com/office/drawing/2014/main" id="{1AECBFAC-E55A-4FD1-930D-830601A06261}"/>
+                </a:ext>
+              </a:extLst>
+            </p:cNvPr>
+            <p:cNvSpPr/>
+            <p:nvPr/>
+          </p:nvSpPr>
+          <p:spPr>
+            <a:xfrm rot="19031898">
+              <a:off x="2536821" y="3848780"/>
+              <a:ext cx="422637" cy="1116725"/>
+            </a:xfrm>
+            <a:prstGeom prst="downArrow">
+              <a:avLst/>
+            </a:prstGeom>
+          </p:spPr>
+          <p:style>
+            <a:lnRef idx="2">
+              <a:schemeClr val="accent1">
+                <a:shade val="50000"/>
+              </a:schemeClr>
+            </a:lnRef>
+            <a:fillRef idx="1">
+              <a:schemeClr val="accent1"/>
+            </a:fillRef>
+            <a:effectRef idx="0">
+              <a:schemeClr val="accent1"/>
+            </a:effectRef>
+            <a:fontRef idx="minor">
+              <a:schemeClr val="lt1"/>
+            </a:fontRef>
+          </p:style>
+          <p:txBody>
+            <a:bodyPr rtlCol="0" anchor="ctr"/>
+            <a:lstStyle/>
+            <a:p>
+              <a:pPr algn="ctr"/>
+              <a:endParaRPr lang="es-PE"/>
+            </a:p>
+          </p:txBody>
+        </p:sp>
+      </p:grpSp>
+      <p:grpSp>
+        <p:nvGrpSpPr>
+          <p:cNvPr id="41" name="Group 40">
+            <a:extLst>
+              <a:ext uri="{FF2B5EF4-FFF2-40B4-BE49-F238E27FC236}">
+                <a16:creationId xmlns:a16="http://schemas.microsoft.com/office/drawing/2014/main" id="{F423C9CE-D4BD-4250-94D0-E8A1150EA875}"/>
+              </a:ext>
+            </a:extLst>
+          </p:cNvPr>
+          <p:cNvGrpSpPr/>
+          <p:nvPr/>
+        </p:nvGrpSpPr>
+        <p:grpSpPr>
+          <a:xfrm>
+            <a:off x="3506368" y="5338479"/>
+            <a:ext cx="3699973" cy="938056"/>
+            <a:chOff x="3521608" y="5368959"/>
+            <a:chExt cx="3699973" cy="938056"/>
+          </a:xfrm>
+        </p:grpSpPr>
+        <p:sp>
+          <p:nvSpPr>
+            <p:cNvPr id="11" name="TextBox 10">
+              <a:extLst>
+                <a:ext uri="{FF2B5EF4-FFF2-40B4-BE49-F238E27FC236}">
+                  <a16:creationId xmlns:a16="http://schemas.microsoft.com/office/drawing/2014/main" id="{B3AD21F6-B5A9-47C8-B396-EA7DBC7B2FBC}"/>
+                </a:ext>
+              </a:extLst>
+            </p:cNvPr>
+            <p:cNvSpPr txBox="1"/>
+            <p:nvPr/>
+          </p:nvSpPr>
+          <p:spPr>
+            <a:xfrm>
+              <a:off x="4755826" y="5672085"/>
+              <a:ext cx="2465755" cy="634930"/>
+            </a:xfrm>
+            <a:prstGeom prst="rect">
+              <a:avLst/>
+            </a:prstGeom>
+            <a:solidFill>
+              <a:schemeClr val="bg1"/>
+            </a:solidFill>
+          </p:spPr>
+          <p:txBody>
+            <a:bodyPr wrap="square" rtlCol="0">
+              <a:spAutoFit/>
+            </a:bodyPr>
+            <a:lstStyle/>
+            <a:p>
+              <a:pPr algn="ctr"/>
+              <a:r>
+                <a:rPr lang="es-PE" sz="2800" dirty="0"/>
+                <a:t>Secuencias</a:t>
+              </a:r>
+            </a:p>
+          </p:txBody>
+        </p:sp>
+        <p:sp>
+          <p:nvSpPr>
+            <p:cNvPr id="36" name="Arrow: Down 35">
+              <a:extLst>
+                <a:ext uri="{FF2B5EF4-FFF2-40B4-BE49-F238E27FC236}">
+                  <a16:creationId xmlns:a16="http://schemas.microsoft.com/office/drawing/2014/main" id="{43F89F79-7FCF-4DBB-84CE-915980FDFA41}"/>
+                </a:ext>
+              </a:extLst>
+            </p:cNvPr>
+            <p:cNvSpPr/>
+            <p:nvPr/>
+          </p:nvSpPr>
+          <p:spPr>
+            <a:xfrm rot="17140779">
+              <a:off x="3868652" y="5021915"/>
+              <a:ext cx="422637" cy="1116725"/>
+            </a:xfrm>
+            <a:prstGeom prst="downArrow">
+              <a:avLst/>
+            </a:prstGeom>
+          </p:spPr>
+          <p:style>
+            <a:lnRef idx="2">
+              <a:schemeClr val="accent1">
+                <a:shade val="50000"/>
+              </a:schemeClr>
+            </a:lnRef>
+            <a:fillRef idx="1">
+              <a:schemeClr val="accent1"/>
+            </a:fillRef>
+            <a:effectRef idx="0">
+              <a:schemeClr val="accent1"/>
+            </a:effectRef>
+            <a:fontRef idx="minor">
+              <a:schemeClr val="lt1"/>
+            </a:fontRef>
+          </p:style>
+          <p:txBody>
+            <a:bodyPr rtlCol="0" anchor="ctr"/>
+            <a:lstStyle/>
+            <a:p>
+              <a:pPr algn="ctr"/>
+              <a:endParaRPr lang="es-PE"/>
+            </a:p>
+          </p:txBody>
+        </p:sp>
+      </p:grpSp>
+      <p:grpSp>
+        <p:nvGrpSpPr>
+          <p:cNvPr id="42" name="Group 41">
+            <a:extLst>
+              <a:ext uri="{FF2B5EF4-FFF2-40B4-BE49-F238E27FC236}">
+                <a16:creationId xmlns:a16="http://schemas.microsoft.com/office/drawing/2014/main" id="{B4506C96-B780-47DE-8A8C-8FC879329363}"/>
+              </a:ext>
+            </a:extLst>
+          </p:cNvPr>
+          <p:cNvGrpSpPr/>
+          <p:nvPr/>
+        </p:nvGrpSpPr>
+        <p:grpSpPr>
+          <a:xfrm>
+            <a:off x="7245931" y="4702001"/>
+            <a:ext cx="2475588" cy="1116079"/>
+            <a:chOff x="7245931" y="4702001"/>
+            <a:chExt cx="2475588" cy="1116079"/>
+          </a:xfrm>
+        </p:grpSpPr>
+        <p:sp>
+          <p:nvSpPr>
+            <p:cNvPr id="12" name="TextBox 11">
+              <a:extLst>
+                <a:ext uri="{FF2B5EF4-FFF2-40B4-BE49-F238E27FC236}">
+                  <a16:creationId xmlns:a16="http://schemas.microsoft.com/office/drawing/2014/main" id="{01807C75-487F-4A95-B4E9-A6535CD9B780}"/>
+                </a:ext>
+              </a:extLst>
+            </p:cNvPr>
+            <p:cNvSpPr txBox="1"/>
+            <p:nvPr/>
+          </p:nvSpPr>
+          <p:spPr>
+            <a:xfrm>
+              <a:off x="7959225" y="4702001"/>
+              <a:ext cx="1762294" cy="493439"/>
+            </a:xfrm>
+            <a:prstGeom prst="rect">
+              <a:avLst/>
+            </a:prstGeom>
+            <a:solidFill>
+              <a:schemeClr val="bg1"/>
+            </a:solidFill>
+          </p:spPr>
+          <p:txBody>
+            <a:bodyPr wrap="square" rtlCol="0">
+              <a:spAutoFit/>
+            </a:bodyPr>
+            <a:lstStyle/>
+            <a:p>
+              <a:pPr algn="ctr"/>
+              <a:r>
+                <a:rPr lang="es-PE" sz="2800" dirty="0"/>
+                <a:t>Datos</a:t>
+              </a:r>
+            </a:p>
+          </p:txBody>
+        </p:sp>
+        <p:sp>
+          <p:nvSpPr>
+            <p:cNvPr id="37" name="Arrow: Down 36">
+              <a:extLst>
+                <a:ext uri="{FF2B5EF4-FFF2-40B4-BE49-F238E27FC236}">
+                  <a16:creationId xmlns:a16="http://schemas.microsoft.com/office/drawing/2014/main" id="{ADBAF86B-58B4-460B-B33D-516A483EDD04}"/>
+                </a:ext>
+              </a:extLst>
+            </p:cNvPr>
+            <p:cNvSpPr/>
+            <p:nvPr/>
+          </p:nvSpPr>
+          <p:spPr>
+            <a:xfrm rot="14971550">
+              <a:off x="7592975" y="5048399"/>
+              <a:ext cx="422637" cy="1116725"/>
+            </a:xfrm>
+            <a:prstGeom prst="downArrow">
+              <a:avLst/>
+            </a:prstGeom>
+          </p:spPr>
+          <p:style>
+            <a:lnRef idx="2">
+              <a:schemeClr val="accent1">
+                <a:shade val="50000"/>
+              </a:schemeClr>
+            </a:lnRef>
+            <a:fillRef idx="1">
+              <a:schemeClr val="accent1"/>
+            </a:fillRef>
+            <a:effectRef idx="0">
+              <a:schemeClr val="accent1"/>
+            </a:effectRef>
+            <a:fontRef idx="minor">
+              <a:schemeClr val="lt1"/>
+            </a:fontRef>
+          </p:style>
+          <p:txBody>
+            <a:bodyPr rtlCol="0" anchor="ctr"/>
+            <a:lstStyle/>
+            <a:p>
+              <a:pPr algn="ctr"/>
+              <a:endParaRPr lang="es-PE"/>
+            </a:p>
+          </p:txBody>
+        </p:sp>
+      </p:grpSp>
+      <p:grpSp>
+        <p:nvGrpSpPr>
+          <p:cNvPr id="43" name="Group 42">
+            <a:extLst>
+              <a:ext uri="{FF2B5EF4-FFF2-40B4-BE49-F238E27FC236}">
+                <a16:creationId xmlns:a16="http://schemas.microsoft.com/office/drawing/2014/main" id="{F2A9967E-8FF8-424B-A20E-F995BFAC0317}"/>
+              </a:ext>
+            </a:extLst>
+          </p:cNvPr>
+          <p:cNvGrpSpPr/>
+          <p:nvPr/>
+        </p:nvGrpSpPr>
+        <p:grpSpPr>
+          <a:xfrm>
+            <a:off x="8757062" y="3504290"/>
+            <a:ext cx="1846367" cy="1445163"/>
+            <a:chOff x="8757062" y="3504290"/>
+            <a:chExt cx="1846367" cy="1445163"/>
+          </a:xfrm>
+        </p:grpSpPr>
+        <p:sp>
+          <p:nvSpPr>
+            <p:cNvPr id="13" name="TextBox 12">
+              <a:extLst>
+                <a:ext uri="{FF2B5EF4-FFF2-40B4-BE49-F238E27FC236}">
+                  <a16:creationId xmlns:a16="http://schemas.microsoft.com/office/drawing/2014/main" id="{F1BA08BA-A7C0-4B2B-87FC-98AE40C22821}"/>
+                </a:ext>
+              </a:extLst>
+            </p:cNvPr>
+            <p:cNvSpPr txBox="1"/>
+            <p:nvPr/>
+          </p:nvSpPr>
+          <p:spPr>
+            <a:xfrm>
+              <a:off x="8757062" y="3504290"/>
+              <a:ext cx="1846367" cy="493439"/>
+            </a:xfrm>
+            <a:prstGeom prst="rect">
+              <a:avLst/>
+            </a:prstGeom>
+            <a:solidFill>
+              <a:schemeClr val="bg1"/>
+            </a:solidFill>
+          </p:spPr>
+          <p:txBody>
+            <a:bodyPr wrap="square" rtlCol="0">
+              <a:spAutoFit/>
+            </a:bodyPr>
+            <a:lstStyle/>
+            <a:p>
+              <a:pPr algn="ctr"/>
+              <a:r>
+                <a:rPr lang="es-PE" sz="2800" dirty="0"/>
+                <a:t>Análisis</a:t>
+              </a:r>
+            </a:p>
+          </p:txBody>
+        </p:sp>
+        <p:sp>
+          <p:nvSpPr>
+            <p:cNvPr id="38" name="Arrow: Down 37">
+              <a:extLst>
+                <a:ext uri="{FF2B5EF4-FFF2-40B4-BE49-F238E27FC236}">
+                  <a16:creationId xmlns:a16="http://schemas.microsoft.com/office/drawing/2014/main" id="{6E3AC5E5-8EDB-499E-8237-F98C9C351940}"/>
+                </a:ext>
+              </a:extLst>
+            </p:cNvPr>
+            <p:cNvSpPr/>
+            <p:nvPr/>
+          </p:nvSpPr>
+          <p:spPr>
+            <a:xfrm rot="13299429">
+              <a:off x="9308548" y="3832728"/>
+              <a:ext cx="422637" cy="1116725"/>
+            </a:xfrm>
+            <a:prstGeom prst="downArrow">
+              <a:avLst/>
+            </a:prstGeom>
+          </p:spPr>
+          <p:style>
+            <a:lnRef idx="2">
+              <a:schemeClr val="accent1">
+                <a:shade val="50000"/>
+              </a:schemeClr>
+            </a:lnRef>
+            <a:fillRef idx="1">
+              <a:schemeClr val="accent1"/>
+            </a:fillRef>
+            <a:effectRef idx="0">
+              <a:schemeClr val="accent1"/>
+            </a:effectRef>
+            <a:fontRef idx="minor">
+              <a:schemeClr val="lt1"/>
+            </a:fontRef>
+          </p:style>
+          <p:txBody>
+            <a:bodyPr rtlCol="0" anchor="ctr"/>
+            <a:lstStyle/>
+            <a:p>
+              <a:pPr algn="ctr"/>
+              <a:endParaRPr lang="es-PE"/>
+            </a:p>
+          </p:txBody>
+        </p:sp>
+      </p:grpSp>
+      <p:sp>
+        <p:nvSpPr>
+          <p:cNvPr id="39" name="Arrow: Down 38">
+            <a:extLst>
+              <a:ext uri="{FF2B5EF4-FFF2-40B4-BE49-F238E27FC236}">
+                <a16:creationId xmlns:a16="http://schemas.microsoft.com/office/drawing/2014/main" id="{2359A0C7-A3C2-4CDA-B271-7010ABC87DCE}"/>
+              </a:ext>
+            </a:extLst>
+          </p:cNvPr>
+          <p:cNvSpPr/>
+          <p:nvPr/>
+        </p:nvSpPr>
+        <p:spPr>
+          <a:xfrm rot="8440069">
+            <a:off x="9158065" y="2479175"/>
+            <a:ext cx="422637" cy="1116725"/>
+          </a:xfrm>
+          <a:prstGeom prst="downArrow">
+            <a:avLst/>
+          </a:prstGeom>
+        </p:spPr>
+        <p:style>
+          <a:lnRef idx="2">
+            <a:schemeClr val="accent1">
+              <a:shade val="50000"/>
+            </a:schemeClr>
+          </a:lnRef>
+          <a:fillRef idx="1">
+            <a:schemeClr val="accent1"/>
+          </a:fillRef>
+          <a:effectRef idx="0">
+            <a:schemeClr val="accent1"/>
+          </a:effectRef>
+          <a:fontRef idx="minor">
+            <a:schemeClr val="lt1"/>
+          </a:fontRef>
+        </p:style>
+        <p:txBody>
+          <a:bodyPr rtlCol="0" anchor="ctr"/>
+          <a:lstStyle/>
+          <a:p>
+            <a:pPr algn="ctr"/>
+            <a:endParaRPr lang="es-PE"/>
+          </a:p>
+        </p:txBody>
+      </p:sp>
+      <p:sp>
+        <p:nvSpPr>
+          <p:cNvPr id="40" name="Arrow: Down 39">
+            <a:extLst>
+              <a:ext uri="{FF2B5EF4-FFF2-40B4-BE49-F238E27FC236}">
+                <a16:creationId xmlns:a16="http://schemas.microsoft.com/office/drawing/2014/main" id="{F0A4DD20-0D6E-4F27-BCBB-B34214CBB5F5}"/>
+              </a:ext>
+            </a:extLst>
+          </p:cNvPr>
+          <p:cNvSpPr/>
+          <p:nvPr/>
+        </p:nvSpPr>
+        <p:spPr>
+          <a:xfrm rot="6275090">
+            <a:off x="7313674" y="1081272"/>
+            <a:ext cx="422637" cy="1116725"/>
+          </a:xfrm>
+          <a:prstGeom prst="downArrow">
+            <a:avLst/>
+          </a:prstGeom>
+        </p:spPr>
+        <p:style>
+          <a:lnRef idx="2">
+            <a:schemeClr val="accent1">
+              <a:shade val="50000"/>
+            </a:schemeClr>
+          </a:lnRef>
+          <a:fillRef idx="1">
+            <a:schemeClr val="accent1"/>
+          </a:fillRef>
+          <a:effectRef idx="0">
+            <a:schemeClr val="accent1"/>
+          </a:effectRef>
+          <a:fontRef idx="minor">
+            <a:schemeClr val="lt1"/>
+          </a:fontRef>
+        </p:style>
+        <p:txBody>
+          <a:bodyPr rtlCol="0" anchor="ctr"/>
+          <a:lstStyle/>
+          <a:p>
+            <a:pPr algn="ctr"/>
+            <a:endParaRPr lang="es-PE"/>
+          </a:p>
+        </p:txBody>
+      </p:sp>
+      <p:graphicFrame>
+        <p:nvGraphicFramePr>
+          <p:cNvPr id="48" name="Content Placeholder 4">
+            <a:extLst>
+              <a:ext uri="{FF2B5EF4-FFF2-40B4-BE49-F238E27FC236}">
+                <a16:creationId xmlns:a16="http://schemas.microsoft.com/office/drawing/2014/main" id="{E57DF772-F213-4E11-877F-89700F644B01}"/>
+              </a:ext>
+            </a:extLst>
+          </p:cNvPr>
+          <p:cNvGraphicFramePr>
+            <a:graphicFrameLocks/>
+          </p:cNvGraphicFramePr>
+          <p:nvPr>
+            <p:extLst>
+              <p:ext uri="{D42A27DB-BD31-4B8C-83A1-F6EECF244321}">
+                <p14:modId xmlns:p14="http://schemas.microsoft.com/office/powerpoint/2010/main" val="978016893"/>
+              </p:ext>
+            </p:extLst>
+          </p:nvPr>
+        </p:nvGraphicFramePr>
+        <p:xfrm>
+          <a:off x="3354393" y="2794566"/>
+          <a:ext cx="5060303" cy="1524000"/>
+        </p:xfrm>
+        <a:graphic>
+          <a:graphicData uri="http://schemas.openxmlformats.org/drawingml/2006/table">
+            <a:tbl>
+              <a:tblPr firstRow="1" bandRow="1">
+                <a:tableStyleId>{5940675A-B579-460E-94D1-54222C63F5DA}</a:tableStyleId>
+              </a:tblPr>
+              <a:tblGrid>
+                <a:gridCol w="1390745">
+                  <a:extLst>
+                    <a:ext uri="{9D8B030D-6E8A-4147-A177-3AD203B41FA5}">
+                      <a16:colId xmlns:a16="http://schemas.microsoft.com/office/drawing/2014/main" val="20000"/>
+                    </a:ext>
+                  </a:extLst>
+                </a:gridCol>
+                <a:gridCol w="635118">
+                  <a:extLst>
+                    <a:ext uri="{9D8B030D-6E8A-4147-A177-3AD203B41FA5}">
+                      <a16:colId xmlns:a16="http://schemas.microsoft.com/office/drawing/2014/main" val="20001"/>
+                    </a:ext>
+                  </a:extLst>
+                </a:gridCol>
+                <a:gridCol w="705684">
+                  <a:extLst>
+                    <a:ext uri="{9D8B030D-6E8A-4147-A177-3AD203B41FA5}">
+                      <a16:colId xmlns:a16="http://schemas.microsoft.com/office/drawing/2014/main" val="20002"/>
+                    </a:ext>
+                  </a:extLst>
+                </a:gridCol>
+                <a:gridCol w="776252">
+                  <a:extLst>
+                    <a:ext uri="{9D8B030D-6E8A-4147-A177-3AD203B41FA5}">
+                      <a16:colId xmlns:a16="http://schemas.microsoft.com/office/drawing/2014/main" val="20003"/>
+                    </a:ext>
+                  </a:extLst>
+                </a:gridCol>
+                <a:gridCol w="776252">
+                  <a:extLst>
+                    <a:ext uri="{9D8B030D-6E8A-4147-A177-3AD203B41FA5}">
+                      <a16:colId xmlns:a16="http://schemas.microsoft.com/office/drawing/2014/main" val="20004"/>
+                    </a:ext>
+                  </a:extLst>
+                </a:gridCol>
+                <a:gridCol w="776252">
+                  <a:extLst>
+                    <a:ext uri="{9D8B030D-6E8A-4147-A177-3AD203B41FA5}">
+                      <a16:colId xmlns:a16="http://schemas.microsoft.com/office/drawing/2014/main" val="20005"/>
+                    </a:ext>
+                  </a:extLst>
+                </a:gridCol>
+              </a:tblGrid>
+              <a:tr h="0">
+                <a:tc>
+                  <a:txBody>
+                    <a:bodyPr/>
+                    <a:lstStyle/>
+                    <a:p>
+                      <a:pPr algn="ctr"/>
+                      <a:endParaRPr lang="en-US" sz="1400" dirty="0">
+                        <a:latin typeface="Helvetica Neue" panose="02000503000000020004" pitchFamily="2"/>
+                      </a:endParaRPr>
+                    </a:p>
+                  </a:txBody>
+                  <a:tcPr marL="324684" marR="324684" anchor="ctr"/>
+                </a:tc>
+                <a:tc>
+                  <a:txBody>
+                    <a:bodyPr/>
+                    <a:lstStyle/>
+                    <a:p>
+                      <a:pPr marL="0" indent="0" algn="ctr"/>
+                      <a:r>
+                        <a:rPr lang="en-US" sz="1400" dirty="0">
+                          <a:latin typeface="Helvetica Neue" panose="02000503000000020004" pitchFamily="2"/>
+                        </a:rPr>
+                        <a:t>OTU1</a:t>
+                      </a:r>
+                    </a:p>
+                  </a:txBody>
+                  <a:tcPr marL="0" marR="0" marT="0" marB="0" anchor="ctr"/>
+                </a:tc>
+                <a:tc>
+                  <a:txBody>
+                    <a:bodyPr/>
+                    <a:lstStyle/>
+                    <a:p>
+                      <a:pPr marL="0" marR="0" indent="0" algn="ctr" defTabSz="914400" rtl="0" eaLnBrk="1" fontAlgn="auto" latinLnBrk="0" hangingPunct="1">
+                        <a:lnSpc>
+                          <a:spcPct val="100000"/>
+                        </a:lnSpc>
+                        <a:spcBef>
+                          <a:spcPts val="0"/>
+                        </a:spcBef>
+                        <a:spcAft>
+                          <a:spcPts val="0"/>
+                        </a:spcAft>
+                        <a:buClrTx/>
+                        <a:buSzTx/>
+                        <a:buFontTx/>
+                        <a:buNone/>
+                        <a:tabLst/>
+                        <a:defRPr/>
+                      </a:pPr>
+                      <a:r>
+                        <a:rPr lang="en-US" sz="1400" dirty="0">
+                          <a:latin typeface="Helvetica Neue" panose="02000503000000020004" pitchFamily="2"/>
+                        </a:rPr>
+                        <a:t>OTU2</a:t>
+                      </a:r>
+                    </a:p>
+                  </a:txBody>
+                  <a:tcPr marL="0" marR="0" marT="0" marB="0" anchor="ctr"/>
+                </a:tc>
+                <a:tc>
+                  <a:txBody>
+                    <a:bodyPr/>
+                    <a:lstStyle/>
+                    <a:p>
+                      <a:pPr marL="0" marR="0" indent="0" algn="ctr" defTabSz="914400" rtl="0" eaLnBrk="1" fontAlgn="auto" latinLnBrk="0" hangingPunct="1">
+                        <a:lnSpc>
+                          <a:spcPct val="100000"/>
+                        </a:lnSpc>
+                        <a:spcBef>
+                          <a:spcPts val="0"/>
+                        </a:spcBef>
+                        <a:spcAft>
+                          <a:spcPts val="0"/>
+                        </a:spcAft>
+                        <a:buClrTx/>
+                        <a:buSzTx/>
+                        <a:buFontTx/>
+                        <a:buNone/>
+                        <a:tabLst/>
+                        <a:defRPr/>
+                      </a:pPr>
+                      <a:r>
+                        <a:rPr lang="en-US" sz="1400" dirty="0">
+                          <a:latin typeface="Helvetica Neue" panose="02000503000000020004" pitchFamily="2"/>
+                        </a:rPr>
+                        <a:t>OTU3</a:t>
+                      </a:r>
+                    </a:p>
+                  </a:txBody>
+                  <a:tcPr marL="0" marR="0" marT="0" marB="0" anchor="ctr"/>
+                </a:tc>
+                <a:tc>
+                  <a:txBody>
+                    <a:bodyPr/>
+                    <a:lstStyle/>
+                    <a:p>
+                      <a:pPr marL="0" marR="0" indent="0" algn="ctr" defTabSz="914400" rtl="0" eaLnBrk="1" fontAlgn="auto" latinLnBrk="0" hangingPunct="1">
+                        <a:lnSpc>
+                          <a:spcPct val="100000"/>
+                        </a:lnSpc>
+                        <a:spcBef>
+                          <a:spcPts val="0"/>
+                        </a:spcBef>
+                        <a:spcAft>
+                          <a:spcPts val="0"/>
+                        </a:spcAft>
+                        <a:buClrTx/>
+                        <a:buSzTx/>
+                        <a:buFontTx/>
+                        <a:buNone/>
+                        <a:tabLst/>
+                        <a:defRPr/>
+                      </a:pPr>
+                      <a:r>
+                        <a:rPr lang="en-US" sz="1400" dirty="0">
+                          <a:latin typeface="Helvetica Neue" panose="02000503000000020004" pitchFamily="2"/>
+                        </a:rPr>
+                        <a:t>OTU4</a:t>
+                      </a:r>
+                    </a:p>
+                  </a:txBody>
+                  <a:tcPr marL="0" marR="0" marT="0" marB="0" anchor="ctr">
+                    <a:lnR w="12700" cap="flat" cmpd="sng" algn="ctr">
+                      <a:solidFill>
+                        <a:schemeClr val="tx1"/>
+                      </a:solidFill>
+                      <a:prstDash val="solid"/>
+                      <a:round/>
+                      <a:headEnd type="none" w="med" len="med"/>
+                      <a:tailEnd type="none" w="med" len="med"/>
+                    </a:lnR>
+                  </a:tcPr>
+                </a:tc>
+                <a:tc>
+                  <a:txBody>
+                    <a:bodyPr/>
+                    <a:lstStyle/>
+                    <a:p>
+                      <a:pPr marL="0" marR="0" indent="0" algn="ctr" defTabSz="914400" rtl="0" eaLnBrk="1" fontAlgn="auto" latinLnBrk="0" hangingPunct="1">
+                        <a:lnSpc>
+                          <a:spcPct val="100000"/>
+                        </a:lnSpc>
+                        <a:spcBef>
+                          <a:spcPts val="0"/>
+                        </a:spcBef>
+                        <a:spcAft>
+                          <a:spcPts val="0"/>
+                        </a:spcAft>
+                        <a:buClrTx/>
+                        <a:buSzTx/>
+                        <a:buFontTx/>
+                        <a:buNone/>
+                        <a:tabLst/>
+                        <a:defRPr/>
+                      </a:pPr>
+                      <a:r>
+                        <a:rPr lang="en-US" sz="1400" dirty="0">
+                          <a:latin typeface="Helvetica Neue" panose="02000503000000020004" pitchFamily="2"/>
+                        </a:rPr>
+                        <a:t>OTU5</a:t>
+                      </a:r>
+                    </a:p>
+                  </a:txBody>
+                  <a:tcPr marL="0" marR="0" marT="0" marB="0" anchor="ctr">
+                    <a:lnL w="12700" cap="flat" cmpd="sng" algn="ctr">
+                      <a:solidFill>
+                        <a:schemeClr val="tx1"/>
+                      </a:solidFill>
+                      <a:prstDash val="solid"/>
+                      <a:round/>
+                      <a:headEnd type="none" w="med" len="med"/>
+                      <a:tailEnd type="none" w="med" len="med"/>
+                    </a:lnL>
+                    <a:lnR w="12700" cap="flat" cmpd="sng" algn="ctr">
+                      <a:solidFill>
+                        <a:schemeClr val="tx1"/>
+                      </a:solidFill>
+                      <a:prstDash val="solid"/>
+                      <a:round/>
+                      <a:headEnd type="none" w="med" len="med"/>
+                      <a:tailEnd type="none" w="med" len="med"/>
+                    </a:lnR>
+                    <a:lnT w="12700" cap="flat" cmpd="sng" algn="ctr">
+                      <a:solidFill>
+                        <a:schemeClr val="tx1"/>
+                      </a:solidFill>
+                      <a:prstDash val="solid"/>
+                      <a:round/>
+                      <a:headEnd type="none" w="med" len="med"/>
+                      <a:tailEnd type="none" w="med" len="med"/>
+                    </a:lnT>
+                  </a:tcPr>
+                </a:tc>
+                <a:extLst>
+                  <a:ext uri="{0D108BD9-81ED-4DB2-BD59-A6C34878D82A}">
+                    <a16:rowId xmlns:a16="http://schemas.microsoft.com/office/drawing/2014/main" val="10000"/>
+                  </a:ext>
+                </a:extLst>
+              </a:tr>
+              <a:tr h="0">
+                <a:tc>
+                  <a:txBody>
+                    <a:bodyPr/>
+                    <a:lstStyle/>
+                    <a:p>
+                      <a:pPr algn="ctr"/>
+                      <a:r>
+                        <a:rPr lang="en-US" sz="1400" dirty="0">
+                          <a:latin typeface="Helvetica Neue" panose="02000503000000020004" pitchFamily="2"/>
+                        </a:rPr>
+                        <a:t>Sample1</a:t>
+                      </a:r>
+                    </a:p>
+                  </a:txBody>
+                  <a:tcPr marL="324684" marR="324684" anchor="ctr"/>
+                </a:tc>
+                <a:tc>
+                  <a:txBody>
+                    <a:bodyPr/>
+                    <a:lstStyle/>
+                    <a:p>
+                      <a:pPr algn="ctr"/>
+                      <a:r>
+                        <a:rPr lang="en-US" sz="1400" dirty="0">
+                          <a:latin typeface="Helvetica Neue" panose="02000503000000020004" pitchFamily="2"/>
+                        </a:rPr>
+                        <a:t>20</a:t>
+                      </a:r>
+                    </a:p>
+                  </a:txBody>
+                  <a:tcPr marL="0" marR="0" marT="0" marB="0" anchor="ctr"/>
+                </a:tc>
+                <a:tc>
+                  <a:txBody>
+                    <a:bodyPr/>
+                    <a:lstStyle/>
+                    <a:p>
+                      <a:pPr algn="ctr"/>
+                      <a:r>
+                        <a:rPr lang="en-US" sz="1400" dirty="0">
+                          <a:latin typeface="Helvetica Neue" panose="02000503000000020004" pitchFamily="2"/>
+                        </a:rPr>
+                        <a:t>15</a:t>
+                      </a:r>
+                    </a:p>
+                  </a:txBody>
+                  <a:tcPr marL="0" marR="0" marT="0" marB="0" anchor="ctr"/>
+                </a:tc>
+                <a:tc>
+                  <a:txBody>
+                    <a:bodyPr/>
+                    <a:lstStyle/>
+                    <a:p>
+                      <a:pPr algn="ctr"/>
+                      <a:r>
+                        <a:rPr lang="en-US" sz="1400" dirty="0">
+                          <a:latin typeface="Helvetica Neue" panose="02000503000000020004" pitchFamily="2"/>
+                        </a:rPr>
+                        <a:t>50</a:t>
+                      </a:r>
+                    </a:p>
+                  </a:txBody>
+                  <a:tcPr marL="0" marR="0" marT="0" marB="0" anchor="ctr"/>
+                </a:tc>
+                <a:tc>
+                  <a:txBody>
+                    <a:bodyPr/>
+                    <a:lstStyle/>
+                    <a:p>
+                      <a:pPr algn="ctr"/>
+                      <a:r>
+                        <a:rPr lang="en-US" sz="1400" dirty="0">
+                          <a:latin typeface="Helvetica Neue" panose="02000503000000020004" pitchFamily="2"/>
+                        </a:rPr>
+                        <a:t>10</a:t>
+                      </a:r>
+                    </a:p>
+                  </a:txBody>
+                  <a:tcPr marL="0" marR="0" marT="0" marB="0" anchor="ctr">
+                    <a:lnR w="12700" cap="flat" cmpd="sng" algn="ctr">
+                      <a:solidFill>
+                        <a:schemeClr val="tx1"/>
+                      </a:solidFill>
+                      <a:prstDash val="solid"/>
+                      <a:round/>
+                      <a:headEnd type="none" w="med" len="med"/>
+                      <a:tailEnd type="none" w="med" len="med"/>
+                    </a:lnR>
+                  </a:tcPr>
+                </a:tc>
+                <a:tc>
+                  <a:txBody>
+                    <a:bodyPr/>
+                    <a:lstStyle/>
+                    <a:p>
+                      <a:pPr algn="ctr"/>
+                      <a:r>
+                        <a:rPr lang="en-US" sz="1400" dirty="0">
+                          <a:latin typeface="Helvetica Neue" panose="02000503000000020004" pitchFamily="2"/>
+                        </a:rPr>
+                        <a:t>0</a:t>
+                      </a:r>
+                    </a:p>
+                  </a:txBody>
+                  <a:tcPr marL="0" marR="0" marT="0" marB="0" anchor="ctr">
+                    <a:lnL w="12700" cap="flat" cmpd="sng" algn="ctr">
+                      <a:solidFill>
+                        <a:schemeClr val="tx1"/>
+                      </a:solidFill>
+                      <a:prstDash val="solid"/>
+                      <a:round/>
+                      <a:headEnd type="none" w="med" len="med"/>
+                      <a:tailEnd type="none" w="med" len="med"/>
+                    </a:lnL>
+                    <a:lnR w="12700" cap="flat" cmpd="sng" algn="ctr">
+                      <a:solidFill>
+                        <a:schemeClr val="tx1"/>
+                      </a:solidFill>
+                      <a:prstDash val="solid"/>
+                      <a:round/>
+                      <a:headEnd type="none" w="med" len="med"/>
+                      <a:tailEnd type="none" w="med" len="med"/>
+                    </a:lnR>
+                  </a:tcPr>
+                </a:tc>
+                <a:extLst>
+                  <a:ext uri="{0D108BD9-81ED-4DB2-BD59-A6C34878D82A}">
+                    <a16:rowId xmlns:a16="http://schemas.microsoft.com/office/drawing/2014/main" val="10001"/>
+                  </a:ext>
+                </a:extLst>
+              </a:tr>
+              <a:tr h="0">
+                <a:tc>
+                  <a:txBody>
+                    <a:bodyPr/>
+                    <a:lstStyle/>
+                    <a:p>
+                      <a:pPr algn="ctr"/>
+                      <a:r>
+                        <a:rPr lang="en-US" sz="1400" dirty="0">
+                          <a:latin typeface="Helvetica Neue" panose="02000503000000020004" pitchFamily="2"/>
+                        </a:rPr>
+                        <a:t>Sample2</a:t>
+                      </a:r>
+                    </a:p>
+                  </a:txBody>
+                  <a:tcPr marL="324684" marR="324684" anchor="ctr"/>
+                </a:tc>
+                <a:tc>
+                  <a:txBody>
+                    <a:bodyPr/>
+                    <a:lstStyle/>
+                    <a:p>
+                      <a:pPr algn="ctr"/>
+                      <a:r>
+                        <a:rPr lang="en-US" sz="1400" dirty="0">
+                          <a:latin typeface="Helvetica Neue" panose="02000503000000020004" pitchFamily="2"/>
+                        </a:rPr>
+                        <a:t>15</a:t>
+                      </a:r>
+                    </a:p>
+                  </a:txBody>
+                  <a:tcPr marL="0" marR="0" marT="0" marB="0" anchor="ctr"/>
+                </a:tc>
+                <a:tc>
+                  <a:txBody>
+                    <a:bodyPr/>
+                    <a:lstStyle/>
+                    <a:p>
+                      <a:pPr algn="ctr"/>
+                      <a:r>
+                        <a:rPr lang="en-US" sz="1400" dirty="0">
+                          <a:latin typeface="Helvetica Neue" panose="02000503000000020004" pitchFamily="2"/>
+                        </a:rPr>
+                        <a:t>30</a:t>
+                      </a:r>
+                    </a:p>
+                  </a:txBody>
+                  <a:tcPr marL="0" marR="0" marT="0" marB="0" anchor="ctr"/>
+                </a:tc>
+                <a:tc>
+                  <a:txBody>
+                    <a:bodyPr/>
+                    <a:lstStyle/>
+                    <a:p>
+                      <a:pPr algn="ctr"/>
+                      <a:r>
+                        <a:rPr lang="en-US" sz="1400" dirty="0">
+                          <a:latin typeface="Helvetica Neue" panose="02000503000000020004" pitchFamily="2"/>
+                        </a:rPr>
+                        <a:t>35</a:t>
+                      </a:r>
+                    </a:p>
+                  </a:txBody>
+                  <a:tcPr marL="0" marR="0" marT="0" marB="0" anchor="ctr"/>
+                </a:tc>
+                <a:tc>
+                  <a:txBody>
+                    <a:bodyPr/>
+                    <a:lstStyle/>
+                    <a:p>
+                      <a:pPr algn="ctr"/>
+                      <a:r>
+                        <a:rPr lang="en-US" sz="1400" dirty="0">
+                          <a:latin typeface="Helvetica Neue" panose="02000503000000020004" pitchFamily="2"/>
+                        </a:rPr>
+                        <a:t>20</a:t>
+                      </a:r>
+                    </a:p>
+                  </a:txBody>
+                  <a:tcPr marL="0" marR="0" marT="0" marB="0" anchor="ctr">
+                    <a:lnR w="12700" cap="flat" cmpd="sng" algn="ctr">
+                      <a:solidFill>
+                        <a:schemeClr val="tx1"/>
+                      </a:solidFill>
+                      <a:prstDash val="solid"/>
+                      <a:round/>
+                      <a:headEnd type="none" w="med" len="med"/>
+                      <a:tailEnd type="none" w="med" len="med"/>
+                    </a:lnR>
+                  </a:tcPr>
+                </a:tc>
+                <a:tc>
+                  <a:txBody>
+                    <a:bodyPr/>
+                    <a:lstStyle/>
+                    <a:p>
+                      <a:pPr algn="ctr"/>
+                      <a:r>
+                        <a:rPr lang="en-US" sz="1400" dirty="0">
+                          <a:latin typeface="Helvetica Neue" panose="02000503000000020004" pitchFamily="2"/>
+                        </a:rPr>
+                        <a:t>0</a:t>
+                      </a:r>
+                    </a:p>
+                  </a:txBody>
+                  <a:tcPr marL="0" marR="0" marT="0" marB="0" anchor="ctr">
+                    <a:lnL w="12700" cap="flat" cmpd="sng" algn="ctr">
+                      <a:solidFill>
+                        <a:schemeClr val="tx1"/>
+                      </a:solidFill>
+                      <a:prstDash val="solid"/>
+                      <a:round/>
+                      <a:headEnd type="none" w="med" len="med"/>
+                      <a:tailEnd type="none" w="med" len="med"/>
+                    </a:lnL>
+                    <a:lnR w="12700" cap="flat" cmpd="sng" algn="ctr">
+                      <a:solidFill>
+                        <a:schemeClr val="tx1"/>
+                      </a:solidFill>
+                      <a:prstDash val="solid"/>
+                      <a:round/>
+                      <a:headEnd type="none" w="med" len="med"/>
+                      <a:tailEnd type="none" w="med" len="med"/>
+                    </a:lnR>
+                  </a:tcPr>
+                </a:tc>
+                <a:extLst>
+                  <a:ext uri="{0D108BD9-81ED-4DB2-BD59-A6C34878D82A}">
+                    <a16:rowId xmlns:a16="http://schemas.microsoft.com/office/drawing/2014/main" val="10002"/>
+                  </a:ext>
+                </a:extLst>
+              </a:tr>
+              <a:tr h="0">
+                <a:tc>
+                  <a:txBody>
+                    <a:bodyPr/>
+                    <a:lstStyle/>
+                    <a:p>
+                      <a:pPr algn="ctr"/>
+                      <a:r>
+                        <a:rPr lang="en-US" sz="1400" dirty="0">
+                          <a:latin typeface="Helvetica Neue" panose="02000503000000020004" pitchFamily="2"/>
+                        </a:rPr>
+                        <a:t>Sample3</a:t>
+                      </a:r>
+                    </a:p>
+                  </a:txBody>
+                  <a:tcPr marL="324684" marR="324684" anchor="ctr"/>
+                </a:tc>
+                <a:tc>
+                  <a:txBody>
+                    <a:bodyPr/>
+                    <a:lstStyle/>
+                    <a:p>
+                      <a:pPr algn="ctr"/>
+                      <a:r>
+                        <a:rPr lang="en-US" sz="1400" dirty="0">
+                          <a:latin typeface="Helvetica Neue" panose="02000503000000020004" pitchFamily="2"/>
+                        </a:rPr>
+                        <a:t>0</a:t>
+                      </a:r>
+                    </a:p>
+                  </a:txBody>
+                  <a:tcPr marL="0" marR="0" marT="0" marB="0" anchor="ctr"/>
+                </a:tc>
+                <a:tc>
+                  <a:txBody>
+                    <a:bodyPr/>
+                    <a:lstStyle/>
+                    <a:p>
+                      <a:pPr algn="ctr"/>
+                      <a:r>
+                        <a:rPr lang="en-US" sz="1400" dirty="0">
+                          <a:latin typeface="Helvetica Neue" panose="02000503000000020004" pitchFamily="2"/>
+                        </a:rPr>
+                        <a:t>12</a:t>
+                      </a:r>
+                    </a:p>
+                  </a:txBody>
+                  <a:tcPr marL="0" marR="0" marT="0" marB="0" anchor="ctr"/>
+                </a:tc>
+                <a:tc>
+                  <a:txBody>
+                    <a:bodyPr/>
+                    <a:lstStyle/>
+                    <a:p>
+                      <a:pPr algn="ctr"/>
+                      <a:r>
+                        <a:rPr lang="en-US" sz="1400" dirty="0">
+                          <a:latin typeface="Helvetica Neue" panose="02000503000000020004" pitchFamily="2"/>
+                        </a:rPr>
+                        <a:t>0</a:t>
+                      </a:r>
+                    </a:p>
+                  </a:txBody>
+                  <a:tcPr marL="0" marR="0" marT="0" marB="0" anchor="ctr"/>
+                </a:tc>
+                <a:tc>
+                  <a:txBody>
+                    <a:bodyPr/>
+                    <a:lstStyle/>
+                    <a:p>
+                      <a:pPr algn="ctr"/>
+                      <a:r>
+                        <a:rPr lang="en-US" sz="1400" dirty="0">
+                          <a:latin typeface="Helvetica Neue" panose="02000503000000020004" pitchFamily="2"/>
+                        </a:rPr>
+                        <a:t>100</a:t>
+                      </a:r>
+                    </a:p>
+                  </a:txBody>
+                  <a:tcPr marL="0" marR="0" marT="0" marB="0" anchor="ctr">
+                    <a:lnR w="12700" cap="flat" cmpd="sng" algn="ctr">
+                      <a:solidFill>
+                        <a:schemeClr val="tx1"/>
+                      </a:solidFill>
+                      <a:prstDash val="solid"/>
+                      <a:round/>
+                      <a:headEnd type="none" w="med" len="med"/>
+                      <a:tailEnd type="none" w="med" len="med"/>
+                    </a:lnR>
+                  </a:tcPr>
+                </a:tc>
+                <a:tc>
+                  <a:txBody>
+                    <a:bodyPr/>
+                    <a:lstStyle/>
+                    <a:p>
+                      <a:pPr algn="ctr"/>
+                      <a:r>
+                        <a:rPr lang="en-US" sz="1400" dirty="0">
+                          <a:latin typeface="Helvetica Neue" panose="02000503000000020004" pitchFamily="2"/>
+                        </a:rPr>
+                        <a:t>0</a:t>
+                      </a:r>
+                    </a:p>
+                  </a:txBody>
+                  <a:tcPr marL="0" marR="0" marT="0" marB="0" anchor="ctr">
+                    <a:lnL w="12700" cap="flat" cmpd="sng" algn="ctr">
+                      <a:solidFill>
+                        <a:schemeClr val="tx1"/>
+                      </a:solidFill>
+                      <a:prstDash val="solid"/>
+                      <a:round/>
+                      <a:headEnd type="none" w="med" len="med"/>
+                      <a:tailEnd type="none" w="med" len="med"/>
+                    </a:lnL>
+                    <a:lnR w="12700" cap="flat" cmpd="sng" algn="ctr">
+                      <a:solidFill>
+                        <a:schemeClr val="tx1"/>
+                      </a:solidFill>
+                      <a:prstDash val="solid"/>
+                      <a:round/>
+                      <a:headEnd type="none" w="med" len="med"/>
+                      <a:tailEnd type="none" w="med" len="med"/>
+                    </a:lnR>
+                  </a:tcPr>
+                </a:tc>
+                <a:extLst>
+                  <a:ext uri="{0D108BD9-81ED-4DB2-BD59-A6C34878D82A}">
+                    <a16:rowId xmlns:a16="http://schemas.microsoft.com/office/drawing/2014/main" val="10003"/>
+                  </a:ext>
+                </a:extLst>
+              </a:tr>
+              <a:tr h="0">
+                <a:tc>
+                  <a:txBody>
+                    <a:bodyPr/>
+                    <a:lstStyle/>
+                    <a:p>
+                      <a:pPr algn="ctr"/>
+                      <a:r>
+                        <a:rPr lang="en-US" sz="1400" dirty="0">
+                          <a:latin typeface="Helvetica Neue" panose="02000503000000020004" pitchFamily="2"/>
+                        </a:rPr>
+                        <a:t>Sample4</a:t>
+                      </a:r>
+                    </a:p>
+                  </a:txBody>
+                  <a:tcPr marL="324684" marR="324684" anchor="ctr"/>
+                </a:tc>
+                <a:tc>
+                  <a:txBody>
+                    <a:bodyPr/>
+                    <a:lstStyle/>
+                    <a:p>
+                      <a:pPr algn="ctr"/>
+                      <a:r>
+                        <a:rPr lang="en-US" sz="1400" dirty="0">
+                          <a:latin typeface="Helvetica Neue" panose="02000503000000020004" pitchFamily="2"/>
+                        </a:rPr>
+                        <a:t>0</a:t>
+                      </a:r>
+                    </a:p>
+                  </a:txBody>
+                  <a:tcPr marL="0" marR="0" marT="0" marB="0" anchor="ctr"/>
+                </a:tc>
+                <a:tc>
+                  <a:txBody>
+                    <a:bodyPr/>
+                    <a:lstStyle/>
+                    <a:p>
+                      <a:pPr algn="ctr"/>
+                      <a:r>
+                        <a:rPr lang="en-US" sz="1400" dirty="0">
+                          <a:latin typeface="Helvetica Neue" panose="02000503000000020004" pitchFamily="2"/>
+                        </a:rPr>
+                        <a:t>10</a:t>
+                      </a:r>
+                    </a:p>
+                  </a:txBody>
+                  <a:tcPr marL="0" marR="0" marT="0" marB="0" anchor="ctr"/>
+                </a:tc>
+                <a:tc>
+                  <a:txBody>
+                    <a:bodyPr/>
+                    <a:lstStyle/>
+                    <a:p>
+                      <a:pPr algn="ctr"/>
+                      <a:r>
+                        <a:rPr lang="en-US" sz="1400" dirty="0">
+                          <a:latin typeface="Helvetica Neue" panose="02000503000000020004" pitchFamily="2"/>
+                        </a:rPr>
+                        <a:t>100</a:t>
+                      </a:r>
+                    </a:p>
+                  </a:txBody>
+                  <a:tcPr marL="0" marR="0" marT="0" marB="0" anchor="ctr"/>
+                </a:tc>
+                <a:tc>
+                  <a:txBody>
+                    <a:bodyPr/>
+                    <a:lstStyle/>
+                    <a:p>
+                      <a:pPr algn="ctr"/>
+                      <a:r>
+                        <a:rPr lang="en-US" sz="1400" dirty="0">
+                          <a:latin typeface="Helvetica Neue" panose="02000503000000020004" pitchFamily="2"/>
+                        </a:rPr>
+                        <a:t>0</a:t>
+                      </a:r>
+                    </a:p>
+                  </a:txBody>
+                  <a:tcPr marL="0" marR="0" marT="0" marB="0" anchor="ctr">
+                    <a:lnR w="12700" cap="flat" cmpd="sng" algn="ctr">
+                      <a:solidFill>
+                        <a:schemeClr val="tx1"/>
+                      </a:solidFill>
+                      <a:prstDash val="solid"/>
+                      <a:round/>
+                      <a:headEnd type="none" w="med" len="med"/>
+                      <a:tailEnd type="none" w="med" len="med"/>
+                    </a:lnR>
+                  </a:tcPr>
+                </a:tc>
+                <a:tc>
+                  <a:txBody>
+                    <a:bodyPr/>
+                    <a:lstStyle/>
+                    <a:p>
+                      <a:pPr marL="0" indent="77788" algn="ctr">
+                        <a:tabLst/>
+                      </a:pPr>
+                      <a:r>
+                        <a:rPr lang="en-US" sz="1400" dirty="0">
+                          <a:latin typeface="Helvetica Neue" panose="02000503000000020004" pitchFamily="2"/>
+                        </a:rPr>
+                        <a:t>1</a:t>
+                      </a:r>
+                    </a:p>
+                  </a:txBody>
+                  <a:tcPr marL="0" marR="0" marT="0" marB="0" anchor="ctr">
+                    <a:lnL w="12700" cap="flat" cmpd="sng" algn="ctr">
+                      <a:solidFill>
+                        <a:schemeClr val="tx1"/>
+                      </a:solidFill>
+                      <a:prstDash val="solid"/>
+                      <a:round/>
+                      <a:headEnd type="none" w="med" len="med"/>
+                      <a:tailEnd type="none" w="med" len="med"/>
+                    </a:lnL>
+                    <a:lnR w="12700" cap="flat" cmpd="sng" algn="ctr">
+                      <a:solidFill>
+                        <a:schemeClr val="tx1"/>
+                      </a:solidFill>
+                      <a:prstDash val="solid"/>
+                      <a:round/>
+                      <a:headEnd type="none" w="med" len="med"/>
+                      <a:tailEnd type="none" w="med" len="med"/>
+                    </a:lnR>
+                    <a:lnB w="12700" cap="flat" cmpd="sng" algn="ctr">
+                      <a:solidFill>
+                        <a:schemeClr val="tx1"/>
+                      </a:solidFill>
+                      <a:prstDash val="solid"/>
+                      <a:round/>
+                      <a:headEnd type="none" w="med" len="med"/>
+                      <a:tailEnd type="none" w="med" len="med"/>
+                    </a:lnB>
+                  </a:tcPr>
+                </a:tc>
+                <a:extLst>
+                  <a:ext uri="{0D108BD9-81ED-4DB2-BD59-A6C34878D82A}">
+                    <a16:rowId xmlns:a16="http://schemas.microsoft.com/office/drawing/2014/main" val="10004"/>
+                  </a:ext>
+                </a:extLst>
+              </a:tr>
+            </a:tbl>
+          </a:graphicData>
+        </a:graphic>
+      </p:graphicFrame>
+      <p:pic>
+        <p:nvPicPr>
+          <p:cNvPr id="20" name="Picture 19">
+            <a:extLst>
+              <a:ext uri="{FF2B5EF4-FFF2-40B4-BE49-F238E27FC236}">
+                <a16:creationId xmlns:a16="http://schemas.microsoft.com/office/drawing/2014/main" id="{3F3BAB4C-EC15-4B70-B104-310C1FB7991D}"/>
+              </a:ext>
+            </a:extLst>
+          </p:cNvPr>
+          <p:cNvPicPr>
+            <a:picLocks noChangeAspect="1"/>
+          </p:cNvPicPr>
+          <p:nvPr/>
+        </p:nvPicPr>
+        <p:blipFill rotWithShape="1">
+          <a:blip r:embed="rId5"/>
+          <a:srcRect l="2861" t="10256" r="1355" b="172"/>
+          <a:stretch/>
+        </p:blipFill>
+        <p:spPr>
+          <a:xfrm>
+            <a:off x="3304483" y="2739878"/>
+            <a:ext cx="5547549" cy="1637677"/>
+          </a:xfrm>
+          <a:prstGeom prst="rect">
+            <a:avLst/>
+          </a:prstGeom>
+        </p:spPr>
+        <p:style>
+          <a:lnRef idx="2">
+            <a:schemeClr val="dk1"/>
+          </a:lnRef>
+          <a:fillRef idx="1">
+            <a:schemeClr val="lt1"/>
+          </a:fillRef>
+          <a:effectRef idx="0">
+            <a:schemeClr val="dk1"/>
+          </a:effectRef>
+          <a:fontRef idx="minor">
+            <a:schemeClr val="dk1"/>
+          </a:fontRef>
+        </p:style>
+      </p:pic>
+    </p:spTree>
+    <p:extLst>
+      <p:ext uri="{BB962C8B-B14F-4D97-AF65-F5344CB8AC3E}">
+        <p14:creationId xmlns:p14="http://schemas.microsoft.com/office/powerpoint/2010/main" val="2386226475"/>
+      </p:ext>
+    </p:extLst>
+  </p:cSld>
+  <p:clrMapOvr>
+    <a:masterClrMapping/>
+  </p:clrMapOvr>
+  <p:timing>
+    <p:tnLst>
+      <p:par>
+        <p:cTn id="1" dur="indefinite" restart="never" nodeType="tmRoot">
+          <p:childTnLst>
+            <p:seq concurrent="1" nextAc="seek">
+              <p:cTn id="2" dur="indefinite" nodeType="mainSeq">
+                <p:childTnLst>
+                  <p:par>
+                    <p:cTn id="3" fill="hold">
+                      <p:stCondLst>
+                        <p:cond delay="indefinite"/>
+                      </p:stCondLst>
+                      <p:childTnLst>
+                        <p:par>
+                          <p:cTn id="4" fill="hold">
+                            <p:stCondLst>
+                              <p:cond delay="0"/>
+                            </p:stCondLst>
+                            <p:childTnLst>
+                              <p:par>
+                                <p:cTn id="5" presetID="10" presetClass="entr" presetSubtype="0" fill="hold" nodeType="clickEffect">
+                                  <p:stCondLst>
+                                    <p:cond delay="0"/>
+                                  </p:stCondLst>
+                                  <p:childTnLst>
+                                    <p:set>
+                                      <p:cBhvr>
+                                        <p:cTn id="6" dur="1" fill="hold">
+                                          <p:stCondLst>
+                                            <p:cond delay="0"/>
+                                          </p:stCondLst>
+                                        </p:cTn>
+                                        <p:tgtEl>
+                                          <p:spTgt spid="31"/>
+                                        </p:tgtEl>
+                                        <p:attrNameLst>
+                                          <p:attrName>style.visibility</p:attrName>
+                                        </p:attrNameLst>
+                                      </p:cBhvr>
+                                      <p:to>
+                                        <p:strVal val="visible"/>
+                                      </p:to>
+                                    </p:set>
+                                    <p:animEffect transition="in" filter="fade">
+                                      <p:cBhvr>
+                                        <p:cTn id="7" dur="500"/>
+                                        <p:tgtEl>
+                                          <p:spTgt spid="31"/>
+                                        </p:tgtEl>
+                                      </p:cBhvr>
+                                    </p:animEffect>
+                                  </p:childTnLst>
+                                </p:cTn>
+                              </p:par>
+                            </p:childTnLst>
+                          </p:cTn>
+                        </p:par>
+                      </p:childTnLst>
+                    </p:cTn>
+                  </p:par>
+                  <p:par>
+                    <p:cTn id="8" fill="hold">
+                      <p:stCondLst>
+                        <p:cond delay="indefinite"/>
+                      </p:stCondLst>
+                      <p:childTnLst>
+                        <p:par>
+                          <p:cTn id="9" fill="hold">
+                            <p:stCondLst>
+                              <p:cond delay="0"/>
+                            </p:stCondLst>
+                            <p:childTnLst>
+                              <p:par>
+                                <p:cTn id="10" presetID="10" presetClass="entr" presetSubtype="0" fill="hold" nodeType="clickEffect">
+                                  <p:stCondLst>
+                                    <p:cond delay="0"/>
+                                  </p:stCondLst>
+                                  <p:childTnLst>
+                                    <p:set>
+                                      <p:cBhvr>
+                                        <p:cTn id="11" dur="1" fill="hold">
+                                          <p:stCondLst>
+                                            <p:cond delay="0"/>
+                                          </p:stCondLst>
+                                        </p:cTn>
+                                        <p:tgtEl>
+                                          <p:spTgt spid="32"/>
+                                        </p:tgtEl>
+                                        <p:attrNameLst>
+                                          <p:attrName>style.visibility</p:attrName>
+                                        </p:attrNameLst>
+                                      </p:cBhvr>
+                                      <p:to>
+                                        <p:strVal val="visible"/>
+                                      </p:to>
+                                    </p:set>
+                                    <p:animEffect transition="in" filter="fade">
+                                      <p:cBhvr>
+                                        <p:cTn id="12" dur="500"/>
+                                        <p:tgtEl>
+                                          <p:spTgt spid="32"/>
+                                        </p:tgtEl>
+                                      </p:cBhvr>
+                                    </p:animEffect>
+                                  </p:childTnLst>
+                                </p:cTn>
+                              </p:par>
+                              <p:par>
+                                <p:cTn id="13" presetID="1" presetClass="exit" presetSubtype="0" fill="hold" nodeType="withEffect">
+                                  <p:stCondLst>
+                                    <p:cond delay="0"/>
+                                  </p:stCondLst>
+                                  <p:childTnLst>
+                                    <p:set>
+                                      <p:cBhvr>
+                                        <p:cTn id="14" dur="1" fill="hold">
+                                          <p:stCondLst>
+                                            <p:cond delay="0"/>
+                                          </p:stCondLst>
+                                        </p:cTn>
+                                        <p:tgtEl>
+                                          <p:spTgt spid="1028"/>
+                                        </p:tgtEl>
+                                        <p:attrNameLst>
+                                          <p:attrName>style.visibility</p:attrName>
+                                        </p:attrNameLst>
+                                      </p:cBhvr>
+                                      <p:to>
+                                        <p:strVal val="hidden"/>
+                                      </p:to>
+                                    </p:set>
+                                  </p:childTnLst>
+                                </p:cTn>
+                              </p:par>
+                              <p:par>
+                                <p:cTn id="15" presetID="10" presetClass="entr" presetSubtype="0" fill="hold" nodeType="withEffect">
+                                  <p:stCondLst>
+                                    <p:cond delay="0"/>
+                                  </p:stCondLst>
+                                  <p:childTnLst>
+                                    <p:set>
+                                      <p:cBhvr>
+                                        <p:cTn id="16" dur="1" fill="hold">
+                                          <p:stCondLst>
+                                            <p:cond delay="0"/>
+                                          </p:stCondLst>
+                                        </p:cTn>
+                                        <p:tgtEl>
+                                          <p:spTgt spid="1026"/>
+                                        </p:tgtEl>
+                                        <p:attrNameLst>
+                                          <p:attrName>style.visibility</p:attrName>
+                                        </p:attrNameLst>
+                                      </p:cBhvr>
+                                      <p:to>
+                                        <p:strVal val="visible"/>
+                                      </p:to>
+                                    </p:set>
+                                    <p:animEffect transition="in" filter="fade">
+                                      <p:cBhvr>
+                                        <p:cTn id="17" dur="500"/>
+                                        <p:tgtEl>
+                                          <p:spTgt spid="1026"/>
+                                        </p:tgtEl>
+                                      </p:cBhvr>
+                                    </p:animEffect>
+                                  </p:childTnLst>
+                                </p:cTn>
+                              </p:par>
+                            </p:childTnLst>
+                          </p:cTn>
+                        </p:par>
+                      </p:childTnLst>
+                    </p:cTn>
+                  </p:par>
+                  <p:par>
+                    <p:cTn id="18" fill="hold">
+                      <p:stCondLst>
+                        <p:cond delay="indefinite"/>
+                      </p:stCondLst>
+                      <p:childTnLst>
+                        <p:par>
+                          <p:cTn id="19" fill="hold">
+                            <p:stCondLst>
+                              <p:cond delay="0"/>
+                            </p:stCondLst>
+                            <p:childTnLst>
+                              <p:par>
+                                <p:cTn id="20" presetID="10" presetClass="entr" presetSubtype="0" fill="hold" nodeType="clickEffect">
+                                  <p:stCondLst>
+                                    <p:cond delay="0"/>
+                                  </p:stCondLst>
+                                  <p:childTnLst>
+                                    <p:set>
+                                      <p:cBhvr>
+                                        <p:cTn id="21" dur="1" fill="hold">
+                                          <p:stCondLst>
+                                            <p:cond delay="0"/>
+                                          </p:stCondLst>
+                                        </p:cTn>
+                                        <p:tgtEl>
+                                          <p:spTgt spid="33"/>
+                                        </p:tgtEl>
+                                        <p:attrNameLst>
+                                          <p:attrName>style.visibility</p:attrName>
+                                        </p:attrNameLst>
+                                      </p:cBhvr>
+                                      <p:to>
+                                        <p:strVal val="visible"/>
+                                      </p:to>
+                                    </p:set>
+                                    <p:animEffect transition="in" filter="fade">
+                                      <p:cBhvr>
+                                        <p:cTn id="22" dur="500"/>
+                                        <p:tgtEl>
+                                          <p:spTgt spid="33"/>
+                                        </p:tgtEl>
+                                      </p:cBhvr>
+                                    </p:animEffect>
+                                  </p:childTnLst>
+                                </p:cTn>
+                              </p:par>
+                            </p:childTnLst>
+                          </p:cTn>
+                        </p:par>
+                      </p:childTnLst>
+                    </p:cTn>
+                  </p:par>
+                  <p:par>
+                    <p:cTn id="23" fill="hold">
+                      <p:stCondLst>
+                        <p:cond delay="indefinite"/>
+                      </p:stCondLst>
+                      <p:childTnLst>
+                        <p:par>
+                          <p:cTn id="24" fill="hold">
+                            <p:stCondLst>
+                              <p:cond delay="0"/>
+                            </p:stCondLst>
+                            <p:childTnLst>
+                              <p:par>
+                                <p:cTn id="25" presetID="10" presetClass="entr" presetSubtype="0" fill="hold" nodeType="clickEffect">
+                                  <p:stCondLst>
+                                    <p:cond delay="0"/>
+                                  </p:stCondLst>
+                                  <p:childTnLst>
+                                    <p:set>
+                                      <p:cBhvr>
+                                        <p:cTn id="26" dur="1" fill="hold">
+                                          <p:stCondLst>
+                                            <p:cond delay="0"/>
+                                          </p:stCondLst>
+                                        </p:cTn>
+                                        <p:tgtEl>
+                                          <p:spTgt spid="41"/>
+                                        </p:tgtEl>
+                                        <p:attrNameLst>
+                                          <p:attrName>style.visibility</p:attrName>
+                                        </p:attrNameLst>
+                                      </p:cBhvr>
+                                      <p:to>
+                                        <p:strVal val="visible"/>
+                                      </p:to>
+                                    </p:set>
+                                    <p:animEffect transition="in" filter="fade">
+                                      <p:cBhvr>
+                                        <p:cTn id="27" dur="500"/>
+                                        <p:tgtEl>
+                                          <p:spTgt spid="41"/>
+                                        </p:tgtEl>
+                                      </p:cBhvr>
+                                    </p:animEffect>
+                                  </p:childTnLst>
+                                </p:cTn>
+                              </p:par>
+                              <p:par>
+                                <p:cTn id="28" presetID="1" presetClass="exit" presetSubtype="0" fill="hold" nodeType="withEffect">
+                                  <p:stCondLst>
+                                    <p:cond delay="0"/>
+                                  </p:stCondLst>
+                                  <p:childTnLst>
+                                    <p:set>
+                                      <p:cBhvr>
+                                        <p:cTn id="29" dur="1" fill="hold">
+                                          <p:stCondLst>
+                                            <p:cond delay="0"/>
+                                          </p:stCondLst>
+                                        </p:cTn>
+                                        <p:tgtEl>
+                                          <p:spTgt spid="1026"/>
+                                        </p:tgtEl>
+                                        <p:attrNameLst>
+                                          <p:attrName>style.visibility</p:attrName>
+                                        </p:attrNameLst>
+                                      </p:cBhvr>
+                                      <p:to>
+                                        <p:strVal val="hidden"/>
+                                      </p:to>
+                                    </p:set>
+                                  </p:childTnLst>
+                                </p:cTn>
+                              </p:par>
+                              <p:par>
+                                <p:cTn id="30" presetID="10" presetClass="entr" presetSubtype="0" fill="hold" grpId="0" nodeType="withEffect">
+                                  <p:stCondLst>
+                                    <p:cond delay="0"/>
+                                  </p:stCondLst>
+                                  <p:childTnLst>
+                                    <p:set>
+                                      <p:cBhvr>
+                                        <p:cTn id="31" dur="1" fill="hold">
+                                          <p:stCondLst>
+                                            <p:cond delay="0"/>
+                                          </p:stCondLst>
+                                        </p:cTn>
+                                        <p:tgtEl>
+                                          <p:spTgt spid="19"/>
+                                        </p:tgtEl>
+                                        <p:attrNameLst>
+                                          <p:attrName>style.visibility</p:attrName>
+                                        </p:attrNameLst>
+                                      </p:cBhvr>
+                                      <p:to>
+                                        <p:strVal val="visible"/>
+                                      </p:to>
+                                    </p:set>
+                                    <p:animEffect transition="in" filter="fade">
+                                      <p:cBhvr>
+                                        <p:cTn id="32" dur="500"/>
+                                        <p:tgtEl>
+                                          <p:spTgt spid="19"/>
+                                        </p:tgtEl>
+                                      </p:cBhvr>
+                                    </p:animEffect>
+                                  </p:childTnLst>
+                                </p:cTn>
+                              </p:par>
+                            </p:childTnLst>
+                          </p:cTn>
+                        </p:par>
+                      </p:childTnLst>
+                    </p:cTn>
+                  </p:par>
+                  <p:par>
+                    <p:cTn id="33" fill="hold">
+                      <p:stCondLst>
+                        <p:cond delay="indefinite"/>
+                      </p:stCondLst>
+                      <p:childTnLst>
+                        <p:par>
+                          <p:cTn id="34" fill="hold">
+                            <p:stCondLst>
+                              <p:cond delay="0"/>
+                            </p:stCondLst>
+                            <p:childTnLst>
+                              <p:par>
+                                <p:cTn id="35" presetID="10" presetClass="entr" presetSubtype="0" fill="hold" nodeType="clickEffect">
+                                  <p:stCondLst>
+                                    <p:cond delay="0"/>
+                                  </p:stCondLst>
+                                  <p:childTnLst>
+                                    <p:set>
+                                      <p:cBhvr>
+                                        <p:cTn id="36" dur="1" fill="hold">
+                                          <p:stCondLst>
+                                            <p:cond delay="0"/>
+                                          </p:stCondLst>
+                                        </p:cTn>
+                                        <p:tgtEl>
+                                          <p:spTgt spid="42"/>
+                                        </p:tgtEl>
+                                        <p:attrNameLst>
+                                          <p:attrName>style.visibility</p:attrName>
+                                        </p:attrNameLst>
+                                      </p:cBhvr>
+                                      <p:to>
+                                        <p:strVal val="visible"/>
+                                      </p:to>
+                                    </p:set>
+                                    <p:animEffect transition="in" filter="fade">
+                                      <p:cBhvr>
+                                        <p:cTn id="37" dur="500"/>
+                                        <p:tgtEl>
+                                          <p:spTgt spid="42"/>
+                                        </p:tgtEl>
+                                      </p:cBhvr>
+                                    </p:animEffect>
+                                  </p:childTnLst>
+                                </p:cTn>
+                              </p:par>
+                              <p:par>
+                                <p:cTn id="38" presetID="1" presetClass="exit" presetSubtype="0" fill="hold" grpId="1" nodeType="withEffect">
+                                  <p:stCondLst>
+                                    <p:cond delay="0"/>
+                                  </p:stCondLst>
+                                  <p:childTnLst>
+                                    <p:set>
+                                      <p:cBhvr>
+                                        <p:cTn id="39" dur="1" fill="hold">
+                                          <p:stCondLst>
+                                            <p:cond delay="0"/>
+                                          </p:stCondLst>
+                                        </p:cTn>
+                                        <p:tgtEl>
+                                          <p:spTgt spid="19"/>
+                                        </p:tgtEl>
+                                        <p:attrNameLst>
+                                          <p:attrName>style.visibility</p:attrName>
+                                        </p:attrNameLst>
+                                      </p:cBhvr>
+                                      <p:to>
+                                        <p:strVal val="hidden"/>
+                                      </p:to>
+                                    </p:set>
+                                  </p:childTnLst>
+                                </p:cTn>
+                              </p:par>
+                              <p:par>
+                                <p:cTn id="40" presetID="1" presetClass="entr" presetSubtype="0" fill="hold" nodeType="withEffect">
+                                  <p:stCondLst>
+                                    <p:cond delay="0"/>
+                                  </p:stCondLst>
+                                  <p:childTnLst>
+                                    <p:set>
+                                      <p:cBhvr>
+                                        <p:cTn id="41" dur="1" fill="hold">
+                                          <p:stCondLst>
+                                            <p:cond delay="0"/>
+                                          </p:stCondLst>
+                                        </p:cTn>
+                                        <p:tgtEl>
+                                          <p:spTgt spid="48"/>
+                                        </p:tgtEl>
+                                        <p:attrNameLst>
+                                          <p:attrName>style.visibility</p:attrName>
+                                        </p:attrNameLst>
+                                      </p:cBhvr>
+                                      <p:to>
+                                        <p:strVal val="visible"/>
+                                      </p:to>
+                                    </p:set>
+                                  </p:childTnLst>
+                                </p:cTn>
+                              </p:par>
+                            </p:childTnLst>
+                          </p:cTn>
+                        </p:par>
+                      </p:childTnLst>
+                    </p:cTn>
+                  </p:par>
+                  <p:par>
+                    <p:cTn id="42" fill="hold">
+                      <p:stCondLst>
+                        <p:cond delay="indefinite"/>
+                      </p:stCondLst>
+                      <p:childTnLst>
+                        <p:par>
+                          <p:cTn id="43" fill="hold">
+                            <p:stCondLst>
+                              <p:cond delay="0"/>
+                            </p:stCondLst>
+                            <p:childTnLst>
+                              <p:par>
+                                <p:cTn id="44" presetID="10" presetClass="entr" presetSubtype="0" fill="hold" nodeType="clickEffect">
+                                  <p:stCondLst>
+                                    <p:cond delay="0"/>
+                                  </p:stCondLst>
+                                  <p:childTnLst>
+                                    <p:set>
+                                      <p:cBhvr>
+                                        <p:cTn id="45" dur="1" fill="hold">
+                                          <p:stCondLst>
+                                            <p:cond delay="0"/>
+                                          </p:stCondLst>
+                                        </p:cTn>
+                                        <p:tgtEl>
+                                          <p:spTgt spid="43"/>
+                                        </p:tgtEl>
+                                        <p:attrNameLst>
+                                          <p:attrName>style.visibility</p:attrName>
+                                        </p:attrNameLst>
+                                      </p:cBhvr>
+                                      <p:to>
+                                        <p:strVal val="visible"/>
+                                      </p:to>
+                                    </p:set>
+                                    <p:animEffect transition="in" filter="fade">
+                                      <p:cBhvr>
+                                        <p:cTn id="46" dur="500"/>
+                                        <p:tgtEl>
+                                          <p:spTgt spid="43"/>
+                                        </p:tgtEl>
+                                      </p:cBhvr>
+                                    </p:animEffect>
+                                  </p:childTnLst>
+                                </p:cTn>
+                              </p:par>
+                              <p:par>
+                                <p:cTn id="47" presetID="10" presetClass="exit" presetSubtype="0" fill="hold" nodeType="withEffect">
+                                  <p:stCondLst>
+                                    <p:cond delay="0"/>
+                                  </p:stCondLst>
+                                  <p:childTnLst>
+                                    <p:animEffect transition="out" filter="fade">
+                                      <p:cBhvr>
+                                        <p:cTn id="48" dur="500"/>
+                                        <p:tgtEl>
+                                          <p:spTgt spid="48"/>
+                                        </p:tgtEl>
+                                      </p:cBhvr>
+                                    </p:animEffect>
+                                    <p:set>
+                                      <p:cBhvr>
+                                        <p:cTn id="49" dur="1" fill="hold">
+                                          <p:stCondLst>
+                                            <p:cond delay="499"/>
+                                          </p:stCondLst>
+                                        </p:cTn>
+                                        <p:tgtEl>
+                                          <p:spTgt spid="48"/>
+                                        </p:tgtEl>
+                                        <p:attrNameLst>
+                                          <p:attrName>style.visibility</p:attrName>
+                                        </p:attrNameLst>
+                                      </p:cBhvr>
+                                      <p:to>
+                                        <p:strVal val="hidden"/>
+                                      </p:to>
+                                    </p:set>
+                                  </p:childTnLst>
+                                </p:cTn>
+                              </p:par>
+                              <p:par>
+                                <p:cTn id="50" presetID="10" presetClass="entr" presetSubtype="0" fill="hold" nodeType="withEffect">
+                                  <p:stCondLst>
+                                    <p:cond delay="0"/>
+                                  </p:stCondLst>
+                                  <p:childTnLst>
+                                    <p:set>
+                                      <p:cBhvr>
+                                        <p:cTn id="51" dur="1" fill="hold">
+                                          <p:stCondLst>
+                                            <p:cond delay="0"/>
+                                          </p:stCondLst>
+                                        </p:cTn>
+                                        <p:tgtEl>
+                                          <p:spTgt spid="1032"/>
+                                        </p:tgtEl>
+                                        <p:attrNameLst>
+                                          <p:attrName>style.visibility</p:attrName>
+                                        </p:attrNameLst>
+                                      </p:cBhvr>
+                                      <p:to>
+                                        <p:strVal val="visible"/>
+                                      </p:to>
+                                    </p:set>
+                                    <p:animEffect transition="in" filter="fade">
+                                      <p:cBhvr>
+                                        <p:cTn id="52" dur="500"/>
+                                        <p:tgtEl>
+                                          <p:spTgt spid="1032"/>
+                                        </p:tgtEl>
+                                      </p:cBhvr>
+                                    </p:animEffect>
+                                  </p:childTnLst>
+                                </p:cTn>
+                              </p:par>
+                            </p:childTnLst>
+                          </p:cTn>
+                        </p:par>
+                      </p:childTnLst>
+                    </p:cTn>
+                  </p:par>
+                  <p:par>
+                    <p:cTn id="53" fill="hold">
+                      <p:stCondLst>
+                        <p:cond delay="indefinite"/>
+                      </p:stCondLst>
+                      <p:childTnLst>
+                        <p:par>
+                          <p:cTn id="54" fill="hold">
+                            <p:stCondLst>
+                              <p:cond delay="0"/>
+                            </p:stCondLst>
+                            <p:childTnLst>
+                              <p:par>
+                                <p:cTn id="55" presetID="10" presetClass="entr" presetSubtype="0" fill="hold" grpId="0" nodeType="clickEffect">
+                                  <p:stCondLst>
+                                    <p:cond delay="0"/>
+                                  </p:stCondLst>
+                                  <p:childTnLst>
+                                    <p:set>
+                                      <p:cBhvr>
+                                        <p:cTn id="56" dur="1" fill="hold">
+                                          <p:stCondLst>
+                                            <p:cond delay="0"/>
+                                          </p:stCondLst>
+                                        </p:cTn>
+                                        <p:tgtEl>
+                                          <p:spTgt spid="39"/>
+                                        </p:tgtEl>
+                                        <p:attrNameLst>
+                                          <p:attrName>style.visibility</p:attrName>
+                                        </p:attrNameLst>
+                                      </p:cBhvr>
+                                      <p:to>
+                                        <p:strVal val="visible"/>
+                                      </p:to>
+                                    </p:set>
+                                    <p:animEffect transition="in" filter="fade">
+                                      <p:cBhvr>
+                                        <p:cTn id="57" dur="500"/>
+                                        <p:tgtEl>
+                                          <p:spTgt spid="39"/>
+                                        </p:tgtEl>
+                                      </p:cBhvr>
+                                    </p:animEffect>
+                                  </p:childTnLst>
+                                </p:cTn>
+                              </p:par>
+                              <p:par>
+                                <p:cTn id="58" presetID="10" presetClass="entr" presetSubtype="0" fill="hold" grpId="0" nodeType="withEffect">
+                                  <p:stCondLst>
+                                    <p:cond delay="0"/>
+                                  </p:stCondLst>
+                                  <p:childTnLst>
+                                    <p:set>
+                                      <p:cBhvr>
+                                        <p:cTn id="59" dur="1" fill="hold">
+                                          <p:stCondLst>
+                                            <p:cond delay="0"/>
+                                          </p:stCondLst>
+                                        </p:cTn>
+                                        <p:tgtEl>
+                                          <p:spTgt spid="14"/>
+                                        </p:tgtEl>
+                                        <p:attrNameLst>
+                                          <p:attrName>style.visibility</p:attrName>
+                                        </p:attrNameLst>
+                                      </p:cBhvr>
+                                      <p:to>
+                                        <p:strVal val="visible"/>
+                                      </p:to>
+                                    </p:set>
+                                    <p:animEffect transition="in" filter="fade">
+                                      <p:cBhvr>
+                                        <p:cTn id="60" dur="500"/>
+                                        <p:tgtEl>
+                                          <p:spTgt spid="14"/>
+                                        </p:tgtEl>
+                                      </p:cBhvr>
+                                    </p:animEffect>
+                                  </p:childTnLst>
+                                </p:cTn>
+                              </p:par>
+                              <p:par>
+                                <p:cTn id="61" presetID="1" presetClass="exit" presetSubtype="0" fill="hold" nodeType="withEffect">
+                                  <p:stCondLst>
+                                    <p:cond delay="0"/>
+                                  </p:stCondLst>
+                                  <p:childTnLst>
+                                    <p:set>
+                                      <p:cBhvr>
+                                        <p:cTn id="62" dur="1" fill="hold">
+                                          <p:stCondLst>
+                                            <p:cond delay="0"/>
+                                          </p:stCondLst>
+                                        </p:cTn>
+                                        <p:tgtEl>
+                                          <p:spTgt spid="1032"/>
+                                        </p:tgtEl>
+                                        <p:attrNameLst>
+                                          <p:attrName>style.visibility</p:attrName>
+                                        </p:attrNameLst>
+                                      </p:cBhvr>
+                                      <p:to>
+                                        <p:strVal val="hidden"/>
+                                      </p:to>
+                                    </p:set>
+                                  </p:childTnLst>
+                                </p:cTn>
+                              </p:par>
+                              <p:par>
+                                <p:cTn id="63" presetID="10" presetClass="entr" presetSubtype="0" fill="hold" nodeType="withEffect">
+                                  <p:stCondLst>
+                                    <p:cond delay="0"/>
+                                  </p:stCondLst>
+                                  <p:childTnLst>
+                                    <p:set>
+                                      <p:cBhvr>
+                                        <p:cTn id="64" dur="1" fill="hold">
+                                          <p:stCondLst>
+                                            <p:cond delay="0"/>
+                                          </p:stCondLst>
+                                        </p:cTn>
+                                        <p:tgtEl>
+                                          <p:spTgt spid="20"/>
+                                        </p:tgtEl>
+                                        <p:attrNameLst>
+                                          <p:attrName>style.visibility</p:attrName>
+                                        </p:attrNameLst>
+                                      </p:cBhvr>
+                                      <p:to>
+                                        <p:strVal val="visible"/>
+                                      </p:to>
+                                    </p:set>
+                                    <p:animEffect transition="in" filter="fade">
+                                      <p:cBhvr>
+                                        <p:cTn id="65" dur="500"/>
+                                        <p:tgtEl>
+                                          <p:spTgt spid="20"/>
+                                        </p:tgtEl>
+                                      </p:cBhvr>
+                                    </p:animEffect>
+                                  </p:childTnLst>
+                                </p:cTn>
+                              </p:par>
+                            </p:childTnLst>
+                          </p:cTn>
+                        </p:par>
+                      </p:childTnLst>
+                    </p:cTn>
+                  </p:par>
+                  <p:par>
+                    <p:cTn id="66" fill="hold">
+                      <p:stCondLst>
+                        <p:cond delay="indefinite"/>
+                      </p:stCondLst>
+                      <p:childTnLst>
+                        <p:par>
+                          <p:cTn id="67" fill="hold">
+                            <p:stCondLst>
+                              <p:cond delay="0"/>
+                            </p:stCondLst>
+                            <p:childTnLst>
+                              <p:par>
+                                <p:cTn id="68" presetID="10" presetClass="entr" presetSubtype="0" fill="hold" grpId="0" nodeType="clickEffect">
+                                  <p:stCondLst>
+                                    <p:cond delay="0"/>
+                                  </p:stCondLst>
+                                  <p:childTnLst>
+                                    <p:set>
+                                      <p:cBhvr>
+                                        <p:cTn id="69" dur="1" fill="hold">
+                                          <p:stCondLst>
+                                            <p:cond delay="0"/>
+                                          </p:stCondLst>
+                                        </p:cTn>
+                                        <p:tgtEl>
+                                          <p:spTgt spid="40"/>
+                                        </p:tgtEl>
+                                        <p:attrNameLst>
+                                          <p:attrName>style.visibility</p:attrName>
+                                        </p:attrNameLst>
+                                      </p:cBhvr>
+                                      <p:to>
+                                        <p:strVal val="visible"/>
+                                      </p:to>
+                                    </p:set>
+                                    <p:animEffect transition="in" filter="fade">
+                                      <p:cBhvr>
+                                        <p:cTn id="70" dur="500"/>
+                                        <p:tgtEl>
+                                          <p:spTgt spid="40"/>
+                                        </p:tgtEl>
+                                      </p:cBhvr>
+                                    </p:animEffect>
+                                  </p:childTnLst>
+                                </p:cTn>
+                              </p:par>
+                            </p:childTnLst>
+                          </p:cTn>
+                        </p:par>
+                      </p:childTnLst>
+                    </p:cTn>
+                  </p:par>
+                </p:childTnLst>
+              </p:cTn>
+              <p:prevCondLst>
+                <p:cond evt="onPrev" delay="0">
+                  <p:tgtEl>
+                    <p:sldTgt/>
+                  </p:tgtEl>
+                </p:cond>
+              </p:prevCondLst>
+              <p:nextCondLst>
+                <p:cond evt="onNext" delay="0">
+                  <p:tgtEl>
+                    <p:sldTgt/>
+                  </p:tgtEl>
+                </p:cond>
+              </p:nextCondLst>
+            </p:seq>
+          </p:childTnLst>
+        </p:cTn>
+      </p:par>
+    </p:tnLst>
+    <p:bldLst>
+      <p:bldP spid="14" grpId="0" animBg="1"/>
+      <p:bldP spid="19" grpId="0"/>
+      <p:bldP spid="19" grpId="1"/>
+      <p:bldP spid="39" grpId="0" animBg="1"/>
+      <p:bldP spid="40" grpId="0" animBg="1"/>
+    </p:bldLst>
+  </p:timing>
+</p:sld>
+</file>
+
+<file path=ppt/slides/slide4.xml><?xml version="1.0" encoding="utf-8"?>
 <p:sld xmlns:a="http://schemas.openxmlformats.org/drawingml/2006/main" xmlns:r="http://schemas.openxmlformats.org/officeDocument/2006/relationships" xmlns:p="http://schemas.openxmlformats.org/presentationml/2006/main">
   <p:cSld>
     <p:spTree>
@@ -5483,7 +8674,401 @@
 </p:sld>
 </file>
 
-<file path=ppt/slides/slide4.xml><?xml version="1.0" encoding="utf-8"?>
+<file path=ppt/slides/slide5.xml><?xml version="1.0" encoding="utf-8"?>
+<p:sld xmlns:a="http://schemas.openxmlformats.org/drawingml/2006/main" xmlns:r="http://schemas.openxmlformats.org/officeDocument/2006/relationships" xmlns:p="http://schemas.openxmlformats.org/presentationml/2006/main">
+  <p:cSld>
+    <p:spTree>
+      <p:nvGrpSpPr>
+        <p:cNvPr id="1" name=""/>
+        <p:cNvGrpSpPr/>
+        <p:nvPr/>
+      </p:nvGrpSpPr>
+      <p:grpSpPr>
+        <a:xfrm>
+          <a:off x="0" y="0"/>
+          <a:ext cx="0" cy="0"/>
+          <a:chOff x="0" y="0"/>
+          <a:chExt cx="0" cy="0"/>
+        </a:xfrm>
+      </p:grpSpPr>
+      <p:sp>
+        <p:nvSpPr>
+          <p:cNvPr id="5" name="Rectangle 4"/>
+          <p:cNvSpPr/>
+          <p:nvPr/>
+        </p:nvSpPr>
+        <p:spPr>
+          <a:xfrm>
+            <a:off x="1524000" y="4572000"/>
+            <a:ext cx="9144000" cy="2286000"/>
+          </a:xfrm>
+          <a:prstGeom prst="rect">
+            <a:avLst/>
+          </a:prstGeom>
+          <a:ln>
+            <a:solidFill>
+              <a:schemeClr val="bg1"/>
+            </a:solidFill>
+          </a:ln>
+        </p:spPr>
+        <p:style>
+          <a:lnRef idx="2">
+            <a:schemeClr val="accent6"/>
+          </a:lnRef>
+          <a:fillRef idx="1">
+            <a:schemeClr val="lt1"/>
+          </a:fillRef>
+          <a:effectRef idx="0">
+            <a:schemeClr val="accent6"/>
+          </a:effectRef>
+          <a:fontRef idx="minor">
+            <a:schemeClr val="dk1"/>
+          </a:fontRef>
+        </p:style>
+        <p:txBody>
+          <a:bodyPr rtlCol="0" anchor="ctr"/>
+          <a:lstStyle/>
+          <a:p>
+            <a:pPr algn="ctr"/>
+            <a:endParaRPr lang="en-US"/>
+          </a:p>
+        </p:txBody>
+      </p:sp>
+      <p:sp>
+        <p:nvSpPr>
+          <p:cNvPr id="2" name="Title 1"/>
+          <p:cNvSpPr>
+            <a:spLocks noGrp="1"/>
+          </p:cNvSpPr>
+          <p:nvPr>
+            <p:ph type="title"/>
+          </p:nvPr>
+        </p:nvSpPr>
+        <p:spPr/>
+        <p:txBody>
+          <a:bodyPr>
+            <a:normAutofit/>
+          </a:bodyPr>
+          <a:lstStyle/>
+          <a:p>
+            <a:r>
+              <a:rPr lang="en-US" sz="2400" dirty="0"/>
+              <a:t>General analysis approach for multivariate data</a:t>
+            </a:r>
+          </a:p>
+        </p:txBody>
+      </p:sp>
+      <p:pic>
+        <p:nvPicPr>
+          <p:cNvPr id="2050" name="Picture 2"/>
+          <p:cNvPicPr>
+            <a:picLocks noChangeAspect="1" noChangeArrowheads="1"/>
+          </p:cNvPicPr>
+          <p:nvPr/>
+        </p:nvPicPr>
+        <p:blipFill>
+          <a:blip r:embed="rId2" cstate="print">
+            <a:extLst>
+              <a:ext uri="{28A0092B-C50C-407E-A947-70E740481C1C}">
+                <a14:useLocalDpi xmlns:a14="http://schemas.microsoft.com/office/drawing/2010/main" val="0"/>
+              </a:ext>
+            </a:extLst>
+          </a:blip>
+          <a:srcRect/>
+          <a:stretch>
+            <a:fillRect/>
+          </a:stretch>
+        </p:blipFill>
+        <p:spPr bwMode="auto">
+          <a:xfrm>
+            <a:off x="2362201" y="1066801"/>
+            <a:ext cx="7478229" cy="5593667"/>
+          </a:xfrm>
+          <a:prstGeom prst="rect">
+            <a:avLst/>
+          </a:prstGeom>
+          <a:noFill/>
+          <a:ln>
+            <a:noFill/>
+          </a:ln>
+          <a:extLst>
+            <a:ext uri="{909E8E84-426E-40DD-AFC4-6F175D3DCCD1}">
+              <a14:hiddenFill xmlns:a14="http://schemas.microsoft.com/office/drawing/2010/main">
+                <a:solidFill>
+                  <a:schemeClr val="accent1"/>
+                </a:solidFill>
+              </a14:hiddenFill>
+            </a:ext>
+            <a:ext uri="{91240B29-F687-4F45-9708-019B960494DF}">
+              <a14:hiddenLine xmlns:a14="http://schemas.microsoft.com/office/drawing/2010/main" w="9525">
+                <a:solidFill>
+                  <a:schemeClr val="tx1"/>
+                </a:solidFill>
+                <a:miter lim="800000"/>
+                <a:headEnd/>
+                <a:tailEnd/>
+              </a14:hiddenLine>
+            </a:ext>
+          </a:extLst>
+        </p:spPr>
+      </p:pic>
+    </p:spTree>
+    <p:extLst>
+      <p:ext uri="{BB962C8B-B14F-4D97-AF65-F5344CB8AC3E}">
+        <p14:creationId xmlns:p14="http://schemas.microsoft.com/office/powerpoint/2010/main" val="1606147466"/>
+      </p:ext>
+    </p:extLst>
+  </p:cSld>
+  <p:clrMapOvr>
+    <a:masterClrMapping/>
+  </p:clrMapOvr>
+</p:sld>
+</file>
+
+<file path=ppt/slides/slide6.xml><?xml version="1.0" encoding="utf-8"?>
+<p:sld xmlns:a="http://schemas.openxmlformats.org/drawingml/2006/main" xmlns:r="http://schemas.openxmlformats.org/officeDocument/2006/relationships" xmlns:p="http://schemas.openxmlformats.org/presentationml/2006/main">
+  <p:cSld>
+    <p:spTree>
+      <p:nvGrpSpPr>
+        <p:cNvPr id="1" name=""/>
+        <p:cNvGrpSpPr/>
+        <p:nvPr/>
+      </p:nvGrpSpPr>
+      <p:grpSpPr>
+        <a:xfrm>
+          <a:off x="0" y="0"/>
+          <a:ext cx="0" cy="0"/>
+          <a:chOff x="0" y="0"/>
+          <a:chExt cx="0" cy="0"/>
+        </a:xfrm>
+      </p:grpSpPr>
+      <p:sp>
+        <p:nvSpPr>
+          <p:cNvPr id="2" name="Title 1"/>
+          <p:cNvSpPr>
+            <a:spLocks noGrp="1"/>
+          </p:cNvSpPr>
+          <p:nvPr>
+            <p:ph type="title"/>
+          </p:nvPr>
+        </p:nvSpPr>
+        <p:spPr/>
+        <p:txBody>
+          <a:bodyPr/>
+          <a:lstStyle/>
+          <a:p>
+            <a:r>
+              <a:rPr lang="en-US" dirty="0"/>
+              <a:t>FAQs in Microbial ecology</a:t>
+            </a:r>
+          </a:p>
+        </p:txBody>
+      </p:sp>
+      <p:sp>
+        <p:nvSpPr>
+          <p:cNvPr id="3" name="Content Placeholder 2"/>
+          <p:cNvSpPr>
+            <a:spLocks noGrp="1"/>
+          </p:cNvSpPr>
+          <p:nvPr>
+            <p:ph idx="1"/>
+          </p:nvPr>
+        </p:nvSpPr>
+        <p:spPr>
+          <a:xfrm>
+            <a:off x="1752600" y="1295401"/>
+            <a:ext cx="8915400" cy="4537233"/>
+          </a:xfrm>
+        </p:spPr>
+        <p:txBody>
+          <a:bodyPr>
+            <a:normAutofit/>
+          </a:bodyPr>
+          <a:lstStyle/>
+          <a:p>
+            <a:r>
+              <a:rPr lang="en-US" sz="2000" dirty="0"/>
+              <a:t>How many different species are in my samples?  </a:t>
+            </a:r>
+            <a:r>
+              <a:rPr lang="en-US" sz="2000" b="1" dirty="0">
+                <a:solidFill>
+                  <a:schemeClr val="accent1">
+                    <a:lumMod val="75000"/>
+                  </a:schemeClr>
+                </a:solidFill>
+              </a:rPr>
+              <a:t>(Alpha diversity)</a:t>
+            </a:r>
+          </a:p>
+          <a:p>
+            <a:r>
+              <a:rPr lang="en-US" sz="2000" dirty="0"/>
+              <a:t>What it the diversity of my sample?</a:t>
+            </a:r>
+            <a:r>
+              <a:rPr lang="en-US" sz="2000" b="1" dirty="0">
+                <a:solidFill>
+                  <a:schemeClr val="accent1">
+                    <a:lumMod val="75000"/>
+                  </a:schemeClr>
+                </a:solidFill>
+              </a:rPr>
+              <a:t> (Alpha diversity)</a:t>
+            </a:r>
+            <a:endParaRPr lang="en-US" sz="2000" dirty="0"/>
+          </a:p>
+          <a:p>
+            <a:r>
+              <a:rPr lang="en-US" sz="2000" dirty="0"/>
+              <a:t>How is the microbial community structured? </a:t>
+            </a:r>
+            <a:r>
+              <a:rPr lang="en-US" sz="2000" b="1" dirty="0">
+                <a:solidFill>
+                  <a:schemeClr val="accent1">
+                    <a:lumMod val="75000"/>
+                  </a:schemeClr>
+                </a:solidFill>
+              </a:rPr>
+              <a:t>(Alpha diversity)</a:t>
+            </a:r>
+            <a:endParaRPr lang="en-US" sz="2000" dirty="0"/>
+          </a:p>
+          <a:p>
+            <a:r>
+              <a:rPr lang="en-US" sz="2000" dirty="0"/>
+              <a:t>How novel are my organisms? </a:t>
+            </a:r>
+            <a:r>
+              <a:rPr lang="en-US" sz="2000" b="1" dirty="0">
+                <a:solidFill>
+                  <a:schemeClr val="accent3">
+                    <a:lumMod val="75000"/>
+                  </a:schemeClr>
+                </a:solidFill>
+              </a:rPr>
+              <a:t>(Comparison with db)</a:t>
+            </a:r>
+            <a:endParaRPr lang="en-US" sz="2000" dirty="0"/>
+          </a:p>
+          <a:p>
+            <a:r>
+              <a:rPr lang="en-US" sz="2000" dirty="0"/>
+              <a:t>Where have my organisms been seen before? </a:t>
+            </a:r>
+            <a:r>
+              <a:rPr lang="en-US" sz="2000" b="1" dirty="0">
+                <a:solidFill>
+                  <a:schemeClr val="accent3">
+                    <a:lumMod val="75000"/>
+                  </a:schemeClr>
+                </a:solidFill>
+              </a:rPr>
+              <a:t>(Comparison with db)</a:t>
+            </a:r>
+          </a:p>
+          <a:p>
+            <a:r>
+              <a:rPr lang="en-US" sz="2000" dirty="0"/>
+              <a:t>How similar are the communities of my samples? </a:t>
+            </a:r>
+            <a:r>
+              <a:rPr lang="en-US" sz="2000" b="1" dirty="0">
+                <a:solidFill>
+                  <a:schemeClr val="accent6"/>
+                </a:solidFill>
+              </a:rPr>
+              <a:t>(Beta diversity, exploratory analysis such as Principal components)</a:t>
+            </a:r>
+          </a:p>
+          <a:p>
+            <a:r>
+              <a:rPr lang="en-US" sz="2000" dirty="0"/>
+              <a:t>How do the communities changes across this environmental gradient? </a:t>
+            </a:r>
+            <a:r>
+              <a:rPr lang="en-US" sz="2000" b="1" dirty="0">
+                <a:solidFill>
+                  <a:schemeClr val="accent4">
+                    <a:lumMod val="50000"/>
+                  </a:schemeClr>
+                </a:solidFill>
+              </a:rPr>
+              <a:t>(Exploration interpretation, gradient analysis such as CCA)</a:t>
+            </a:r>
+          </a:p>
+          <a:p>
+            <a:r>
+              <a:rPr lang="en-US" sz="2000" dirty="0"/>
+              <a:t>Are communities from treatments X, Y, Z different? </a:t>
+            </a:r>
+            <a:r>
+              <a:rPr lang="en-US" sz="2000" b="1" dirty="0">
+                <a:solidFill>
+                  <a:schemeClr val="accent4">
+                    <a:lumMod val="50000"/>
+                  </a:schemeClr>
+                </a:solidFill>
+              </a:rPr>
+              <a:t>(Exploration interpretation, PERMANOVA, ANOSIM)</a:t>
+            </a:r>
+          </a:p>
+          <a:p>
+            <a:r>
+              <a:rPr lang="en-US" sz="2000" dirty="0"/>
+              <a:t>What  organisms differentiate groups A an B? </a:t>
+            </a:r>
+            <a:r>
+              <a:rPr lang="en-US" sz="2000" b="1" dirty="0">
+                <a:solidFill>
+                  <a:schemeClr val="accent4">
+                    <a:lumMod val="50000"/>
+                  </a:schemeClr>
+                </a:solidFill>
+              </a:rPr>
+              <a:t>(Exploration interpretation, differential abundance using </a:t>
+            </a:r>
+            <a:r>
+              <a:rPr lang="en-US" sz="2000" b="1" dirty="0" err="1">
+                <a:solidFill>
+                  <a:schemeClr val="accent4">
+                    <a:lumMod val="50000"/>
+                  </a:schemeClr>
+                </a:solidFill>
+              </a:rPr>
+              <a:t>Deseq</a:t>
+            </a:r>
+            <a:r>
+              <a:rPr lang="en-US" sz="2000" b="1" dirty="0">
+                <a:solidFill>
+                  <a:schemeClr val="accent4">
+                    <a:lumMod val="50000"/>
+                  </a:schemeClr>
+                </a:solidFill>
+              </a:rPr>
+              <a:t>, Random forests analysis)</a:t>
+            </a:r>
+          </a:p>
+          <a:p>
+            <a:endParaRPr lang="en-US" sz="2000" dirty="0"/>
+          </a:p>
+        </p:txBody>
+      </p:sp>
+    </p:spTree>
+    <p:extLst>
+      <p:ext uri="{BB962C8B-B14F-4D97-AF65-F5344CB8AC3E}">
+        <p14:creationId xmlns:p14="http://schemas.microsoft.com/office/powerpoint/2010/main" val="606517923"/>
+      </p:ext>
+    </p:extLst>
+  </p:cSld>
+  <p:clrMapOvr>
+    <a:masterClrMapping/>
+  </p:clrMapOvr>
+</p:sld>
+</file>
+
+<file path=ppt/slides/slide7.xml><?xml version="1.0" encoding="utf-8"?>
 <p:sld xmlns:a="http://schemas.openxmlformats.org/drawingml/2006/main" xmlns:r="http://schemas.openxmlformats.org/officeDocument/2006/relationships" xmlns:p="http://schemas.openxmlformats.org/presentationml/2006/main">
   <p:cSld>
     <p:spTree>
@@ -5633,7 +9218,7 @@
 </p:sld>
 </file>
 
-<file path=ppt/slides/slide5.xml><?xml version="1.0" encoding="utf-8"?>
+<file path=ppt/slides/slide8.xml><?xml version="1.0" encoding="utf-8"?>
 <p:sld xmlns:a="http://schemas.openxmlformats.org/drawingml/2006/main" xmlns:r="http://schemas.openxmlformats.org/officeDocument/2006/relationships" xmlns:p="http://schemas.openxmlformats.org/presentationml/2006/main">
   <p:cSld>
     <p:spTree>
@@ -5831,7 +9416,7 @@
 </p:sld>
 </file>
 
-<file path=ppt/slides/slide6.xml><?xml version="1.0" encoding="utf-8"?>
+<file path=ppt/slides/slide9.xml><?xml version="1.0" encoding="utf-8"?>
 <p:sld xmlns:a="http://schemas.openxmlformats.org/drawingml/2006/main" xmlns:r="http://schemas.openxmlformats.org/officeDocument/2006/relationships" xmlns:p="http://schemas.openxmlformats.org/presentationml/2006/main">
   <p:cSld>
     <p:spTree>
@@ -5964,359 +9549,6 @@
     <p:extLst>
       <p:ext uri="{BB962C8B-B14F-4D97-AF65-F5344CB8AC3E}">
         <p14:creationId xmlns:p14="http://schemas.microsoft.com/office/powerpoint/2010/main" val="3670096276"/>
-      </p:ext>
-    </p:extLst>
-  </p:cSld>
-  <p:clrMapOvr>
-    <a:masterClrMapping/>
-  </p:clrMapOvr>
-</p:sld>
-</file>
-
-<file path=ppt/slides/slide7.xml><?xml version="1.0" encoding="utf-8"?>
-<p:sld xmlns:a="http://schemas.openxmlformats.org/drawingml/2006/main" xmlns:r="http://schemas.openxmlformats.org/officeDocument/2006/relationships" xmlns:p="http://schemas.openxmlformats.org/presentationml/2006/main">
-  <p:cSld>
-    <p:spTree>
-      <p:nvGrpSpPr>
-        <p:cNvPr id="1" name=""/>
-        <p:cNvGrpSpPr/>
-        <p:nvPr/>
-      </p:nvGrpSpPr>
-      <p:grpSpPr>
-        <a:xfrm>
-          <a:off x="0" y="0"/>
-          <a:ext cx="0" cy="0"/>
-          <a:chOff x="0" y="0"/>
-          <a:chExt cx="0" cy="0"/>
-        </a:xfrm>
-      </p:grpSpPr>
-      <p:sp>
-        <p:nvSpPr>
-          <p:cNvPr id="2" name="Title 1">
-            <a:extLst>
-              <a:ext uri="{FF2B5EF4-FFF2-40B4-BE49-F238E27FC236}">
-                <a16:creationId xmlns:a16="http://schemas.microsoft.com/office/drawing/2014/main" id="{FEF5AAB8-A5FC-4D5A-9759-ACAE1B5953E8}"/>
-              </a:ext>
-            </a:extLst>
-          </p:cNvPr>
-          <p:cNvSpPr>
-            <a:spLocks noGrp="1"/>
-          </p:cNvSpPr>
-          <p:nvPr>
-            <p:ph type="title"/>
-          </p:nvPr>
-        </p:nvSpPr>
-        <p:spPr/>
-        <p:txBody>
-          <a:bodyPr/>
-          <a:lstStyle/>
-          <a:p>
-            <a:r>
-              <a:rPr lang="es-PE" dirty="0" err="1"/>
-              <a:t>Composicion</a:t>
-            </a:r>
-            <a:endParaRPr lang="es-PE" dirty="0"/>
-          </a:p>
-        </p:txBody>
-      </p:sp>
-      <p:sp>
-        <p:nvSpPr>
-          <p:cNvPr id="3" name="Content Placeholder 2">
-            <a:extLst>
-              <a:ext uri="{FF2B5EF4-FFF2-40B4-BE49-F238E27FC236}">
-                <a16:creationId xmlns:a16="http://schemas.microsoft.com/office/drawing/2014/main" id="{B9098592-E11F-4B73-8B03-1CF12DCFAAA4}"/>
-              </a:ext>
-            </a:extLst>
-          </p:cNvPr>
-          <p:cNvSpPr>
-            <a:spLocks noGrp="1"/>
-          </p:cNvSpPr>
-          <p:nvPr>
-            <p:ph sz="quarter" idx="13"/>
-          </p:nvPr>
-        </p:nvSpPr>
-        <p:spPr/>
-        <p:txBody>
-          <a:bodyPr/>
-          <a:lstStyle/>
-          <a:p>
-            <a:r>
-              <a:rPr lang="es-PE" dirty="0" err="1"/>
-              <a:t>Barplots</a:t>
-            </a:r>
-            <a:endParaRPr lang="es-PE" dirty="0"/>
-          </a:p>
-          <a:p>
-            <a:r>
-              <a:rPr lang="es-PE" dirty="0" err="1"/>
-              <a:t>Stratified</a:t>
-            </a:r>
-            <a:endParaRPr lang="es-PE" dirty="0"/>
-          </a:p>
-          <a:p>
-            <a:r>
-              <a:rPr lang="es-PE" dirty="0" err="1"/>
-              <a:t>Krona</a:t>
-            </a:r>
-            <a:r>
-              <a:rPr lang="es-PE" dirty="0"/>
-              <a:t> charts</a:t>
-            </a:r>
-          </a:p>
-        </p:txBody>
-      </p:sp>
-      <p:sp>
-        <p:nvSpPr>
-          <p:cNvPr id="4" name="Content Placeholder 3">
-            <a:extLst>
-              <a:ext uri="{FF2B5EF4-FFF2-40B4-BE49-F238E27FC236}">
-                <a16:creationId xmlns:a16="http://schemas.microsoft.com/office/drawing/2014/main" id="{C5265791-BD01-462F-93E0-7FC25D8CFFC4}"/>
-              </a:ext>
-            </a:extLst>
-          </p:cNvPr>
-          <p:cNvSpPr>
-            <a:spLocks noGrp="1"/>
-          </p:cNvSpPr>
-          <p:nvPr>
-            <p:ph sz="quarter" idx="14"/>
-          </p:nvPr>
-        </p:nvSpPr>
-        <p:spPr/>
-        <p:txBody>
-          <a:bodyPr/>
-          <a:lstStyle/>
-          <a:p>
-            <a:endParaRPr lang="es-PE" dirty="0"/>
-          </a:p>
-        </p:txBody>
-      </p:sp>
-    </p:spTree>
-    <p:extLst>
-      <p:ext uri="{BB962C8B-B14F-4D97-AF65-F5344CB8AC3E}">
-        <p14:creationId xmlns:p14="http://schemas.microsoft.com/office/powerpoint/2010/main" val="1792694551"/>
-      </p:ext>
-    </p:extLst>
-  </p:cSld>
-  <p:clrMapOvr>
-    <a:masterClrMapping/>
-  </p:clrMapOvr>
-</p:sld>
-</file>
-
-<file path=ppt/slides/slide8.xml><?xml version="1.0" encoding="utf-8"?>
-<p:sld xmlns:a="http://schemas.openxmlformats.org/drawingml/2006/main" xmlns:r="http://schemas.openxmlformats.org/officeDocument/2006/relationships" xmlns:p="http://schemas.openxmlformats.org/presentationml/2006/main">
-  <p:cSld>
-    <p:spTree>
-      <p:nvGrpSpPr>
-        <p:cNvPr id="1" name=""/>
-        <p:cNvGrpSpPr/>
-        <p:nvPr/>
-      </p:nvGrpSpPr>
-      <p:grpSpPr>
-        <a:xfrm>
-          <a:off x="0" y="0"/>
-          <a:ext cx="0" cy="0"/>
-          <a:chOff x="0" y="0"/>
-          <a:chExt cx="0" cy="0"/>
-        </a:xfrm>
-      </p:grpSpPr>
-      <p:sp>
-        <p:nvSpPr>
-          <p:cNvPr id="2" name="Title 1">
-            <a:extLst>
-              <a:ext uri="{FF2B5EF4-FFF2-40B4-BE49-F238E27FC236}">
-                <a16:creationId xmlns:a16="http://schemas.microsoft.com/office/drawing/2014/main" id="{2953105B-E4C6-490C-B601-531826957EB7}"/>
-              </a:ext>
-            </a:extLst>
-          </p:cNvPr>
-          <p:cNvSpPr>
-            <a:spLocks noGrp="1"/>
-          </p:cNvSpPr>
-          <p:nvPr>
-            <p:ph type="title"/>
-          </p:nvPr>
-        </p:nvSpPr>
-        <p:spPr/>
-        <p:txBody>
-          <a:bodyPr/>
-          <a:lstStyle/>
-          <a:p>
-            <a:r>
-              <a:rPr lang="es-PE" dirty="0" err="1"/>
-              <a:t>Heatmap</a:t>
-            </a:r>
-            <a:endParaRPr lang="es-PE" dirty="0"/>
-          </a:p>
-        </p:txBody>
-      </p:sp>
-      <p:sp>
-        <p:nvSpPr>
-          <p:cNvPr id="3" name="Content Placeholder 2">
-            <a:extLst>
-              <a:ext uri="{FF2B5EF4-FFF2-40B4-BE49-F238E27FC236}">
-                <a16:creationId xmlns:a16="http://schemas.microsoft.com/office/drawing/2014/main" id="{B162A47B-3367-4C0E-8AB3-124C2F9F3BE2}"/>
-              </a:ext>
-            </a:extLst>
-          </p:cNvPr>
-          <p:cNvSpPr>
-            <a:spLocks noGrp="1"/>
-          </p:cNvSpPr>
-          <p:nvPr>
-            <p:ph sz="quarter" idx="13"/>
-          </p:nvPr>
-        </p:nvSpPr>
-        <p:spPr/>
-        <p:txBody>
-          <a:bodyPr/>
-          <a:lstStyle/>
-          <a:p>
-            <a:r>
-              <a:rPr lang="es-PE" dirty="0"/>
-              <a:t>Atractivos visualmente</a:t>
-            </a:r>
-          </a:p>
-        </p:txBody>
-      </p:sp>
-      <p:sp>
-        <p:nvSpPr>
-          <p:cNvPr id="4" name="Content Placeholder 3">
-            <a:extLst>
-              <a:ext uri="{FF2B5EF4-FFF2-40B4-BE49-F238E27FC236}">
-                <a16:creationId xmlns:a16="http://schemas.microsoft.com/office/drawing/2014/main" id="{FF33143D-9662-4E78-8E21-90FD513669E0}"/>
-              </a:ext>
-            </a:extLst>
-          </p:cNvPr>
-          <p:cNvSpPr>
-            <a:spLocks noGrp="1"/>
-          </p:cNvSpPr>
-          <p:nvPr>
-            <p:ph sz="quarter" idx="14"/>
-          </p:nvPr>
-        </p:nvSpPr>
-        <p:spPr/>
-        <p:txBody>
-          <a:bodyPr/>
-          <a:lstStyle/>
-          <a:p>
-            <a:r>
-              <a:rPr lang="es-PE" dirty="0"/>
-              <a:t>Hay que hacer escalamiento</a:t>
-            </a:r>
-          </a:p>
-        </p:txBody>
-      </p:sp>
-    </p:spTree>
-    <p:extLst>
-      <p:ext uri="{BB962C8B-B14F-4D97-AF65-F5344CB8AC3E}">
-        <p14:creationId xmlns:p14="http://schemas.microsoft.com/office/powerpoint/2010/main" val="2206559032"/>
-      </p:ext>
-    </p:extLst>
-  </p:cSld>
-  <p:clrMapOvr>
-    <a:masterClrMapping/>
-  </p:clrMapOvr>
-</p:sld>
-</file>
-
-<file path=ppt/slides/slide9.xml><?xml version="1.0" encoding="utf-8"?>
-<p:sld xmlns:a="http://schemas.openxmlformats.org/drawingml/2006/main" xmlns:r="http://schemas.openxmlformats.org/officeDocument/2006/relationships" xmlns:p="http://schemas.openxmlformats.org/presentationml/2006/main">
-  <p:cSld>
-    <p:spTree>
-      <p:nvGrpSpPr>
-        <p:cNvPr id="1" name=""/>
-        <p:cNvGrpSpPr/>
-        <p:nvPr/>
-      </p:nvGrpSpPr>
-      <p:grpSpPr>
-        <a:xfrm>
-          <a:off x="0" y="0"/>
-          <a:ext cx="0" cy="0"/>
-          <a:chOff x="0" y="0"/>
-          <a:chExt cx="0" cy="0"/>
-        </a:xfrm>
-      </p:grpSpPr>
-      <p:sp>
-        <p:nvSpPr>
-          <p:cNvPr id="2" name="Title 1">
-            <a:extLst>
-              <a:ext uri="{FF2B5EF4-FFF2-40B4-BE49-F238E27FC236}">
-                <a16:creationId xmlns:a16="http://schemas.microsoft.com/office/drawing/2014/main" id="{3EC69293-E92A-4273-A7DC-E70E92D538A3}"/>
-              </a:ext>
-            </a:extLst>
-          </p:cNvPr>
-          <p:cNvSpPr>
-            <a:spLocks noGrp="1"/>
-          </p:cNvSpPr>
-          <p:nvPr>
-            <p:ph type="title"/>
-          </p:nvPr>
-        </p:nvSpPr>
-        <p:spPr/>
-        <p:txBody>
-          <a:bodyPr/>
-          <a:lstStyle/>
-          <a:p>
-            <a:r>
-              <a:rPr lang="es-PE" dirty="0"/>
-              <a:t>Redes</a:t>
-            </a:r>
-          </a:p>
-        </p:txBody>
-      </p:sp>
-      <p:sp>
-        <p:nvSpPr>
-          <p:cNvPr id="3" name="Content Placeholder 2">
-            <a:extLst>
-              <a:ext uri="{FF2B5EF4-FFF2-40B4-BE49-F238E27FC236}">
-                <a16:creationId xmlns:a16="http://schemas.microsoft.com/office/drawing/2014/main" id="{26075A05-9EAA-419D-83FF-34C6A29F58CA}"/>
-              </a:ext>
-            </a:extLst>
-          </p:cNvPr>
-          <p:cNvSpPr>
-            <a:spLocks noGrp="1"/>
-          </p:cNvSpPr>
-          <p:nvPr>
-            <p:ph sz="quarter" idx="13"/>
-          </p:nvPr>
-        </p:nvSpPr>
-        <p:spPr/>
-        <p:txBody>
-          <a:bodyPr/>
-          <a:lstStyle/>
-          <a:p>
-            <a:endParaRPr lang="es-PE"/>
-          </a:p>
-        </p:txBody>
-      </p:sp>
-      <p:sp>
-        <p:nvSpPr>
-          <p:cNvPr id="4" name="Content Placeholder 3">
-            <a:extLst>
-              <a:ext uri="{FF2B5EF4-FFF2-40B4-BE49-F238E27FC236}">
-                <a16:creationId xmlns:a16="http://schemas.microsoft.com/office/drawing/2014/main" id="{2DE5B991-860C-419D-9887-BD1A54D59BFE}"/>
-              </a:ext>
-            </a:extLst>
-          </p:cNvPr>
-          <p:cNvSpPr>
-            <a:spLocks noGrp="1"/>
-          </p:cNvSpPr>
-          <p:nvPr>
-            <p:ph sz="quarter" idx="14"/>
-          </p:nvPr>
-        </p:nvSpPr>
-        <p:spPr/>
-        <p:txBody>
-          <a:bodyPr/>
-          <a:lstStyle/>
-          <a:p>
-            <a:endParaRPr lang="es-PE"/>
-          </a:p>
-        </p:txBody>
-      </p:sp>
-    </p:spTree>
-    <p:extLst>
-      <p:ext uri="{BB962C8B-B14F-4D97-AF65-F5344CB8AC3E}">
-        <p14:creationId xmlns:p14="http://schemas.microsoft.com/office/powerpoint/2010/main" val="3227046826"/>
       </p:ext>
     </p:extLst>
   </p:cSld>
